--- a/03 설계/UI Design.pptx
+++ b/03 설계/UI Design.pptx
@@ -5,10 +5,10 @@
     <p:sldMasterId id="2147483655" r:id="rId1"/>
   </p:sldMasterIdLst>
   <p:notesMasterIdLst>
-    <p:notesMasterId r:id="rId8"/>
+    <p:notesMasterId r:id="rId10"/>
   </p:notesMasterIdLst>
   <p:handoutMasterIdLst>
-    <p:handoutMasterId r:id="rId9"/>
+    <p:handoutMasterId r:id="rId11"/>
   </p:handoutMasterIdLst>
   <p:sldIdLst>
     <p:sldId id="256" r:id="rId2"/>
@@ -17,6 +17,8 @@
     <p:sldId id="261" r:id="rId5"/>
     <p:sldId id="259" r:id="rId6"/>
     <p:sldId id="263" r:id="rId7"/>
+    <p:sldId id="264" r:id="rId8"/>
+    <p:sldId id="265" r:id="rId9"/>
   </p:sldIdLst>
   <p:sldSz cx="9144000" cy="6858000" type="screen4x3"/>
   <p:notesSz cx="6797675" cy="9928225"/>
@@ -145,7 +147,46 @@
       </a:defRPr>
     </a:lvl9pPr>
   </p:defaultTextStyle>
+  <p:extLst>
+    <p:ext uri="{EFAFB233-063F-42B5-8137-9DF3F51BA10A}">
+      <p15:sldGuideLst xmlns:p15="http://schemas.microsoft.com/office/powerpoint/2012/main">
+        <p15:guide id="1" orient="horz">
+          <p15:clr>
+            <a:srgbClr val="A4A3A4"/>
+          </p15:clr>
+        </p15:guide>
+        <p15:guide id="2" pos="2880">
+          <p15:clr>
+            <a:srgbClr val="A4A3A4"/>
+          </p15:clr>
+        </p15:guide>
+        <p15:guide id="3" pos="6">
+          <p15:clr>
+            <a:srgbClr val="A4A3A4"/>
+          </p15:clr>
+        </p15:guide>
+      </p15:sldGuideLst>
+    </p:ext>
+    <p:ext uri="{2D200454-40CA-4A62-9FC3-DE9A4176ACB9}">
+      <p15:notesGuideLst xmlns:p15="http://schemas.microsoft.com/office/powerpoint/2012/main">
+        <p15:guide id="1" orient="horz" pos="3126">
+          <p15:clr>
+            <a:srgbClr val="A4A3A4"/>
+          </p15:clr>
+        </p15:guide>
+        <p15:guide id="2" pos="2140">
+          <p15:clr>
+            <a:srgbClr val="A4A3A4"/>
+          </p15:clr>
+        </p15:guide>
+      </p15:notesGuideLst>
+    </p:ext>
+  </p:extLst>
 </p:presentation>
+</file>
+
+<file path=ppt/revisionInfo.xml><?xml version="1.0" encoding="utf-8"?>
+<p1510:revInfo xmlns:a="http://schemas.openxmlformats.org/drawingml/2006/main" xmlns:r="http://schemas.openxmlformats.org/officeDocument/2006/relationships" xmlns:p1510="http://schemas.microsoft.com/office/powerpoint/2015/10/main"/>
 </file>
 
 <file path=ppt/handoutMasters/handoutMaster1.xml><?xml version="1.0" encoding="utf-8"?>
@@ -557,35 +598,35 @@
           <a:p>
             <a:pPr lvl="0"/>
             <a:r>
-              <a:rPr lang="en-GB" altLang="ko-KR" smtClean="0"/>
+              <a:rPr lang="en-GB" altLang="ko-KR"/>
               <a:t>Click to edit Master text styles</a:t>
             </a:r>
           </a:p>
           <a:p>
             <a:pPr lvl="1"/>
             <a:r>
-              <a:rPr lang="en-GB" altLang="ko-KR" smtClean="0"/>
+              <a:rPr lang="en-GB" altLang="ko-KR"/>
               <a:t>Second level</a:t>
             </a:r>
           </a:p>
           <a:p>
             <a:pPr lvl="2"/>
             <a:r>
-              <a:rPr lang="en-GB" altLang="ko-KR" smtClean="0"/>
+              <a:rPr lang="en-GB" altLang="ko-KR"/>
               <a:t>Third level</a:t>
             </a:r>
           </a:p>
           <a:p>
             <a:pPr lvl="3"/>
             <a:r>
-              <a:rPr lang="en-GB" altLang="ko-KR" smtClean="0"/>
+              <a:rPr lang="en-GB" altLang="ko-KR"/>
               <a:t>Fourth level</a:t>
             </a:r>
           </a:p>
           <a:p>
             <a:pPr lvl="4"/>
             <a:r>
-              <a:rPr lang="en-GB" altLang="ko-KR" smtClean="0"/>
+              <a:rPr lang="en-GB" altLang="ko-KR"/>
               <a:t>Fifth level</a:t>
             </a:r>
           </a:p>
@@ -976,7 +1017,7 @@
           </a:bodyPr>
           <a:lstStyle/>
           <a:p>
-            <a:endParaRPr lang="en-US" altLang="ko-KR" sz="2400" b="1" dirty="0" smtClean="0">
+            <a:endParaRPr lang="en-US" altLang="ko-KR" sz="2400" b="1" dirty="0">
               <a:latin typeface="HY헤드라인M" pitchFamily="18" charset="-127"/>
               <a:ea typeface="HY헤드라인M" pitchFamily="18" charset="-127"/>
             </a:endParaRPr>
@@ -1030,18 +1071,13 @@
             </a:lvl1pPr>
           </a:lstStyle>
           <a:p>
-            <a:r>
-              <a:rPr lang="en-US" altLang="ko-KR" dirty="0" smtClean="0"/>
-              <a:t/>
-            </a:r>
             <a:br>
-              <a:rPr lang="en-US" altLang="ko-KR" dirty="0" smtClean="0"/>
+              <a:rPr lang="en-US" altLang="ko-KR" dirty="0"/>
             </a:br>
             <a:r>
-              <a:rPr lang="ko-KR" altLang="en-US" dirty="0" smtClean="0"/>
+              <a:rPr lang="ko-KR" altLang="en-US" dirty="0"/>
               <a:t>마스터 제목 스타일 편집</a:t>
             </a:r>
-            <a:endParaRPr lang="ko-KR" altLang="en-US" dirty="0"/>
           </a:p>
         </p:txBody>
       </p:sp>
@@ -1117,7 +1153,7 @@
           <a:p>
             <a:pPr algn="r"/>
             <a:r>
-              <a:rPr lang="ko-KR" altLang="en-US" dirty="0" smtClean="0"/>
+              <a:rPr lang="ko-KR" altLang="en-US" dirty="0"/>
               <a:t>팀 명</a:t>
             </a:r>
             <a:endParaRPr lang="en-US" altLang="ko-KR" dirty="0"/>
@@ -1174,7 +1210,7 @@
               <a:buNone/>
               <a:tabLst/>
             </a:pPr>
-            <a:endParaRPr kumimoji="0" lang="ko-KR" altLang="en-US" sz="1400" b="0" i="0" u="none" strike="noStrike" cap="none" normalizeH="0" baseline="0" smtClean="0">
+            <a:endParaRPr kumimoji="0" lang="ko-KR" altLang="en-US" sz="1400" b="0" i="0" u="none" strike="noStrike" cap="none" normalizeH="0" baseline="0">
               <a:ln>
                 <a:noFill/>
               </a:ln>
@@ -1243,7 +1279,7 @@
           </a:lstStyle>
           <a:p>
             <a:r>
-              <a:rPr lang="ko-KR" altLang="en-US" smtClean="0"/>
+              <a:rPr lang="ko-KR" altLang="en-US"/>
               <a:t>마스터 제목 스타일 편집</a:t>
             </a:r>
             <a:endParaRPr lang="ko-KR" altLang="en-US" dirty="0"/>
@@ -1293,35 +1329,35 @@
           <a:p>
             <a:pPr lvl="0"/>
             <a:r>
-              <a:rPr lang="ko-KR" altLang="en-US" smtClean="0"/>
+              <a:rPr lang="ko-KR" altLang="en-US"/>
               <a:t>마스터 텍스트 스타일을 편집합니다</a:t>
             </a:r>
           </a:p>
           <a:p>
             <a:pPr lvl="1"/>
             <a:r>
-              <a:rPr lang="ko-KR" altLang="en-US" smtClean="0"/>
+              <a:rPr lang="ko-KR" altLang="en-US"/>
               <a:t>둘째 수준</a:t>
             </a:r>
           </a:p>
           <a:p>
             <a:pPr lvl="2"/>
             <a:r>
-              <a:rPr lang="ko-KR" altLang="en-US" smtClean="0"/>
+              <a:rPr lang="ko-KR" altLang="en-US"/>
               <a:t>셋째 수준</a:t>
             </a:r>
           </a:p>
           <a:p>
             <a:pPr lvl="3"/>
             <a:r>
-              <a:rPr lang="ko-KR" altLang="en-US" smtClean="0"/>
+              <a:rPr lang="ko-KR" altLang="en-US"/>
               <a:t>넷째 수준</a:t>
             </a:r>
           </a:p>
           <a:p>
             <a:pPr lvl="4"/>
             <a:r>
-              <a:rPr lang="ko-KR" altLang="en-US" smtClean="0"/>
+              <a:rPr lang="ko-KR" altLang="en-US"/>
               <a:t>다섯째 수준</a:t>
             </a:r>
             <a:endParaRPr lang="ko-KR" altLang="en-US" dirty="0"/>
@@ -1445,7 +1481,7 @@
           <a:p>
             <a:pPr algn="r"/>
             <a:r>
-              <a:rPr lang="ko-KR" altLang="en-US" smtClean="0"/>
+              <a:rPr lang="ko-KR" altLang="en-US"/>
               <a:t>팀 명</a:t>
             </a:r>
             <a:endParaRPr lang="en-US" altLang="ko-KR" dirty="0"/>
@@ -1650,7 +1686,7 @@
           <a:p>
             <a:pPr algn="r"/>
             <a:r>
-              <a:rPr lang="ko-KR" altLang="en-US" dirty="0" smtClean="0"/>
+              <a:rPr lang="ko-KR" altLang="en-US" dirty="0"/>
               <a:t>팀 명 </a:t>
             </a:r>
             <a:endParaRPr lang="en-US" altLang="ko-KR" dirty="0"/>
@@ -2196,27 +2232,23 @@
           <a:bodyPr/>
           <a:lstStyle/>
           <a:p>
-            <a:r>
-              <a:rPr lang="en-US" altLang="ko-KR" dirty="0" smtClean="0"/>
-              <a:t/>
-            </a:r>
             <a:br>
-              <a:rPr lang="en-US" altLang="ko-KR" dirty="0" smtClean="0"/>
+              <a:rPr lang="en-US" altLang="ko-KR" dirty="0"/>
             </a:br>
             <a:r>
-              <a:rPr lang="ko-KR" altLang="en-US" dirty="0" smtClean="0"/>
+              <a:rPr lang="ko-KR" altLang="en-US" dirty="0"/>
               <a:t>화면 설계</a:t>
             </a:r>
             <a:r>
-              <a:rPr lang="en-US" altLang="ko-KR" dirty="0" smtClean="0"/>
+              <a:rPr lang="en-US" altLang="ko-KR" dirty="0"/>
               <a:t>(UI </a:t>
             </a:r>
             <a:r>
-              <a:rPr lang="ko-KR" altLang="en-US" dirty="0" smtClean="0"/>
+              <a:rPr lang="ko-KR" altLang="en-US" dirty="0"/>
               <a:t>명세서</a:t>
             </a:r>
             <a:r>
-              <a:rPr lang="en-US" altLang="ko-KR" dirty="0" smtClean="0"/>
+              <a:rPr lang="en-US" altLang="ko-KR" dirty="0"/>
               <a:t>)</a:t>
             </a:r>
             <a:endParaRPr lang="ko-KR" altLang="en-US" dirty="0"/>
@@ -2232,7 +2264,7 @@
         <p:spPr>
           <a:xfrm>
             <a:off x="7751445" y="4372844"/>
-            <a:ext cx="768159" cy="400110"/>
+            <a:ext cx="736292" cy="400110"/>
           </a:xfrm>
           <a:prstGeom prst="rect">
             <a:avLst/>
@@ -2246,8 +2278,8 @@
           <a:lstStyle/>
           <a:p>
             <a:r>
-              <a:rPr lang="ko-KR" altLang="en-US" sz="2000" dirty="0" smtClean="0"/>
-              <a:t>팀 명</a:t>
+              <a:rPr lang="en-US" altLang="ko-KR" sz="2000" dirty="0" err="1"/>
+              <a:t>D.Va</a:t>
             </a:r>
             <a:endParaRPr lang="ko-KR" altLang="en-US" sz="2000" dirty="0"/>
           </a:p>
@@ -2294,10 +2326,9 @@
           <a:lstStyle/>
           <a:p>
             <a:r>
-              <a:rPr lang="ko-KR" altLang="en-US" dirty="0" smtClean="0"/>
+              <a:rPr lang="ko-KR" altLang="en-US" dirty="0"/>
               <a:t>변경 이력</a:t>
             </a:r>
-            <a:endParaRPr lang="ko-KR" altLang="en-US" dirty="0"/>
           </a:p>
         </p:txBody>
       </p:sp>
@@ -2311,7 +2342,7 @@
             <p:ph idx="1"/>
             <p:extLst>
               <p:ext uri="{D42A27DB-BD31-4B8C-83A1-F6EECF244321}">
-                <p14:modId xmlns:p14="http://schemas.microsoft.com/office/powerpoint/2010/main" val="3459876744"/>
+                <p14:modId xmlns:p14="http://schemas.microsoft.com/office/powerpoint/2010/main" val="407857374"/>
               </p:ext>
             </p:extLst>
           </p:nvPr>
@@ -2327,10 +2358,34 @@
                 <a:tableStyleId>{5940675A-B579-460E-94D1-54222C63F5DA}</a:tableStyleId>
               </a:tblPr>
               <a:tblGrid>
-                <a:gridCol w="2145506"/>
-                <a:gridCol w="2145506"/>
-                <a:gridCol w="2145506"/>
-                <a:gridCol w="2145506"/>
+                <a:gridCol w="2145506">
+                  <a:extLst>
+                    <a:ext uri="{9D8B030D-6E8A-4147-A177-3AD203B41FA5}">
+                      <a16:colId xmlns:a16="http://schemas.microsoft.com/office/drawing/2014/main" val="20000"/>
+                    </a:ext>
+                  </a:extLst>
+                </a:gridCol>
+                <a:gridCol w="2145506">
+                  <a:extLst>
+                    <a:ext uri="{9D8B030D-6E8A-4147-A177-3AD203B41FA5}">
+                      <a16:colId xmlns:a16="http://schemas.microsoft.com/office/drawing/2014/main" val="20001"/>
+                    </a:ext>
+                  </a:extLst>
+                </a:gridCol>
+                <a:gridCol w="2145506">
+                  <a:extLst>
+                    <a:ext uri="{9D8B030D-6E8A-4147-A177-3AD203B41FA5}">
+                      <a16:colId xmlns:a16="http://schemas.microsoft.com/office/drawing/2014/main" val="20002"/>
+                    </a:ext>
+                  </a:extLst>
+                </a:gridCol>
+                <a:gridCol w="2145506">
+                  <a:extLst>
+                    <a:ext uri="{9D8B030D-6E8A-4147-A177-3AD203B41FA5}">
+                      <a16:colId xmlns:a16="http://schemas.microsoft.com/office/drawing/2014/main" val="20003"/>
+                    </a:ext>
+                  </a:extLst>
+                </a:gridCol>
               </a:tblGrid>
               <a:tr h="370840">
                 <a:tc>
@@ -2340,7 +2395,7 @@
                     <a:p>
                       <a:pPr algn="ctr" latinLnBrk="1"/>
                       <a:r>
-                        <a:rPr lang="ko-KR" altLang="en-US" sz="1200" b="1" dirty="0" smtClean="0">
+                        <a:rPr lang="ko-KR" altLang="en-US" sz="1200" b="1" dirty="0">
                           <a:latin typeface="맑은 고딕" pitchFamily="50" charset="-127"/>
                           <a:ea typeface="맑은 고딕" pitchFamily="50" charset="-127"/>
                         </a:rPr>
@@ -2370,7 +2425,7 @@
                     <a:p>
                       <a:pPr algn="ctr" latinLnBrk="1"/>
                       <a:r>
-                        <a:rPr lang="ko-KR" altLang="en-US" sz="1200" b="1" dirty="0" smtClean="0">
+                        <a:rPr lang="ko-KR" altLang="en-US" sz="1200" b="1" dirty="0">
                           <a:latin typeface="맑은 고딕" pitchFamily="50" charset="-127"/>
                           <a:ea typeface="맑은 고딕" pitchFamily="50" charset="-127"/>
                         </a:rPr>
@@ -2400,7 +2455,7 @@
                     <a:p>
                       <a:pPr algn="ctr" latinLnBrk="1"/>
                       <a:r>
-                        <a:rPr lang="ko-KR" altLang="en-US" sz="1200" b="1" dirty="0" smtClean="0">
+                        <a:rPr lang="ko-KR" altLang="en-US" sz="1200" b="1" dirty="0">
                           <a:latin typeface="맑은 고딕" pitchFamily="50" charset="-127"/>
                           <a:ea typeface="맑은 고딕" pitchFamily="50" charset="-127"/>
                         </a:rPr>
@@ -2430,7 +2485,7 @@
                     <a:p>
                       <a:pPr algn="ctr" latinLnBrk="1"/>
                       <a:r>
-                        <a:rPr lang="ko-KR" altLang="en-US" sz="1200" b="1" dirty="0" smtClean="0">
+                        <a:rPr lang="ko-KR" altLang="en-US" sz="1200" b="1" dirty="0">
                           <a:latin typeface="맑은 고딕" pitchFamily="50" charset="-127"/>
                           <a:ea typeface="맑은 고딕" pitchFamily="50" charset="-127"/>
                         </a:rPr>
@@ -2453,6 +2508,145 @@
                     </a:solidFill>
                   </a:tcPr>
                 </a:tc>
+                <a:extLst>
+                  <a:ext uri="{0D108BD9-81ED-4DB2-BD59-A6C34878D82A}">
+                    <a16:rowId xmlns:a16="http://schemas.microsoft.com/office/drawing/2014/main" val="10000"/>
+                  </a:ext>
+                </a:extLst>
+              </a:tr>
+              <a:tr h="370840">
+                <a:tc>
+                  <a:txBody>
+                    <a:bodyPr/>
+                    <a:lstStyle/>
+                    <a:p>
+                      <a:pPr algn="ctr" latinLnBrk="1"/>
+                      <a:r>
+                        <a:rPr lang="en-US" altLang="ko-KR" sz="1200" b="0" dirty="0">
+                          <a:solidFill>
+                            <a:schemeClr val="tx1"/>
+                          </a:solidFill>
+                          <a:latin typeface="맑은 고딕" pitchFamily="50" charset="-127"/>
+                          <a:ea typeface="맑은 고딕" pitchFamily="50" charset="-127"/>
+                        </a:rPr>
+                        <a:t>2018 – 05 – 06</a:t>
+                      </a:r>
+                      <a:endParaRPr lang="ko-KR" altLang="en-US" sz="1200" b="0" dirty="0">
+                        <a:solidFill>
+                          <a:schemeClr val="tx1"/>
+                        </a:solidFill>
+                        <a:latin typeface="맑은 고딕" pitchFamily="50" charset="-127"/>
+                        <a:ea typeface="맑은 고딕" pitchFamily="50" charset="-127"/>
+                      </a:endParaRPr>
+                    </a:p>
+                  </a:txBody>
+                  <a:tcPr anchor="ctr">
+                    <a:solidFill>
+                      <a:schemeClr val="bg1"/>
+                    </a:solidFill>
+                  </a:tcPr>
+                </a:tc>
+                <a:tc>
+                  <a:txBody>
+                    <a:bodyPr/>
+                    <a:lstStyle/>
+                    <a:p>
+                      <a:pPr algn="ctr" latinLnBrk="1"/>
+                      <a:r>
+                        <a:rPr lang="en-US" altLang="ko-KR" sz="1200" b="0" dirty="0">
+                          <a:solidFill>
+                            <a:schemeClr val="tx1"/>
+                          </a:solidFill>
+                          <a:latin typeface="맑은 고딕" pitchFamily="50" charset="-127"/>
+                          <a:ea typeface="맑은 고딕" pitchFamily="50" charset="-127"/>
+                        </a:rPr>
+                        <a:t>Ver 1.0.0.</a:t>
+                      </a:r>
+                      <a:endParaRPr lang="ko-KR" altLang="en-US" sz="1200" b="0" dirty="0">
+                        <a:solidFill>
+                          <a:schemeClr val="tx1"/>
+                        </a:solidFill>
+                        <a:latin typeface="맑은 고딕" pitchFamily="50" charset="-127"/>
+                        <a:ea typeface="맑은 고딕" pitchFamily="50" charset="-127"/>
+                      </a:endParaRPr>
+                    </a:p>
+                  </a:txBody>
+                  <a:tcPr anchor="ctr">
+                    <a:solidFill>
+                      <a:schemeClr val="bg1"/>
+                    </a:solidFill>
+                  </a:tcPr>
+                </a:tc>
+                <a:tc>
+                  <a:txBody>
+                    <a:bodyPr/>
+                    <a:lstStyle/>
+                    <a:p>
+                      <a:pPr algn="ctr" latinLnBrk="1"/>
+                      <a:r>
+                        <a:rPr lang="en-US" altLang="ko-KR" sz="1200" b="0" dirty="0">
+                          <a:solidFill>
+                            <a:schemeClr val="tx1"/>
+                          </a:solidFill>
+                          <a:latin typeface="맑은 고딕" pitchFamily="50" charset="-127"/>
+                          <a:ea typeface="맑은 고딕" pitchFamily="50" charset="-127"/>
+                        </a:rPr>
+                        <a:t>Login UI </a:t>
+                      </a:r>
+                      <a:r>
+                        <a:rPr lang="ko-KR" altLang="en-US" sz="1200" b="0" dirty="0">
+                          <a:solidFill>
+                            <a:schemeClr val="tx1"/>
+                          </a:solidFill>
+                          <a:latin typeface="맑은 고딕" pitchFamily="50" charset="-127"/>
+                          <a:ea typeface="맑은 고딕" pitchFamily="50" charset="-127"/>
+                        </a:rPr>
+                        <a:t>설계 추가</a:t>
+                      </a:r>
+                    </a:p>
+                  </a:txBody>
+                  <a:tcPr anchor="ctr">
+                    <a:solidFill>
+                      <a:schemeClr val="bg1"/>
+                    </a:solidFill>
+                  </a:tcPr>
+                </a:tc>
+                <a:tc>
+                  <a:txBody>
+                    <a:bodyPr/>
+                    <a:lstStyle/>
+                    <a:p>
+                      <a:pPr algn="ctr" latinLnBrk="1"/>
+                      <a:r>
+                        <a:rPr lang="ko-KR" altLang="en-US" sz="1200" b="0" dirty="0" err="1">
+                          <a:solidFill>
+                            <a:schemeClr val="tx1"/>
+                          </a:solidFill>
+                          <a:latin typeface="맑은 고딕" pitchFamily="50" charset="-127"/>
+                          <a:ea typeface="맑은 고딕" pitchFamily="50" charset="-127"/>
+                        </a:rPr>
+                        <a:t>임현</a:t>
+                      </a:r>
+                      <a:endParaRPr lang="ko-KR" altLang="en-US" sz="1200" b="0" dirty="0">
+                        <a:solidFill>
+                          <a:schemeClr val="tx1"/>
+                        </a:solidFill>
+                        <a:latin typeface="맑은 고딕" pitchFamily="50" charset="-127"/>
+                        <a:ea typeface="맑은 고딕" pitchFamily="50" charset="-127"/>
+                      </a:endParaRPr>
+                    </a:p>
+                  </a:txBody>
+                  <a:tcPr anchor="ctr">
+                    <a:solidFill>
+                      <a:schemeClr val="bg1"/>
+                    </a:solidFill>
+                  </a:tcPr>
+                </a:tc>
+                <a:extLst>
+                  <a:ext uri="{0D108BD9-81ED-4DB2-BD59-A6C34878D82A}">
+                    <a16:rowId xmlns:a16="http://schemas.microsoft.com/office/drawing/2014/main" val="10001"/>
+                  </a:ext>
+                </a:extLst>
               </a:tr>
               <a:tr h="370840">
                 <a:tc>
@@ -2502,8 +2696,8 @@
                     <a:bodyPr/>
                     <a:lstStyle/>
                     <a:p>
-                      <a:pPr latinLnBrk="1"/>
-                      <a:endParaRPr lang="ko-KR" altLang="en-US" sz="1200" b="0" dirty="0">
+                      <a:pPr algn="ctr" latinLnBrk="1"/>
+                      <a:endParaRPr lang="ko-KR" altLang="en-US" sz="1200" b="0">
                         <a:solidFill>
                           <a:schemeClr val="tx1"/>
                         </a:solidFill>
@@ -2539,6 +2733,11 @@
                     </a:solidFill>
                   </a:tcPr>
                 </a:tc>
+                <a:extLst>
+                  <a:ext uri="{0D108BD9-81ED-4DB2-BD59-A6C34878D82A}">
+                    <a16:rowId xmlns:a16="http://schemas.microsoft.com/office/drawing/2014/main" val="10002"/>
+                  </a:ext>
+                </a:extLst>
               </a:tr>
               <a:tr h="370840">
                 <a:tc>
@@ -2588,7 +2787,7 @@
                     <a:bodyPr/>
                     <a:lstStyle/>
                     <a:p>
-                      <a:pPr latinLnBrk="1"/>
+                      <a:pPr algn="ctr" latinLnBrk="1"/>
                       <a:endParaRPr lang="ko-KR" altLang="en-US" sz="1200" b="0">
                         <a:solidFill>
                           <a:schemeClr val="tx1"/>
@@ -2625,92 +2824,11 @@
                     </a:solidFill>
                   </a:tcPr>
                 </a:tc>
-              </a:tr>
-              <a:tr h="370840">
-                <a:tc>
-                  <a:txBody>
-                    <a:bodyPr/>
-                    <a:lstStyle/>
-                    <a:p>
-                      <a:pPr algn="ctr" latinLnBrk="1"/>
-                      <a:endParaRPr lang="ko-KR" altLang="en-US" sz="1200" b="0" dirty="0">
-                        <a:solidFill>
-                          <a:schemeClr val="tx1"/>
-                        </a:solidFill>
-                        <a:latin typeface="맑은 고딕" pitchFamily="50" charset="-127"/>
-                        <a:ea typeface="맑은 고딕" pitchFamily="50" charset="-127"/>
-                      </a:endParaRPr>
-                    </a:p>
-                  </a:txBody>
-                  <a:tcPr anchor="ctr">
-                    <a:solidFill>
-                      <a:schemeClr val="bg1"/>
-                    </a:solidFill>
-                  </a:tcPr>
-                </a:tc>
-                <a:tc>
-                  <a:txBody>
-                    <a:bodyPr/>
-                    <a:lstStyle/>
-                    <a:p>
-                      <a:pPr algn="ctr" latinLnBrk="1"/>
-                      <a:endParaRPr lang="ko-KR" altLang="en-US" sz="1200" b="0" dirty="0">
-                        <a:solidFill>
-                          <a:schemeClr val="tx1"/>
-                        </a:solidFill>
-                        <a:latin typeface="맑은 고딕" pitchFamily="50" charset="-127"/>
-                        <a:ea typeface="맑은 고딕" pitchFamily="50" charset="-127"/>
-                      </a:endParaRPr>
-                    </a:p>
-                  </a:txBody>
-                  <a:tcPr anchor="ctr">
-                    <a:solidFill>
-                      <a:schemeClr val="bg1"/>
-                    </a:solidFill>
-                  </a:tcPr>
-                </a:tc>
-                <a:tc>
-                  <a:txBody>
-                    <a:bodyPr/>
-                    <a:lstStyle/>
-                    <a:p>
-                      <a:pPr latinLnBrk="1"/>
-                      <a:endParaRPr lang="ko-KR" altLang="en-US" sz="1200" b="0">
-                        <a:solidFill>
-                          <a:schemeClr val="tx1"/>
-                        </a:solidFill>
-                        <a:latin typeface="맑은 고딕" pitchFamily="50" charset="-127"/>
-                        <a:ea typeface="맑은 고딕" pitchFamily="50" charset="-127"/>
-                      </a:endParaRPr>
-                    </a:p>
-                  </a:txBody>
-                  <a:tcPr anchor="ctr">
-                    <a:solidFill>
-                      <a:schemeClr val="bg1"/>
-                    </a:solidFill>
-                  </a:tcPr>
-                </a:tc>
-                <a:tc>
-                  <a:txBody>
-                    <a:bodyPr/>
-                    <a:lstStyle/>
-                    <a:p>
-                      <a:pPr algn="ctr" latinLnBrk="1"/>
-                      <a:endParaRPr lang="ko-KR" altLang="en-US" sz="1200" b="0" dirty="0">
-                        <a:solidFill>
-                          <a:schemeClr val="tx1"/>
-                        </a:solidFill>
-                        <a:latin typeface="맑은 고딕" pitchFamily="50" charset="-127"/>
-                        <a:ea typeface="맑은 고딕" pitchFamily="50" charset="-127"/>
-                      </a:endParaRPr>
-                    </a:p>
-                  </a:txBody>
-                  <a:tcPr anchor="ctr">
-                    <a:solidFill>
-                      <a:schemeClr val="bg1"/>
-                    </a:solidFill>
-                  </a:tcPr>
-                </a:tc>
+                <a:extLst>
+                  <a:ext uri="{0D108BD9-81ED-4DB2-BD59-A6C34878D82A}">
+                    <a16:rowId xmlns:a16="http://schemas.microsoft.com/office/drawing/2014/main" val="10003"/>
+                  </a:ext>
+                </a:extLst>
               </a:tr>
               <a:tr h="370840">
                 <a:tc>
@@ -2760,7 +2878,7 @@
                     <a:bodyPr/>
                     <a:lstStyle/>
                     <a:p>
-                      <a:pPr latinLnBrk="1"/>
+                      <a:pPr algn="ctr" latinLnBrk="1"/>
                       <a:endParaRPr lang="ko-KR" altLang="en-US" sz="1200" b="0" dirty="0">
                         <a:solidFill>
                           <a:schemeClr val="tx1"/>
@@ -2797,6 +2915,11 @@
                     </a:solidFill>
                   </a:tcPr>
                 </a:tc>
+                <a:extLst>
+                  <a:ext uri="{0D108BD9-81ED-4DB2-BD59-A6C34878D82A}">
+                    <a16:rowId xmlns:a16="http://schemas.microsoft.com/office/drawing/2014/main" val="10004"/>
+                  </a:ext>
+                </a:extLst>
               </a:tr>
               <a:tr h="370840">
                 <a:tc>
@@ -2846,7 +2969,7 @@
                     <a:bodyPr/>
                     <a:lstStyle/>
                     <a:p>
-                      <a:pPr latinLnBrk="1"/>
+                      <a:pPr algn="ctr" latinLnBrk="1"/>
                       <a:endParaRPr lang="ko-KR" altLang="en-US" sz="1200" b="0" dirty="0">
                         <a:solidFill>
                           <a:schemeClr val="tx1"/>
@@ -2883,6 +3006,11 @@
                     </a:solidFill>
                   </a:tcPr>
                 </a:tc>
+                <a:extLst>
+                  <a:ext uri="{0D108BD9-81ED-4DB2-BD59-A6C34878D82A}">
+                    <a16:rowId xmlns:a16="http://schemas.microsoft.com/office/drawing/2014/main" val="10005"/>
+                  </a:ext>
+                </a:extLst>
               </a:tr>
               <a:tr h="370840">
                 <a:tc>
@@ -2932,7 +3060,7 @@
                     <a:bodyPr/>
                     <a:lstStyle/>
                     <a:p>
-                      <a:pPr latinLnBrk="1"/>
+                      <a:pPr algn="ctr" latinLnBrk="1"/>
                       <a:endParaRPr lang="ko-KR" altLang="en-US" sz="1200" b="0" dirty="0">
                         <a:solidFill>
                           <a:schemeClr val="tx1"/>
@@ -2969,6 +3097,11 @@
                     </a:solidFill>
                   </a:tcPr>
                 </a:tc>
+                <a:extLst>
+                  <a:ext uri="{0D108BD9-81ED-4DB2-BD59-A6C34878D82A}">
+                    <a16:rowId xmlns:a16="http://schemas.microsoft.com/office/drawing/2014/main" val="10006"/>
+                  </a:ext>
+                </a:extLst>
               </a:tr>
               <a:tr h="370840">
                 <a:tc>
@@ -3018,7 +3151,7 @@
                     <a:bodyPr/>
                     <a:lstStyle/>
                     <a:p>
-                      <a:pPr latinLnBrk="1"/>
+                      <a:pPr algn="ctr" latinLnBrk="1"/>
                       <a:endParaRPr lang="ko-KR" altLang="en-US" sz="1200" b="0" dirty="0">
                         <a:solidFill>
                           <a:schemeClr val="tx1"/>
@@ -3055,6 +3188,11 @@
                     </a:solidFill>
                   </a:tcPr>
                 </a:tc>
+                <a:extLst>
+                  <a:ext uri="{0D108BD9-81ED-4DB2-BD59-A6C34878D82A}">
+                    <a16:rowId xmlns:a16="http://schemas.microsoft.com/office/drawing/2014/main" val="10007"/>
+                  </a:ext>
+                </a:extLst>
               </a:tr>
             </a:tbl>
           </a:graphicData>
@@ -3077,7 +3215,7 @@
           <a:p>
             <a:pPr algn="r"/>
             <a:r>
-              <a:rPr lang="ko-KR" altLang="en-US" dirty="0" smtClean="0"/>
+              <a:rPr lang="ko-KR" altLang="en-US" dirty="0"/>
               <a:t>팀 명</a:t>
             </a:r>
             <a:endParaRPr lang="en-US" altLang="ko-KR" dirty="0"/>
@@ -3125,7 +3263,7 @@
           <a:lstStyle/>
           <a:p>
             <a:r>
-              <a:rPr lang="en-US" altLang="ko-KR" b="1" dirty="0" smtClean="0">
+              <a:rPr lang="en-US" altLang="ko-KR" b="1" dirty="0">
                 <a:latin typeface="맑은 고딕" pitchFamily="50" charset="-127"/>
                 <a:ea typeface="맑은 고딕" pitchFamily="50" charset="-127"/>
               </a:rPr>
@@ -3157,14 +3295,14 @@
               <a:buNone/>
             </a:pPr>
             <a:r>
-              <a:rPr lang="ko-KR" altLang="en-US" dirty="0" smtClean="0">
+              <a:rPr lang="ko-KR" altLang="en-US" dirty="0">
                 <a:latin typeface="맑은 고딕" pitchFamily="50" charset="-127"/>
                 <a:ea typeface="맑은 고딕" pitchFamily="50" charset="-127"/>
               </a:rPr>
               <a:t>예제</a:t>
             </a:r>
             <a:r>
-              <a:rPr lang="en-US" altLang="ko-KR" dirty="0" smtClean="0">
+              <a:rPr lang="en-US" altLang="ko-KR" dirty="0">
                 <a:latin typeface="맑은 고딕" pitchFamily="50" charset="-127"/>
                 <a:ea typeface="맑은 고딕" pitchFamily="50" charset="-127"/>
               </a:rPr>
@@ -3194,7 +3332,7 @@
           <a:p>
             <a:pPr algn="r"/>
             <a:r>
-              <a:rPr lang="ko-KR" altLang="en-US" smtClean="0"/>
+              <a:rPr lang="ko-KR" altLang="en-US"/>
               <a:t>팀 명</a:t>
             </a:r>
             <a:endParaRPr lang="en-US" altLang="ko-KR" dirty="0"/>
@@ -3323,14 +3461,14 @@
               <a:buNone/>
             </a:pPr>
             <a:r>
-              <a:rPr lang="ko-KR" altLang="en-US" dirty="0" smtClean="0">
+              <a:rPr lang="ko-KR" altLang="en-US" dirty="0">
                 <a:latin typeface="맑은 고딕" pitchFamily="50" charset="-127"/>
                 <a:ea typeface="맑은 고딕" pitchFamily="50" charset="-127"/>
               </a:rPr>
               <a:t>예제</a:t>
             </a:r>
             <a:r>
-              <a:rPr lang="en-US" altLang="ko-KR" dirty="0" smtClean="0">
+              <a:rPr lang="en-US" altLang="ko-KR" dirty="0">
                 <a:latin typeface="맑은 고딕" pitchFamily="50" charset="-127"/>
                 <a:ea typeface="맑은 고딕" pitchFamily="50" charset="-127"/>
               </a:rPr>
@@ -3360,7 +3498,7 @@
           <a:p>
             <a:pPr algn="r"/>
             <a:r>
-              <a:rPr lang="ko-KR" altLang="en-US" smtClean="0"/>
+              <a:rPr lang="ko-KR" altLang="en-US"/>
               <a:t>팀 명</a:t>
             </a:r>
             <a:endParaRPr lang="en-US" altLang="ko-KR" dirty="0"/>
@@ -3478,7 +3616,7 @@
           <a:p>
             <a:pPr algn="r"/>
             <a:r>
-              <a:rPr lang="ko-KR" altLang="en-US" dirty="0" smtClean="0"/>
+              <a:rPr lang="ko-KR" altLang="en-US" dirty="0"/>
               <a:t>팀 명</a:t>
             </a:r>
             <a:endParaRPr lang="en-US" altLang="ko-KR" dirty="0"/>
@@ -3540,7 +3678,7 @@
               <a:buNone/>
               <a:tabLst/>
             </a:pPr>
-            <a:endParaRPr kumimoji="0" lang="en-US" altLang="ko-KR" sz="500" b="0" i="0" u="none" strike="noStrike" cap="none" normalizeH="0" baseline="0" dirty="0" smtClean="0">
+            <a:endParaRPr kumimoji="0" lang="en-US" altLang="ko-KR" sz="500" b="0" i="0" u="none" strike="noStrike" cap="none" normalizeH="0" baseline="0" dirty="0">
               <a:ln>
                 <a:noFill/>
               </a:ln>
@@ -3568,7 +3706,7 @@
               <a:tabLst/>
             </a:pPr>
             <a:r>
-              <a:rPr kumimoji="0" lang="en-US" altLang="ko-KR" sz="1050" b="0" i="0" u="none" strike="noStrike" cap="none" normalizeH="0" baseline="0" dirty="0" smtClean="0">
+              <a:rPr kumimoji="0" lang="en-US" altLang="ko-KR" sz="1050" b="0" i="0" u="none" strike="noStrike" cap="none" normalizeH="0" baseline="0" dirty="0">
                 <a:ln>
                   <a:noFill/>
                 </a:ln>
@@ -3582,7 +3720,7 @@
               <a:t> </a:t>
             </a:r>
             <a:r>
-              <a:rPr kumimoji="0" lang="ko-KR" altLang="en-US" sz="1050" b="0" i="0" u="none" strike="noStrike" cap="none" normalizeH="0" baseline="0" dirty="0" smtClean="0">
+              <a:rPr kumimoji="0" lang="ko-KR" altLang="en-US" sz="1050" b="0" i="0" u="none" strike="noStrike" cap="none" normalizeH="0" baseline="0" dirty="0">
                 <a:ln>
                   <a:noFill/>
                 </a:ln>
@@ -3596,7 +3734,7 @@
               <a:t>사용자의 회원 가입을 처리하는 화면이다</a:t>
             </a:r>
             <a:r>
-              <a:rPr kumimoji="0" lang="en-US" altLang="ko-KR" sz="1050" b="0" i="0" u="none" strike="noStrike" cap="none" normalizeH="0" baseline="0" dirty="0" smtClean="0">
+              <a:rPr kumimoji="0" lang="en-US" altLang="ko-KR" sz="1050" b="0" i="0" u="none" strike="noStrike" cap="none" normalizeH="0" baseline="0" dirty="0">
                 <a:ln>
                   <a:noFill/>
                 </a:ln>
@@ -3681,7 +3819,7 @@
                 <a:buNone/>
                 <a:tabLst/>
               </a:pPr>
-              <a:endParaRPr kumimoji="0" lang="ko-KR" altLang="en-US" sz="1400" b="0" i="0" u="none" strike="noStrike" cap="none" normalizeH="0" baseline="0" dirty="0" smtClean="0">
+              <a:endParaRPr kumimoji="0" lang="ko-KR" altLang="en-US" sz="1400" b="0" i="0" u="none" strike="noStrike" cap="none" normalizeH="0" baseline="0" dirty="0">
                 <a:ln>
                   <a:noFill/>
                 </a:ln>
@@ -3747,7 +3885,7 @@
                 <a:buNone/>
                 <a:tabLst/>
               </a:pPr>
-              <a:endParaRPr kumimoji="0" lang="ko-KR" altLang="en-US" sz="1400" b="0" i="0" u="none" strike="noStrike" cap="none" normalizeH="0" baseline="0" smtClean="0">
+              <a:endParaRPr kumimoji="0" lang="ko-KR" altLang="en-US" sz="1400" b="0" i="0" u="none" strike="noStrike" cap="none" normalizeH="0" baseline="0">
                 <a:ln>
                   <a:noFill/>
                 </a:ln>
@@ -3813,7 +3951,7 @@
                 <a:buNone/>
                 <a:tabLst/>
               </a:pPr>
-              <a:endParaRPr kumimoji="0" lang="ko-KR" altLang="en-US" sz="1400" b="0" i="0" u="none" strike="noStrike" cap="none" normalizeH="0" baseline="0" smtClean="0">
+              <a:endParaRPr kumimoji="0" lang="ko-KR" altLang="en-US" sz="1400" b="0" i="0" u="none" strike="noStrike" cap="none" normalizeH="0" baseline="0">
                 <a:ln>
                   <a:noFill/>
                 </a:ln>
@@ -3879,7 +4017,7 @@
                 <a:buNone/>
                 <a:tabLst/>
               </a:pPr>
-              <a:endParaRPr kumimoji="0" lang="ko-KR" altLang="en-US" sz="1400" b="0" i="0" u="none" strike="noStrike" cap="none" normalizeH="0" baseline="0" smtClean="0">
+              <a:endParaRPr kumimoji="0" lang="ko-KR" altLang="en-US" sz="1400" b="0" i="0" u="none" strike="noStrike" cap="none" normalizeH="0" baseline="0">
                 <a:ln>
                   <a:noFill/>
                 </a:ln>
@@ -3945,7 +4083,7 @@
                 <a:buNone/>
                 <a:tabLst/>
               </a:pPr>
-              <a:endParaRPr kumimoji="0" lang="ko-KR" altLang="en-US" sz="1400" b="0" i="0" u="none" strike="noStrike" cap="none" normalizeH="0" baseline="0" smtClean="0">
+              <a:endParaRPr kumimoji="0" lang="ko-KR" altLang="en-US" sz="1400" b="0" i="0" u="none" strike="noStrike" cap="none" normalizeH="0" baseline="0">
                 <a:ln>
                   <a:noFill/>
                 </a:ln>
@@ -4011,7 +4149,7 @@
                 <a:buNone/>
                 <a:tabLst/>
               </a:pPr>
-              <a:endParaRPr kumimoji="0" lang="ko-KR" altLang="en-US" sz="1400" b="0" i="0" u="none" strike="noStrike" cap="none" normalizeH="0" baseline="0" smtClean="0">
+              <a:endParaRPr kumimoji="0" lang="ko-KR" altLang="en-US" sz="1400" b="0" i="0" u="none" strike="noStrike" cap="none" normalizeH="0" baseline="0">
                 <a:ln>
                   <a:noFill/>
                 </a:ln>
@@ -4078,10 +4216,10 @@
                 <a:tabLst/>
               </a:pPr>
               <a:r>
-                <a:rPr lang="ko-KR" altLang="en-US" smtClean="0"/>
+                <a:rPr lang="ko-KR" altLang="en-US"/>
                 <a:t>확인</a:t>
               </a:r>
-              <a:endParaRPr kumimoji="0" lang="ko-KR" altLang="en-US" sz="1400" b="0" i="0" u="none" strike="noStrike" cap="none" normalizeH="0" baseline="0" smtClean="0">
+              <a:endParaRPr kumimoji="0" lang="ko-KR" altLang="en-US" sz="1400" b="0" i="0" u="none" strike="noStrike" cap="none" normalizeH="0" baseline="0">
                 <a:ln>
                   <a:noFill/>
                 </a:ln>
@@ -4118,7 +4256,7 @@
             <a:lstStyle/>
             <a:p>
               <a:r>
-                <a:rPr lang="ko-KR" altLang="en-US" dirty="0" smtClean="0">
+                <a:rPr lang="ko-KR" altLang="en-US" dirty="0">
                   <a:solidFill>
                     <a:srgbClr val="C00000"/>
                   </a:solidFill>
@@ -4126,7 +4264,7 @@
                 <a:t> </a:t>
               </a:r>
               <a:r>
-                <a:rPr lang="en-US" altLang="ko-KR" dirty="0" smtClean="0">
+                <a:rPr lang="en-US" altLang="ko-KR" dirty="0">
                   <a:solidFill>
                     <a:srgbClr val="C00000"/>
                   </a:solidFill>
@@ -4134,7 +4272,7 @@
                 <a:t>- </a:t>
               </a:r>
               <a:r>
-                <a:rPr lang="ko-KR" altLang="en-US" dirty="0" smtClean="0">
+                <a:rPr lang="ko-KR" altLang="en-US" dirty="0">
                   <a:solidFill>
                     <a:srgbClr val="C00000"/>
                   </a:solidFill>
@@ -4142,7 +4280,7 @@
                 <a:t>회원 가입 </a:t>
               </a:r>
               <a:r>
-                <a:rPr lang="en-US" altLang="ko-KR" dirty="0" smtClean="0">
+                <a:rPr lang="en-US" altLang="ko-KR" dirty="0">
                   <a:solidFill>
                     <a:srgbClr val="C00000"/>
                   </a:solidFill>
@@ -4180,7 +4318,7 @@
             <a:lstStyle/>
             <a:p>
               <a:r>
-                <a:rPr lang="ko-KR" altLang="en-US" smtClean="0"/>
+                <a:rPr lang="ko-KR" altLang="en-US"/>
                 <a:t>아이디</a:t>
               </a:r>
               <a:endParaRPr lang="ko-KR" altLang="en-US" dirty="0"/>
@@ -4210,7 +4348,7 @@
             <a:lstStyle/>
             <a:p>
               <a:r>
-                <a:rPr lang="ko-KR" altLang="en-US" smtClean="0"/>
+                <a:rPr lang="ko-KR" altLang="en-US"/>
                 <a:t>비밀번호</a:t>
               </a:r>
               <a:endParaRPr lang="ko-KR" altLang="en-US" dirty="0"/>
@@ -4240,7 +4378,7 @@
             <a:lstStyle/>
             <a:p>
               <a:r>
-                <a:rPr lang="en-US" altLang="ko-KR" dirty="0" smtClean="0"/>
+                <a:rPr lang="en-US" altLang="ko-KR" dirty="0"/>
                 <a:t>Phone</a:t>
               </a:r>
               <a:endParaRPr lang="ko-KR" altLang="en-US" dirty="0"/>
@@ -4270,7 +4408,7 @@
             <a:lstStyle/>
             <a:p>
               <a:r>
-                <a:rPr lang="en-US" altLang="ko-KR" dirty="0" smtClean="0"/>
+                <a:rPr lang="en-US" altLang="ko-KR" dirty="0"/>
                 <a:t>Email</a:t>
               </a:r>
               <a:endParaRPr lang="ko-KR" altLang="en-US" dirty="0"/>
@@ -4300,10 +4438,9 @@
             <a:lstStyle/>
             <a:p>
               <a:r>
-                <a:rPr lang="ko-KR" altLang="en-US" dirty="0" smtClean="0"/>
+                <a:rPr lang="ko-KR" altLang="en-US" dirty="0"/>
                 <a:t>주소</a:t>
               </a:r>
-              <a:endParaRPr lang="ko-KR" altLang="en-US" dirty="0"/>
             </a:p>
           </p:txBody>
         </p:sp>
@@ -4360,7 +4497,7 @@
                 <a:tabLst/>
               </a:pPr>
               <a:r>
-                <a:rPr kumimoji="0" lang="ko-KR" altLang="en-US" sz="1400" b="0" i="0" u="none" strike="noStrike" cap="none" normalizeH="0" baseline="0" smtClean="0">
+                <a:rPr kumimoji="0" lang="ko-KR" altLang="en-US" sz="1400" b="0" i="0" u="none" strike="noStrike" cap="none" normalizeH="0" baseline="0">
                   <a:ln>
                     <a:noFill/>
                   </a:ln>
@@ -4373,7 +4510,7 @@
                 </a:rPr>
                 <a:t>취소</a:t>
               </a:r>
-              <a:endParaRPr kumimoji="0" lang="ko-KR" altLang="en-US" sz="1400" b="0" i="0" u="none" strike="noStrike" cap="none" normalizeH="0" baseline="0" dirty="0" smtClean="0">
+              <a:endParaRPr kumimoji="0" lang="ko-KR" altLang="en-US" sz="1400" b="0" i="0" u="none" strike="noStrike" cap="none" normalizeH="0" baseline="0" dirty="0">
                 <a:ln>
                   <a:noFill/>
                 </a:ln>
@@ -4483,7 +4620,7 @@
                 <a:buNone/>
                 <a:tabLst/>
               </a:pPr>
-              <a:endParaRPr kumimoji="0" lang="en-US" altLang="ko-KR" sz="500" b="0" i="0" u="none" strike="noStrike" cap="none" normalizeH="0" baseline="0" dirty="0" smtClean="0">
+              <a:endParaRPr kumimoji="0" lang="en-US" altLang="ko-KR" sz="500" b="0" i="0" u="none" strike="noStrike" cap="none" normalizeH="0" baseline="0" dirty="0">
                 <a:ln>
                   <a:noFill/>
                 </a:ln>
@@ -4513,13 +4650,13 @@
                 <a:tabLst/>
               </a:pPr>
               <a:r>
-                <a:rPr lang="ko-KR" altLang="en-US" sz="1200" b="1" dirty="0" smtClean="0">
+                <a:rPr lang="ko-KR" altLang="en-US" sz="1200" b="1" dirty="0">
                   <a:latin typeface="맑은 고딕" pitchFamily="50" charset="-127"/>
                   <a:ea typeface="맑은 고딕" pitchFamily="50" charset="-127"/>
                 </a:rPr>
                 <a:t>화면 순서</a:t>
               </a:r>
-              <a:endParaRPr kumimoji="0" lang="en-US" altLang="ko-KR" sz="1200" b="1" i="0" u="none" strike="noStrike" cap="none" normalizeH="0" baseline="0" dirty="0" smtClean="0">
+              <a:endParaRPr kumimoji="0" lang="en-US" altLang="ko-KR" sz="1200" b="1" i="0" u="none" strike="noStrike" cap="none" normalizeH="0" baseline="0" dirty="0">
                 <a:ln>
                   <a:noFill/>
                 </a:ln>
@@ -4586,7 +4723,7 @@
                 <a:tabLst/>
               </a:pPr>
               <a:r>
-                <a:rPr kumimoji="0" lang="en-US" altLang="ko-KR" sz="1050" b="0" i="0" u="none" strike="noStrike" cap="none" normalizeH="0" baseline="0" dirty="0" smtClean="0">
+                <a:rPr kumimoji="0" lang="en-US" altLang="ko-KR" sz="1050" b="0" i="0" u="none" strike="noStrike" cap="none" normalizeH="0" baseline="0" dirty="0">
                   <a:ln>
                     <a:noFill/>
                   </a:ln>
@@ -4600,7 +4737,7 @@
                 <a:t> </a:t>
               </a:r>
               <a:r>
-                <a:rPr kumimoji="0" lang="ko-KR" altLang="en-US" sz="1050" b="0" i="0" u="none" strike="noStrike" cap="none" normalizeH="0" baseline="0" dirty="0" smtClean="0">
+                <a:rPr kumimoji="0" lang="ko-KR" altLang="en-US" sz="1050" b="0" i="0" u="none" strike="noStrike" cap="none" normalizeH="0" baseline="0" dirty="0">
                   <a:ln>
                     <a:noFill/>
                   </a:ln>
@@ -4614,14 +4751,14 @@
                 <a:t>확인 버튼을 누르면 회원 가입 완료 </a:t>
               </a:r>
               <a:r>
-                <a:rPr lang="ko-KR" altLang="en-US" sz="1050" dirty="0" smtClean="0">
+                <a:rPr lang="ko-KR" altLang="en-US" sz="1050" dirty="0">
                   <a:latin typeface="맑은 고딕" pitchFamily="50" charset="-127"/>
                   <a:ea typeface="맑은 고딕" pitchFamily="50" charset="-127"/>
                 </a:rPr>
                 <a:t>메시지를 표시하고</a:t>
               </a:r>
               <a:r>
-                <a:rPr lang="en-US" altLang="ko-KR" sz="1050" dirty="0" smtClean="0">
+                <a:rPr lang="en-US" altLang="ko-KR" sz="1050" dirty="0">
                   <a:latin typeface="맑은 고딕" pitchFamily="50" charset="-127"/>
                   <a:ea typeface="맑은 고딕" pitchFamily="50" charset="-127"/>
                 </a:rPr>
@@ -4644,21 +4781,21 @@
                 <a:tabLst/>
               </a:pPr>
               <a:r>
-                <a:rPr lang="en-US" altLang="ko-KR" sz="1050" dirty="0" smtClean="0">
+                <a:rPr lang="en-US" altLang="ko-KR" sz="1050" dirty="0">
                   <a:latin typeface="맑은 고딕" pitchFamily="50" charset="-127"/>
                   <a:ea typeface="맑은 고딕" pitchFamily="50" charset="-127"/>
                 </a:rPr>
                 <a:t>  </a:t>
               </a:r>
               <a:r>
-                <a:rPr lang="ko-KR" altLang="en-US" sz="1050" dirty="0" smtClean="0">
+                <a:rPr lang="ko-KR" altLang="en-US" sz="1050" dirty="0">
                   <a:latin typeface="맑은 고딕" pitchFamily="50" charset="-127"/>
                   <a:ea typeface="맑은 고딕" pitchFamily="50" charset="-127"/>
                 </a:rPr>
                 <a:t>메인 화면으로 이동한다</a:t>
               </a:r>
               <a:r>
-                <a:rPr lang="en-US" altLang="ko-KR" sz="1050" dirty="0" smtClean="0">
+                <a:rPr lang="en-US" altLang="ko-KR" sz="1050" dirty="0">
                   <a:latin typeface="맑은 고딕" pitchFamily="50" charset="-127"/>
                   <a:ea typeface="맑은 고딕" pitchFamily="50" charset="-127"/>
                 </a:rPr>
@@ -4680,7 +4817,7 @@
                 <a:buSzTx/>
                 <a:tabLst/>
               </a:pPr>
-              <a:endParaRPr lang="en-US" altLang="ko-KR" sz="1050" dirty="0" smtClean="0">
+              <a:endParaRPr lang="en-US" altLang="ko-KR" sz="1050" dirty="0">
                 <a:latin typeface="맑은 고딕" pitchFamily="50" charset="-127"/>
                 <a:ea typeface="맑은 고딕" pitchFamily="50" charset="-127"/>
               </a:endParaRPr>
@@ -4703,7 +4840,7 @@
                 <a:tabLst/>
               </a:pPr>
               <a:r>
-                <a:rPr kumimoji="0" lang="en-US" altLang="ko-KR" sz="1050" b="0" i="0" u="none" strike="noStrike" cap="none" normalizeH="0" baseline="0" dirty="0" smtClean="0">
+                <a:rPr kumimoji="0" lang="en-US" altLang="ko-KR" sz="1050" b="0" i="0" u="none" strike="noStrike" cap="none" normalizeH="0" baseline="0" dirty="0">
                   <a:ln>
                     <a:noFill/>
                   </a:ln>
@@ -4717,7 +4854,7 @@
                 <a:t> </a:t>
               </a:r>
               <a:r>
-                <a:rPr kumimoji="0" lang="ko-KR" altLang="en-US" sz="1050" b="0" i="0" u="none" strike="noStrike" cap="none" normalizeH="0" baseline="0" dirty="0" smtClean="0">
+                <a:rPr kumimoji="0" lang="ko-KR" altLang="en-US" sz="1050" b="0" i="0" u="none" strike="noStrike" cap="none" normalizeH="0" baseline="0" dirty="0">
                   <a:ln>
                     <a:noFill/>
                   </a:ln>
@@ -4731,7 +4868,7 @@
                 <a:t>취소 버튼을 누르면 메인 화면으로 이동한다</a:t>
               </a:r>
               <a:r>
-                <a:rPr kumimoji="0" lang="en-US" altLang="ko-KR" sz="1050" b="0" i="0" u="none" strike="noStrike" cap="none" normalizeH="0" baseline="0" dirty="0" smtClean="0">
+                <a:rPr kumimoji="0" lang="en-US" altLang="ko-KR" sz="1050" b="0" i="0" u="none" strike="noStrike" cap="none" normalizeH="0" baseline="0" dirty="0">
                   <a:ln>
                     <a:noFill/>
                   </a:ln>
@@ -4762,7 +4899,7 @@
                 <a:buChar char="•"/>
                 <a:tabLst/>
               </a:pPr>
-              <a:endParaRPr lang="en-US" altLang="ko-KR" sz="1050" dirty="0" smtClean="0">
+              <a:endParaRPr lang="en-US" altLang="ko-KR" sz="1050" dirty="0">
                 <a:latin typeface="맑은 고딕" pitchFamily="50" charset="-127"/>
                 <a:ea typeface="맑은 고딕" pitchFamily="50" charset="-127"/>
               </a:endParaRPr>
@@ -4785,7 +4922,7 @@
                 <a:tabLst/>
               </a:pPr>
               <a:r>
-                <a:rPr kumimoji="0" lang="en-US" altLang="ko-KR" sz="1050" b="1" i="0" u="none" strike="noStrike" cap="none" normalizeH="0" baseline="0" dirty="0" smtClean="0">
+                <a:rPr kumimoji="0" lang="en-US" altLang="ko-KR" sz="1050" b="1" i="0" u="none" strike="noStrike" cap="none" normalizeH="0" baseline="0" dirty="0">
                   <a:ln>
                     <a:noFill/>
                   </a:ln>
@@ -4798,7 +4935,7 @@
                 </a:rPr>
                 <a:t> ......</a:t>
               </a:r>
-              <a:endParaRPr kumimoji="0" lang="ko-KR" altLang="en-US" sz="1050" b="1" i="0" u="none" strike="noStrike" cap="none" normalizeH="0" baseline="0" dirty="0" smtClean="0">
+              <a:endParaRPr kumimoji="0" lang="ko-KR" altLang="en-US" sz="1050" b="1" i="0" u="none" strike="noStrike" cap="none" normalizeH="0" baseline="0" dirty="0">
                 <a:ln>
                   <a:noFill/>
                 </a:ln>
@@ -4882,7 +5019,7 @@
                 <a:buNone/>
                 <a:tabLst/>
               </a:pPr>
-              <a:endParaRPr kumimoji="0" lang="en-US" altLang="ko-KR" sz="500" b="0" i="0" u="none" strike="noStrike" cap="none" normalizeH="0" baseline="0" dirty="0" smtClean="0">
+              <a:endParaRPr kumimoji="0" lang="en-US" altLang="ko-KR" sz="500" b="0" i="0" u="none" strike="noStrike" cap="none" normalizeH="0" baseline="0" dirty="0">
                 <a:ln>
                   <a:noFill/>
                 </a:ln>
@@ -5185,12 +5322,48 @@
             <a:tbl>
               <a:tblPr/>
               <a:tblGrid>
-                <a:gridCol w="1024554"/>
-                <a:gridCol w="2983884"/>
-                <a:gridCol w="1196090"/>
-                <a:gridCol w="1859283"/>
-                <a:gridCol w="597313"/>
-                <a:gridCol w="1272218"/>
+                <a:gridCol w="1024554">
+                  <a:extLst>
+                    <a:ext uri="{9D8B030D-6E8A-4147-A177-3AD203B41FA5}">
+                      <a16:colId xmlns:a16="http://schemas.microsoft.com/office/drawing/2014/main" val="20000"/>
+                    </a:ext>
+                  </a:extLst>
+                </a:gridCol>
+                <a:gridCol w="2983884">
+                  <a:extLst>
+                    <a:ext uri="{9D8B030D-6E8A-4147-A177-3AD203B41FA5}">
+                      <a16:colId xmlns:a16="http://schemas.microsoft.com/office/drawing/2014/main" val="20001"/>
+                    </a:ext>
+                  </a:extLst>
+                </a:gridCol>
+                <a:gridCol w="1196090">
+                  <a:extLst>
+                    <a:ext uri="{9D8B030D-6E8A-4147-A177-3AD203B41FA5}">
+                      <a16:colId xmlns:a16="http://schemas.microsoft.com/office/drawing/2014/main" val="20002"/>
+                    </a:ext>
+                  </a:extLst>
+                </a:gridCol>
+                <a:gridCol w="1859283">
+                  <a:extLst>
+                    <a:ext uri="{9D8B030D-6E8A-4147-A177-3AD203B41FA5}">
+                      <a16:colId xmlns:a16="http://schemas.microsoft.com/office/drawing/2014/main" val="20003"/>
+                    </a:ext>
+                  </a:extLst>
+                </a:gridCol>
+                <a:gridCol w="597313">
+                  <a:extLst>
+                    <a:ext uri="{9D8B030D-6E8A-4147-A177-3AD203B41FA5}">
+                      <a16:colId xmlns:a16="http://schemas.microsoft.com/office/drawing/2014/main" val="20004"/>
+                    </a:ext>
+                  </a:extLst>
+                </a:gridCol>
+                <a:gridCol w="1272218">
+                  <a:extLst>
+                    <a:ext uri="{9D8B030D-6E8A-4147-A177-3AD203B41FA5}">
+                      <a16:colId xmlns:a16="http://schemas.microsoft.com/office/drawing/2014/main" val="20005"/>
+                    </a:ext>
+                  </a:extLst>
+                </a:gridCol>
               </a:tblGrid>
               <a:tr h="299619">
                 <a:tc>
@@ -5215,7 +5388,7 @@
                         <a:tabLst/>
                       </a:pPr>
                       <a:r>
-                        <a:rPr kumimoji="1" lang="ko-KR" altLang="en-US" sz="900" b="0" i="0" u="none" strike="noStrike" cap="none" normalizeH="0" baseline="0" dirty="0" smtClean="0">
+                        <a:rPr kumimoji="1" lang="ko-KR" altLang="en-US" sz="900" b="0" i="0" u="none" strike="noStrike" cap="none" normalizeH="0" baseline="0" dirty="0">
                           <a:ln>
                             <a:noFill/>
                           </a:ln>
@@ -5228,7 +5401,7 @@
                         </a:rPr>
                         <a:t>프로젝트 명</a:t>
                       </a:r>
-                      <a:endParaRPr kumimoji="1" lang="ko-KR" altLang="ko-KR" sz="900" b="0" i="0" u="none" strike="noStrike" cap="none" normalizeH="0" baseline="0" dirty="0" smtClean="0">
+                      <a:endParaRPr kumimoji="1" lang="ko-KR" altLang="ko-KR" sz="900" b="0" i="0" u="none" strike="noStrike" cap="none" normalizeH="0" baseline="0" dirty="0">
                         <a:ln>
                           <a:noFill/>
                         </a:ln>
@@ -5310,7 +5483,7 @@
                         <a:buNone/>
                         <a:tabLst/>
                       </a:pPr>
-                      <a:endParaRPr kumimoji="1" lang="ko-KR" altLang="ko-KR" sz="900" b="0" i="0" u="none" strike="noStrike" cap="none" normalizeH="0" baseline="0" dirty="0" smtClean="0">
+                      <a:endParaRPr kumimoji="1" lang="ko-KR" altLang="ko-KR" sz="900" b="0" i="0" u="none" strike="noStrike" cap="none" normalizeH="0" baseline="0" dirty="0">
                         <a:ln>
                           <a:noFill/>
                         </a:ln>
@@ -5391,7 +5564,7 @@
                         <a:tabLst/>
                       </a:pPr>
                       <a:r>
-                        <a:rPr kumimoji="1" lang="ko-KR" altLang="en-US" sz="900" b="0" i="0" u="none" strike="noStrike" cap="none" normalizeH="0" baseline="0" dirty="0" smtClean="0">
+                        <a:rPr kumimoji="1" lang="ko-KR" altLang="en-US" sz="900" b="0" i="0" u="none" strike="noStrike" cap="none" normalizeH="0" baseline="0" dirty="0">
                           <a:ln>
                             <a:noFill/>
                           </a:ln>
@@ -5404,7 +5577,7 @@
                         </a:rPr>
                         <a:t>문서 명</a:t>
                       </a:r>
-                      <a:endParaRPr kumimoji="1" lang="ko-KR" altLang="ko-KR" sz="900" b="0" i="0" u="none" strike="noStrike" cap="none" normalizeH="0" baseline="0" dirty="0" smtClean="0">
+                      <a:endParaRPr kumimoji="1" lang="ko-KR" altLang="ko-KR" sz="900" b="0" i="0" u="none" strike="noStrike" cap="none" normalizeH="0" baseline="0" dirty="0">
                         <a:ln>
                           <a:noFill/>
                         </a:ln>
@@ -5486,7 +5659,7 @@
                         <a:buNone/>
                         <a:tabLst/>
                       </a:pPr>
-                      <a:endParaRPr kumimoji="1" lang="ko-KR" sz="900" b="0" i="0" u="none" strike="noStrike" cap="none" normalizeH="0" baseline="0" dirty="0" smtClean="0">
+                      <a:endParaRPr kumimoji="1" lang="ko-KR" sz="900" b="0" i="0" u="none" strike="noStrike" cap="none" normalizeH="0" baseline="0" dirty="0">
                         <a:ln>
                           <a:noFill/>
                         </a:ln>
@@ -5566,7 +5739,7 @@
                         <a:buNone/>
                         <a:tabLst/>
                       </a:pPr>
-                      <a:endParaRPr kumimoji="1" lang="ko-KR" sz="1800" b="0" i="0" u="none" strike="noStrike" cap="none" normalizeH="0" baseline="0" dirty="0" smtClean="0">
+                      <a:endParaRPr kumimoji="1" lang="ko-KR" sz="1800" b="0" i="0" u="none" strike="noStrike" cap="none" normalizeH="0" baseline="0" dirty="0">
                         <a:ln>
                           <a:noFill/>
                         </a:ln>
@@ -5648,7 +5821,7 @@
                         <a:buNone/>
                         <a:tabLst/>
                       </a:pPr>
-                      <a:endParaRPr kumimoji="1" lang="ko-KR" altLang="ko-KR" sz="1800" b="0" i="0" u="none" strike="noStrike" cap="none" normalizeH="0" baseline="0" dirty="0" smtClean="0">
+                      <a:endParaRPr kumimoji="1" lang="ko-KR" altLang="ko-KR" sz="1800" b="0" i="0" u="none" strike="noStrike" cap="none" normalizeH="0" baseline="0" dirty="0">
                         <a:ln>
                           <a:noFill/>
                         </a:ln>
@@ -5707,6 +5880,11 @@
                     <a:noFill/>
                   </a:tcPr>
                 </a:tc>
+                <a:extLst>
+                  <a:ext uri="{0D108BD9-81ED-4DB2-BD59-A6C34878D82A}">
+                    <a16:rowId xmlns:a16="http://schemas.microsoft.com/office/drawing/2014/main" val="10000"/>
+                  </a:ext>
+                </a:extLst>
               </a:tr>
               <a:tr h="297106">
                 <a:tc>
@@ -5731,7 +5909,7 @@
                         <a:tabLst/>
                       </a:pPr>
                       <a:r>
-                        <a:rPr kumimoji="1" lang="ko-KR" sz="900" b="0" i="0" u="none" strike="noStrike" cap="none" normalizeH="0" baseline="0" dirty="0" smtClean="0">
+                        <a:rPr kumimoji="1" lang="ko-KR" sz="900" b="0" i="0" u="none" strike="noStrike" cap="none" normalizeH="0" baseline="0" dirty="0">
                           <a:ln>
                             <a:noFill/>
                           </a:ln>
@@ -5815,7 +5993,7 @@
                         <a:buNone/>
                         <a:tabLst/>
                       </a:pPr>
-                      <a:endParaRPr kumimoji="1" lang="ko-KR" altLang="ko-KR" sz="900" b="0" i="0" u="none" strike="noStrike" cap="none" normalizeH="0" baseline="0" dirty="0" smtClean="0">
+                      <a:endParaRPr kumimoji="1" lang="ko-KR" altLang="ko-KR" sz="900" b="0" i="0" u="none" strike="noStrike" cap="none" normalizeH="0" baseline="0" dirty="0">
                         <a:ln>
                           <a:noFill/>
                         </a:ln>
@@ -5896,7 +6074,7 @@
                         <a:tabLst/>
                       </a:pPr>
                       <a:r>
-                        <a:rPr kumimoji="1" lang="ko-KR" altLang="en-US" sz="900" b="0" i="0" u="none" strike="noStrike" cap="none" normalizeH="0" baseline="0" dirty="0" smtClean="0">
+                        <a:rPr kumimoji="1" lang="ko-KR" altLang="en-US" sz="900" b="0" i="0" u="none" strike="noStrike" cap="none" normalizeH="0" baseline="0" dirty="0">
                           <a:ln>
                             <a:noFill/>
                           </a:ln>
@@ -5910,7 +6088,7 @@
                         <a:t>화면 </a:t>
                       </a:r>
                       <a:r>
-                        <a:rPr kumimoji="1" lang="en-US" altLang="ko-KR" sz="900" b="0" i="0" u="none" strike="noStrike" cap="none" normalizeH="0" baseline="0" dirty="0" smtClean="0">
+                        <a:rPr kumimoji="1" lang="en-US" altLang="ko-KR" sz="900" b="0" i="0" u="none" strike="noStrike" cap="none" normalizeH="0" baseline="0" dirty="0">
                           <a:ln>
                             <a:noFill/>
                           </a:ln>
@@ -5923,7 +6101,7 @@
                         </a:rPr>
                         <a:t>ID</a:t>
                       </a:r>
-                      <a:endParaRPr kumimoji="1" lang="ko-KR" altLang="ko-KR" sz="900" b="0" i="0" u="none" strike="noStrike" cap="none" normalizeH="0" baseline="0" dirty="0" smtClean="0">
+                      <a:endParaRPr kumimoji="1" lang="ko-KR" altLang="ko-KR" sz="900" b="0" i="0" u="none" strike="noStrike" cap="none" normalizeH="0" baseline="0" dirty="0">
                         <a:ln>
                           <a:noFill/>
                         </a:ln>
@@ -6005,7 +6183,7 @@
                         <a:buNone/>
                         <a:tabLst/>
                       </a:pPr>
-                      <a:endParaRPr kumimoji="1" lang="ko-KR" altLang="ko-KR" sz="900" b="0" i="0" u="none" strike="noStrike" cap="none" normalizeH="0" baseline="0" dirty="0" smtClean="0">
+                      <a:endParaRPr kumimoji="1" lang="ko-KR" altLang="ko-KR" sz="900" b="0" i="0" u="none" strike="noStrike" cap="none" normalizeH="0" baseline="0" dirty="0">
                         <a:ln>
                           <a:noFill/>
                         </a:ln>
@@ -6086,7 +6264,7 @@
                         <a:tabLst/>
                       </a:pPr>
                       <a:r>
-                        <a:rPr kumimoji="1" lang="ko-KR" altLang="en-US" sz="900" b="0" i="0" u="none" strike="noStrike" cap="none" normalizeH="0" baseline="0" dirty="0" smtClean="0">
+                        <a:rPr kumimoji="1" lang="ko-KR" altLang="en-US" sz="900" b="0" i="0" u="none" strike="noStrike" cap="none" normalizeH="0" baseline="0" dirty="0">
                           <a:ln>
                             <a:noFill/>
                           </a:ln>
@@ -6099,7 +6277,7 @@
                         </a:rPr>
                         <a:t>버전</a:t>
                       </a:r>
-                      <a:endParaRPr kumimoji="1" lang="ko-KR" sz="900" b="0" i="0" u="none" strike="noStrike" cap="none" normalizeH="0" baseline="0" dirty="0" smtClean="0">
+                      <a:endParaRPr kumimoji="1" lang="ko-KR" sz="900" b="0" i="0" u="none" strike="noStrike" cap="none" normalizeH="0" baseline="0" dirty="0">
                         <a:ln>
                           <a:noFill/>
                         </a:ln>
@@ -6182,7 +6360,7 @@
                         <a:tabLst/>
                       </a:pPr>
                       <a:r>
-                        <a:rPr kumimoji="1" lang="en-US" altLang="ko-KR" sz="900" b="0" i="0" u="none" strike="noStrike" cap="none" normalizeH="0" baseline="0" dirty="0" smtClean="0">
+                        <a:rPr kumimoji="1" lang="en-US" altLang="ko-KR" sz="900" b="0" i="0" u="none" strike="noStrike" cap="none" normalizeH="0" baseline="0" dirty="0">
                           <a:ln>
                             <a:noFill/>
                           </a:ln>
@@ -6195,7 +6373,7 @@
                         </a:rPr>
                         <a:t>2014.XX.XX</a:t>
                       </a:r>
-                      <a:endParaRPr kumimoji="1" lang="ko-KR" altLang="ko-KR" sz="900" b="0" i="0" u="none" strike="noStrike" cap="none" normalizeH="0" baseline="0" dirty="0" smtClean="0">
+                      <a:endParaRPr kumimoji="1" lang="ko-KR" altLang="ko-KR" sz="900" b="0" i="0" u="none" strike="noStrike" cap="none" normalizeH="0" baseline="0" dirty="0">
                         <a:ln>
                           <a:noFill/>
                         </a:ln>
@@ -6254,6 +6432,11 @@
                     <a:noFill/>
                   </a:tcPr>
                 </a:tc>
+                <a:extLst>
+                  <a:ext uri="{0D108BD9-81ED-4DB2-BD59-A6C34878D82A}">
+                    <a16:rowId xmlns:a16="http://schemas.microsoft.com/office/drawing/2014/main" val="10001"/>
+                  </a:ext>
+                </a:extLst>
               </a:tr>
               <a:tr h="297106">
                 <a:tc>
@@ -6278,7 +6461,7 @@
                         <a:tabLst/>
                       </a:pPr>
                       <a:r>
-                        <a:rPr kumimoji="1" lang="ko-KR" altLang="en-US" sz="900" b="0" i="0" u="none" strike="noStrike" cap="none" normalizeH="0" baseline="0" dirty="0" smtClean="0">
+                        <a:rPr kumimoji="1" lang="ko-KR" altLang="en-US" sz="900" b="0" i="0" u="none" strike="noStrike" cap="none" normalizeH="0" baseline="0" dirty="0">
                           <a:ln>
                             <a:noFill/>
                           </a:ln>
@@ -6292,7 +6475,7 @@
                         <a:t>관련 </a:t>
                       </a:r>
                       <a:r>
-                        <a:rPr kumimoji="1" lang="en-US" altLang="ko-KR" sz="900" b="0" i="0" u="none" strike="noStrike" cap="none" normalizeH="0" baseline="0" dirty="0" smtClean="0">
+                        <a:rPr kumimoji="1" lang="en-US" altLang="ko-KR" sz="900" b="0" i="0" u="none" strike="noStrike" cap="none" normalizeH="0" baseline="0" dirty="0">
                           <a:ln>
                             <a:noFill/>
                           </a:ln>
@@ -6376,7 +6559,7 @@
                         <a:buNone/>
                         <a:tabLst/>
                       </a:pPr>
-                      <a:endParaRPr kumimoji="1" lang="ko-KR" altLang="ko-KR" sz="900" b="0" i="0" u="none" strike="noStrike" cap="none" normalizeH="0" baseline="0" dirty="0" smtClean="0">
+                      <a:endParaRPr kumimoji="1" lang="ko-KR" altLang="ko-KR" sz="900" b="0" i="0" u="none" strike="noStrike" cap="none" normalizeH="0" baseline="0" dirty="0">
                         <a:ln>
                           <a:noFill/>
                         </a:ln>
@@ -6456,7 +6639,7 @@
                         <a:buNone/>
                         <a:tabLst/>
                       </a:pPr>
-                      <a:endParaRPr kumimoji="1" lang="ko-KR" altLang="ko-KR" sz="900" b="0" i="0" u="none" strike="noStrike" cap="none" normalizeH="0" baseline="0" dirty="0" smtClean="0">
+                      <a:endParaRPr kumimoji="1" lang="ko-KR" altLang="ko-KR" sz="900" b="0" i="0" u="none" strike="noStrike" cap="none" normalizeH="0" baseline="0" dirty="0">
                         <a:ln>
                           <a:noFill/>
                         </a:ln>
@@ -6538,7 +6721,7 @@
                         <a:buNone/>
                         <a:tabLst/>
                       </a:pPr>
-                      <a:endParaRPr kumimoji="1" lang="ko-KR" altLang="ko-KR" sz="900" b="0" i="0" u="none" strike="noStrike" cap="none" normalizeH="0" baseline="0" dirty="0" smtClean="0">
+                      <a:endParaRPr kumimoji="1" lang="ko-KR" altLang="ko-KR" sz="900" b="0" i="0" u="none" strike="noStrike" cap="none" normalizeH="0" baseline="0" dirty="0">
                         <a:ln>
                           <a:noFill/>
                         </a:ln>
@@ -6618,7 +6801,7 @@
                         <a:buNone/>
                         <a:tabLst/>
                       </a:pPr>
-                      <a:endParaRPr kumimoji="1" lang="ko-KR" sz="900" b="0" i="0" u="none" strike="noStrike" cap="none" normalizeH="0" baseline="0" dirty="0" smtClean="0">
+                      <a:endParaRPr kumimoji="1" lang="ko-KR" sz="900" b="0" i="0" u="none" strike="noStrike" cap="none" normalizeH="0" baseline="0" dirty="0">
                         <a:ln>
                           <a:noFill/>
                         </a:ln>
@@ -6700,7 +6883,7 @@
                         <a:buNone/>
                         <a:tabLst/>
                       </a:pPr>
-                      <a:endParaRPr kumimoji="1" lang="ko-KR" altLang="ko-KR" sz="900" b="0" i="0" u="none" strike="noStrike" cap="none" normalizeH="0" baseline="0" dirty="0" smtClean="0">
+                      <a:endParaRPr kumimoji="1" lang="ko-KR" altLang="ko-KR" sz="900" b="0" i="0" u="none" strike="noStrike" cap="none" normalizeH="0" baseline="0" dirty="0">
                         <a:ln>
                           <a:noFill/>
                         </a:ln>
@@ -6759,6 +6942,11 @@
                     <a:noFill/>
                   </a:tcPr>
                 </a:tc>
+                <a:extLst>
+                  <a:ext uri="{0D108BD9-81ED-4DB2-BD59-A6C34878D82A}">
+                    <a16:rowId xmlns:a16="http://schemas.microsoft.com/office/drawing/2014/main" val="10002"/>
+                  </a:ext>
+                </a:extLst>
               </a:tr>
             </a:tbl>
           </a:graphicData>
@@ -6811,7 +6999,7 @@
           <a:p>
             <a:pPr algn="r"/>
             <a:r>
-              <a:rPr lang="ko-KR" altLang="en-US" dirty="0" smtClean="0"/>
+              <a:rPr lang="ko-KR" altLang="en-US" dirty="0"/>
               <a:t>팀 명</a:t>
             </a:r>
             <a:endParaRPr lang="en-US" altLang="ko-KR" dirty="0"/>
@@ -6887,7 +7075,7 @@
                 <a:buNone/>
                 <a:tabLst/>
               </a:pPr>
-              <a:endParaRPr kumimoji="0" lang="ko-KR" altLang="en-US" sz="1400" b="0" i="0" u="none" strike="noStrike" cap="none" normalizeH="0" baseline="0" dirty="0" smtClean="0">
+              <a:endParaRPr kumimoji="0" lang="ko-KR" altLang="en-US" sz="1400" b="0" i="0" u="none" strike="noStrike" cap="none" normalizeH="0" baseline="0" dirty="0">
                 <a:ln>
                   <a:noFill/>
                 </a:ln>
@@ -6953,7 +7141,7 @@
                 <a:buNone/>
                 <a:tabLst/>
               </a:pPr>
-              <a:endParaRPr kumimoji="0" lang="ko-KR" altLang="en-US" sz="1400" b="0" i="0" u="none" strike="noStrike" cap="none" normalizeH="0" baseline="0" smtClean="0">
+              <a:endParaRPr kumimoji="0" lang="ko-KR" altLang="en-US" sz="1400" b="0" i="0" u="none" strike="noStrike" cap="none" normalizeH="0" baseline="0">
                 <a:ln>
                   <a:noFill/>
                 </a:ln>
@@ -7019,7 +7207,7 @@
                 <a:buNone/>
                 <a:tabLst/>
               </a:pPr>
-              <a:endParaRPr kumimoji="0" lang="ko-KR" altLang="en-US" sz="1400" b="0" i="0" u="none" strike="noStrike" cap="none" normalizeH="0" baseline="0" smtClean="0">
+              <a:endParaRPr kumimoji="0" lang="ko-KR" altLang="en-US" sz="1400" b="0" i="0" u="none" strike="noStrike" cap="none" normalizeH="0" baseline="0">
                 <a:ln>
                   <a:noFill/>
                 </a:ln>
@@ -7085,7 +7273,7 @@
                 <a:buNone/>
                 <a:tabLst/>
               </a:pPr>
-              <a:endParaRPr kumimoji="0" lang="ko-KR" altLang="en-US" sz="1400" b="0" i="0" u="none" strike="noStrike" cap="none" normalizeH="0" baseline="0" smtClean="0">
+              <a:endParaRPr kumimoji="0" lang="ko-KR" altLang="en-US" sz="1400" b="0" i="0" u="none" strike="noStrike" cap="none" normalizeH="0" baseline="0">
                 <a:ln>
                   <a:noFill/>
                 </a:ln>
@@ -7151,7 +7339,7 @@
                 <a:buNone/>
                 <a:tabLst/>
               </a:pPr>
-              <a:endParaRPr kumimoji="0" lang="ko-KR" altLang="en-US" sz="1400" b="0" i="0" u="none" strike="noStrike" cap="none" normalizeH="0" baseline="0" smtClean="0">
+              <a:endParaRPr kumimoji="0" lang="ko-KR" altLang="en-US" sz="1400" b="0" i="0" u="none" strike="noStrike" cap="none" normalizeH="0" baseline="0">
                 <a:ln>
                   <a:noFill/>
                 </a:ln>
@@ -7217,7 +7405,7 @@
                 <a:buNone/>
                 <a:tabLst/>
               </a:pPr>
-              <a:endParaRPr kumimoji="0" lang="ko-KR" altLang="en-US" sz="1400" b="0" i="0" u="none" strike="noStrike" cap="none" normalizeH="0" baseline="0" smtClean="0">
+              <a:endParaRPr kumimoji="0" lang="ko-KR" altLang="en-US" sz="1400" b="0" i="0" u="none" strike="noStrike" cap="none" normalizeH="0" baseline="0">
                 <a:ln>
                   <a:noFill/>
                 </a:ln>
@@ -7284,10 +7472,10 @@
                 <a:tabLst/>
               </a:pPr>
               <a:r>
-                <a:rPr lang="ko-KR" altLang="en-US" smtClean="0"/>
+                <a:rPr lang="ko-KR" altLang="en-US"/>
                 <a:t>확인</a:t>
               </a:r>
-              <a:endParaRPr kumimoji="0" lang="ko-KR" altLang="en-US" sz="1400" b="0" i="0" u="none" strike="noStrike" cap="none" normalizeH="0" baseline="0" smtClean="0">
+              <a:endParaRPr kumimoji="0" lang="ko-KR" altLang="en-US" sz="1400" b="0" i="0" u="none" strike="noStrike" cap="none" normalizeH="0" baseline="0">
                 <a:ln>
                   <a:noFill/>
                 </a:ln>
@@ -7324,7 +7512,7 @@
             <a:lstStyle/>
             <a:p>
               <a:r>
-                <a:rPr lang="ko-KR" altLang="en-US" dirty="0" smtClean="0">
+                <a:rPr lang="ko-KR" altLang="en-US" dirty="0">
                   <a:solidFill>
                     <a:srgbClr val="C00000"/>
                   </a:solidFill>
@@ -7332,7 +7520,7 @@
                 <a:t> </a:t>
               </a:r>
               <a:r>
-                <a:rPr lang="en-US" altLang="ko-KR" dirty="0" smtClean="0">
+                <a:rPr lang="en-US" altLang="ko-KR" dirty="0">
                   <a:solidFill>
                     <a:srgbClr val="C00000"/>
                   </a:solidFill>
@@ -7340,7 +7528,7 @@
                 <a:t>- </a:t>
               </a:r>
               <a:r>
-                <a:rPr lang="ko-KR" altLang="en-US" dirty="0" smtClean="0">
+                <a:rPr lang="ko-KR" altLang="en-US" dirty="0">
                   <a:solidFill>
                     <a:srgbClr val="C00000"/>
                   </a:solidFill>
@@ -7348,7 +7536,7 @@
                 <a:t>회원 가입 </a:t>
               </a:r>
               <a:r>
-                <a:rPr lang="en-US" altLang="ko-KR" dirty="0" smtClean="0">
+                <a:rPr lang="en-US" altLang="ko-KR" dirty="0">
                   <a:solidFill>
                     <a:srgbClr val="C00000"/>
                   </a:solidFill>
@@ -7386,7 +7574,7 @@
             <a:lstStyle/>
             <a:p>
               <a:r>
-                <a:rPr lang="ko-KR" altLang="en-US" smtClean="0"/>
+                <a:rPr lang="ko-KR" altLang="en-US"/>
                 <a:t>아이디</a:t>
               </a:r>
               <a:endParaRPr lang="ko-KR" altLang="en-US" dirty="0"/>
@@ -7416,7 +7604,7 @@
             <a:lstStyle/>
             <a:p>
               <a:r>
-                <a:rPr lang="ko-KR" altLang="en-US" smtClean="0"/>
+                <a:rPr lang="ko-KR" altLang="en-US"/>
                 <a:t>비밀번호</a:t>
               </a:r>
               <a:endParaRPr lang="ko-KR" altLang="en-US" dirty="0"/>
@@ -7446,7 +7634,7 @@
             <a:lstStyle/>
             <a:p>
               <a:r>
-                <a:rPr lang="en-US" altLang="ko-KR" dirty="0" smtClean="0"/>
+                <a:rPr lang="en-US" altLang="ko-KR" dirty="0"/>
                 <a:t>Phone</a:t>
               </a:r>
               <a:endParaRPr lang="ko-KR" altLang="en-US" dirty="0"/>
@@ -7476,7 +7664,7 @@
             <a:lstStyle/>
             <a:p>
               <a:r>
-                <a:rPr lang="en-US" altLang="ko-KR" dirty="0" smtClean="0"/>
+                <a:rPr lang="en-US" altLang="ko-KR" dirty="0"/>
                 <a:t>Email</a:t>
               </a:r>
               <a:endParaRPr lang="ko-KR" altLang="en-US" dirty="0"/>
@@ -7506,10 +7694,9 @@
             <a:lstStyle/>
             <a:p>
               <a:r>
-                <a:rPr lang="ko-KR" altLang="en-US" dirty="0" smtClean="0"/>
+                <a:rPr lang="ko-KR" altLang="en-US" dirty="0"/>
                 <a:t>주소</a:t>
               </a:r>
-              <a:endParaRPr lang="ko-KR" altLang="en-US" dirty="0"/>
             </a:p>
           </p:txBody>
         </p:sp>
@@ -7566,7 +7753,7 @@
                 <a:tabLst/>
               </a:pPr>
               <a:r>
-                <a:rPr kumimoji="0" lang="ko-KR" altLang="en-US" sz="1400" b="0" i="0" u="none" strike="noStrike" cap="none" normalizeH="0" baseline="0" smtClean="0">
+                <a:rPr kumimoji="0" lang="ko-KR" altLang="en-US" sz="1400" b="0" i="0" u="none" strike="noStrike" cap="none" normalizeH="0" baseline="0">
                   <a:ln>
                     <a:noFill/>
                   </a:ln>
@@ -7579,7 +7766,7 @@
                 </a:rPr>
                 <a:t>취소</a:t>
               </a:r>
-              <a:endParaRPr kumimoji="0" lang="ko-KR" altLang="en-US" sz="1400" b="0" i="0" u="none" strike="noStrike" cap="none" normalizeH="0" baseline="0" dirty="0" smtClean="0">
+              <a:endParaRPr kumimoji="0" lang="ko-KR" altLang="en-US" sz="1400" b="0" i="0" u="none" strike="noStrike" cap="none" normalizeH="0" baseline="0" dirty="0">
                 <a:ln>
                   <a:noFill/>
                 </a:ln>
@@ -7645,10 +7832,34 @@
                 <a:tableStyleId>{5940675A-B579-460E-94D1-54222C63F5DA}</a:tableStyleId>
               </a:tblPr>
               <a:tblGrid>
-                <a:gridCol w="504000"/>
-                <a:gridCol w="504000"/>
-                <a:gridCol w="1521016"/>
-                <a:gridCol w="1521016"/>
+                <a:gridCol w="504000">
+                  <a:extLst>
+                    <a:ext uri="{9D8B030D-6E8A-4147-A177-3AD203B41FA5}">
+                      <a16:colId xmlns:a16="http://schemas.microsoft.com/office/drawing/2014/main" val="20000"/>
+                    </a:ext>
+                  </a:extLst>
+                </a:gridCol>
+                <a:gridCol w="504000">
+                  <a:extLst>
+                    <a:ext uri="{9D8B030D-6E8A-4147-A177-3AD203B41FA5}">
+                      <a16:colId xmlns:a16="http://schemas.microsoft.com/office/drawing/2014/main" val="20001"/>
+                    </a:ext>
+                  </a:extLst>
+                </a:gridCol>
+                <a:gridCol w="1521016">
+                  <a:extLst>
+                    <a:ext uri="{9D8B030D-6E8A-4147-A177-3AD203B41FA5}">
+                      <a16:colId xmlns:a16="http://schemas.microsoft.com/office/drawing/2014/main" val="20002"/>
+                    </a:ext>
+                  </a:extLst>
+                </a:gridCol>
+                <a:gridCol w="1521016">
+                  <a:extLst>
+                    <a:ext uri="{9D8B030D-6E8A-4147-A177-3AD203B41FA5}">
+                      <a16:colId xmlns:a16="http://schemas.microsoft.com/office/drawing/2014/main" val="20003"/>
+                    </a:ext>
+                  </a:extLst>
+                </a:gridCol>
               </a:tblGrid>
               <a:tr h="301664">
                 <a:tc gridSpan="4">
@@ -7658,7 +7869,7 @@
                     <a:p>
                       <a:pPr algn="ctr" latinLnBrk="1"/>
                       <a:r>
-                        <a:rPr lang="ko-KR" altLang="en-US" sz="1200" b="1" dirty="0" smtClean="0">
+                        <a:rPr lang="ko-KR" altLang="en-US" sz="1200" b="1" dirty="0">
                           <a:solidFill>
                             <a:schemeClr val="tx1"/>
                           </a:solidFill>
@@ -7668,7 +7879,7 @@
                         <a:t>화면 입</a:t>
                       </a:r>
                       <a:r>
-                        <a:rPr lang="en-US" altLang="ko-KR" sz="1200" b="1" dirty="0" smtClean="0">
+                        <a:rPr lang="en-US" altLang="ko-KR" sz="1200" b="1" dirty="0">
                           <a:solidFill>
                             <a:schemeClr val="tx1"/>
                           </a:solidFill>
@@ -7678,7 +7889,7 @@
                         <a:t>/</a:t>
                       </a:r>
                       <a:r>
-                        <a:rPr lang="ko-KR" altLang="en-US" sz="1200" b="1" dirty="0" smtClean="0">
+                        <a:rPr lang="ko-KR" altLang="en-US" sz="1200" b="1" dirty="0">
                           <a:solidFill>
                             <a:schemeClr val="tx1"/>
                           </a:solidFill>
@@ -7687,13 +7898,6 @@
                         </a:rPr>
                         <a:t>출력 정보일람</a:t>
                       </a:r>
-                      <a:endParaRPr lang="ko-KR" altLang="en-US" sz="1200" b="1" dirty="0">
-                        <a:solidFill>
-                          <a:schemeClr val="tx1"/>
-                        </a:solidFill>
-                        <a:latin typeface="맑은 고딕" pitchFamily="50" charset="-127"/>
-                        <a:ea typeface="맑은 고딕" pitchFamily="50" charset="-127"/>
-                      </a:endParaRPr>
                     </a:p>
                   </a:txBody>
                   <a:tcPr anchor="ctr">
@@ -7762,6 +7966,11 @@
                   </a:txBody>
                   <a:tcPr/>
                 </a:tc>
+                <a:extLst>
+                  <a:ext uri="{0D108BD9-81ED-4DB2-BD59-A6C34878D82A}">
+                    <a16:rowId xmlns:a16="http://schemas.microsoft.com/office/drawing/2014/main" val="10000"/>
+                  </a:ext>
+                </a:extLst>
               </a:tr>
               <a:tr h="238875">
                 <a:tc>
@@ -7771,7 +7980,7 @@
                     <a:p>
                       <a:pPr algn="ctr" latinLnBrk="1"/>
                       <a:r>
-                        <a:rPr lang="ko-KR" altLang="en-US" sz="1200" b="1" dirty="0" smtClean="0">
+                        <a:rPr lang="ko-KR" altLang="en-US" sz="1200" b="1" dirty="0">
                           <a:solidFill>
                             <a:schemeClr val="tx1"/>
                           </a:solidFill>
@@ -7780,13 +7989,6 @@
                         </a:rPr>
                         <a:t>번호</a:t>
                       </a:r>
-                      <a:endParaRPr lang="ko-KR" altLang="en-US" sz="1200" b="1" dirty="0">
-                        <a:solidFill>
-                          <a:schemeClr val="tx1"/>
-                        </a:solidFill>
-                        <a:latin typeface="맑은 고딕" pitchFamily="50" charset="-127"/>
-                        <a:ea typeface="맑은 고딕" pitchFamily="50" charset="-127"/>
-                      </a:endParaRPr>
                     </a:p>
                   </a:txBody>
                   <a:tcPr anchor="ctr">
@@ -7805,7 +8007,7 @@
                     <a:p>
                       <a:pPr algn="ctr" latinLnBrk="1"/>
                       <a:r>
-                        <a:rPr lang="en-US" altLang="ko-KR" sz="1200" b="1" dirty="0" smtClean="0">
+                        <a:rPr lang="en-US" altLang="ko-KR" sz="1200" b="1" dirty="0">
                           <a:solidFill>
                             <a:schemeClr val="tx1"/>
                           </a:solidFill>
@@ -7839,7 +8041,7 @@
                     <a:p>
                       <a:pPr algn="ctr" latinLnBrk="1"/>
                       <a:r>
-                        <a:rPr lang="en-US" altLang="ko-KR" sz="1200" b="1" dirty="0" smtClean="0">
+                        <a:rPr lang="en-US" altLang="ko-KR" sz="1200" b="1" dirty="0">
                           <a:solidFill>
                             <a:schemeClr val="tx1"/>
                           </a:solidFill>
@@ -7849,7 +8051,7 @@
                         <a:t>I/O</a:t>
                       </a:r>
                       <a:r>
-                        <a:rPr lang="en-US" altLang="ko-KR" sz="1200" b="1" baseline="0" dirty="0" smtClean="0">
+                        <a:rPr lang="en-US" altLang="ko-KR" sz="1200" b="1" baseline="0" dirty="0">
                           <a:solidFill>
                             <a:schemeClr val="tx1"/>
                           </a:solidFill>
@@ -7859,7 +8061,7 @@
                         <a:t> </a:t>
                       </a:r>
                       <a:r>
-                        <a:rPr lang="ko-KR" altLang="en-US" sz="1200" b="1" baseline="0" dirty="0" smtClean="0">
+                        <a:rPr lang="ko-KR" altLang="en-US" sz="1200" b="1" baseline="0" dirty="0">
                           <a:solidFill>
                             <a:schemeClr val="tx1"/>
                           </a:solidFill>
@@ -7893,7 +8095,7 @@
                     <a:p>
                       <a:pPr algn="ctr" latinLnBrk="1"/>
                       <a:r>
-                        <a:rPr lang="ko-KR" altLang="en-US" sz="1200" b="1" dirty="0" smtClean="0">
+                        <a:rPr lang="ko-KR" altLang="en-US" sz="1200" b="1" dirty="0">
                           <a:solidFill>
                             <a:schemeClr val="tx1"/>
                           </a:solidFill>
@@ -7902,13 +8104,6 @@
                         </a:rPr>
                         <a:t>항목 속성</a:t>
                       </a:r>
-                      <a:endParaRPr lang="ko-KR" altLang="en-US" sz="1200" b="1" dirty="0">
-                        <a:solidFill>
-                          <a:schemeClr val="tx1"/>
-                        </a:solidFill>
-                        <a:latin typeface="맑은 고딕" pitchFamily="50" charset="-127"/>
-                        <a:ea typeface="맑은 고딕" pitchFamily="50" charset="-127"/>
-                      </a:endParaRPr>
                     </a:p>
                   </a:txBody>
                   <a:tcPr anchor="ctr">
@@ -7920,6 +8115,11 @@
                     </a:solidFill>
                   </a:tcPr>
                 </a:tc>
+                <a:extLst>
+                  <a:ext uri="{0D108BD9-81ED-4DB2-BD59-A6C34878D82A}">
+                    <a16:rowId xmlns:a16="http://schemas.microsoft.com/office/drawing/2014/main" val="10001"/>
+                  </a:ext>
+                </a:extLst>
               </a:tr>
               <a:tr h="195561">
                 <a:tc>
@@ -7929,7 +8129,7 @@
                     <a:p>
                       <a:pPr algn="ctr" latinLnBrk="1"/>
                       <a:r>
-                        <a:rPr lang="en-US" altLang="ko-KR" sz="1050" b="0" dirty="0" smtClean="0">
+                        <a:rPr lang="en-US" altLang="ko-KR" sz="1050" b="0" dirty="0">
                           <a:solidFill>
                             <a:schemeClr val="tx1"/>
                           </a:solidFill>
@@ -7960,7 +8160,7 @@
                     <a:p>
                       <a:pPr algn="ctr" latinLnBrk="1"/>
                       <a:r>
-                        <a:rPr lang="en-US" altLang="ko-KR" sz="1050" b="0" dirty="0" smtClean="0">
+                        <a:rPr lang="en-US" altLang="ko-KR" sz="1050" b="0" dirty="0">
                           <a:solidFill>
                             <a:schemeClr val="tx1"/>
                           </a:solidFill>
@@ -7991,7 +8191,7 @@
                     <a:p>
                       <a:pPr latinLnBrk="1"/>
                       <a:r>
-                        <a:rPr lang="ko-KR" altLang="en-US" sz="1050" b="0" dirty="0" smtClean="0">
+                        <a:rPr lang="ko-KR" altLang="en-US" sz="1050" b="0" dirty="0">
                           <a:solidFill>
                             <a:schemeClr val="tx1"/>
                           </a:solidFill>
@@ -8000,13 +8200,6 @@
                         </a:rPr>
                         <a:t>아이디 입력</a:t>
                       </a:r>
-                      <a:endParaRPr lang="ko-KR" altLang="en-US" sz="1050" b="0" dirty="0">
-                        <a:solidFill>
-                          <a:schemeClr val="tx1"/>
-                        </a:solidFill>
-                        <a:latin typeface="맑은 고딕" pitchFamily="50" charset="-127"/>
-                        <a:ea typeface="맑은 고딕" pitchFamily="50" charset="-127"/>
-                      </a:endParaRPr>
                     </a:p>
                   </a:txBody>
                   <a:tcPr anchor="ctr">
@@ -8022,7 +8215,7 @@
                     <a:p>
                       <a:pPr latinLnBrk="1"/>
                       <a:r>
-                        <a:rPr lang="en-US" altLang="ko-KR" sz="1050" b="0" baseline="0" dirty="0" smtClean="0">
+                        <a:rPr lang="en-US" altLang="ko-KR" sz="1050" b="0" baseline="0" dirty="0">
                           <a:solidFill>
                             <a:schemeClr val="tx1"/>
                           </a:solidFill>
@@ -8039,6 +8232,11 @@
                     </a:solidFill>
                   </a:tcPr>
                 </a:tc>
+                <a:extLst>
+                  <a:ext uri="{0D108BD9-81ED-4DB2-BD59-A6C34878D82A}">
+                    <a16:rowId xmlns:a16="http://schemas.microsoft.com/office/drawing/2014/main" val="10002"/>
+                  </a:ext>
+                </a:extLst>
               </a:tr>
               <a:tr h="195561">
                 <a:tc>
@@ -8048,7 +8246,7 @@
                     <a:p>
                       <a:pPr algn="ctr" latinLnBrk="1"/>
                       <a:r>
-                        <a:rPr lang="en-US" altLang="ko-KR" sz="1050" b="0" dirty="0" smtClean="0">
+                        <a:rPr lang="en-US" altLang="ko-KR" sz="1050" b="0" dirty="0">
                           <a:solidFill>
                             <a:schemeClr val="tx1"/>
                           </a:solidFill>
@@ -8095,7 +8293,7 @@
                         <a:defRPr/>
                       </a:pPr>
                       <a:r>
-                        <a:rPr lang="en-US" altLang="ko-KR" sz="1050" b="0" dirty="0" smtClean="0">
+                        <a:rPr lang="en-US" altLang="ko-KR" sz="1050" b="0" dirty="0">
                           <a:solidFill>
                             <a:schemeClr val="tx1"/>
                           </a:solidFill>
@@ -8103,37 +8301,6 @@
                           <a:ea typeface="맑은 고딕" pitchFamily="50" charset="-127"/>
                         </a:rPr>
                         <a:t>I/O</a:t>
-                      </a:r>
-                      <a:endParaRPr lang="ko-KR" altLang="en-US" sz="1050" b="0" dirty="0" smtClean="0">
-                        <a:solidFill>
-                          <a:schemeClr val="tx1"/>
-                        </a:solidFill>
-                        <a:latin typeface="맑은 고딕" pitchFamily="50" charset="-127"/>
-                        <a:ea typeface="맑은 고딕" pitchFamily="50" charset="-127"/>
-                      </a:endParaRPr>
-                    </a:p>
-                  </a:txBody>
-                  <a:tcPr anchor="ctr">
-                    <a:solidFill>
-                      <a:schemeClr val="bg1"/>
-                    </a:solidFill>
-                  </a:tcPr>
-                </a:tc>
-                <a:tc>
-                  <a:txBody>
-                    <a:bodyPr/>
-                    <a:lstStyle/>
-                    <a:p>
-                      <a:pPr latinLnBrk="1"/>
-                      <a:r>
-                        <a:rPr lang="ko-KR" altLang="en-US" sz="1050" b="0" dirty="0" smtClean="0">
-                          <a:solidFill>
-                            <a:schemeClr val="tx1"/>
-                          </a:solidFill>
-                          <a:latin typeface="맑은 고딕" pitchFamily="50" charset="-127"/>
-                          <a:ea typeface="맑은 고딕" pitchFamily="50" charset="-127"/>
-                        </a:rPr>
-                        <a:t>비밀번호 입력</a:t>
                       </a:r>
                       <a:endParaRPr lang="ko-KR" altLang="en-US" sz="1050" b="0" dirty="0">
                         <a:solidFill>
@@ -8157,7 +8324,31 @@
                     <a:p>
                       <a:pPr latinLnBrk="1"/>
                       <a:r>
-                        <a:rPr lang="en-US" altLang="ko-KR" sz="1050" b="0" dirty="0" smtClean="0">
+                        <a:rPr lang="ko-KR" altLang="en-US" sz="1050" b="0" dirty="0">
+                          <a:solidFill>
+                            <a:schemeClr val="tx1"/>
+                          </a:solidFill>
+                          <a:latin typeface="맑은 고딕" pitchFamily="50" charset="-127"/>
+                          <a:ea typeface="맑은 고딕" pitchFamily="50" charset="-127"/>
+                        </a:rPr>
+                        <a:t>비밀번호 입력</a:t>
+                      </a:r>
+                    </a:p>
+                  </a:txBody>
+                  <a:tcPr anchor="ctr">
+                    <a:solidFill>
+                      <a:schemeClr val="bg1"/>
+                    </a:solidFill>
+                  </a:tcPr>
+                </a:tc>
+                <a:tc>
+                  <a:txBody>
+                    <a:bodyPr/>
+                    <a:lstStyle/>
+                    <a:p>
+                      <a:pPr latinLnBrk="1"/>
+                      <a:r>
+                        <a:rPr lang="en-US" altLang="ko-KR" sz="1050" b="0" dirty="0">
                           <a:solidFill>
                             <a:schemeClr val="tx1"/>
                           </a:solidFill>
@@ -8167,7 +8358,7 @@
                         <a:t>Text</a:t>
                       </a:r>
                       <a:r>
-                        <a:rPr lang="en-US" altLang="ko-KR" sz="1050" b="0" baseline="0" dirty="0" smtClean="0">
+                        <a:rPr lang="en-US" altLang="ko-KR" sz="1050" b="0" baseline="0" dirty="0">
                           <a:solidFill>
                             <a:schemeClr val="tx1"/>
                           </a:solidFill>
@@ -8191,6 +8382,11 @@
                     </a:solidFill>
                   </a:tcPr>
                 </a:tc>
+                <a:extLst>
+                  <a:ext uri="{0D108BD9-81ED-4DB2-BD59-A6C34878D82A}">
+                    <a16:rowId xmlns:a16="http://schemas.microsoft.com/office/drawing/2014/main" val="10003"/>
+                  </a:ext>
+                </a:extLst>
               </a:tr>
               <a:tr h="195561">
                 <a:tc>
@@ -8242,7 +8438,7 @@
                     <a:p>
                       <a:pPr latinLnBrk="1"/>
                       <a:r>
-                        <a:rPr lang="en-US" altLang="ko-KR" sz="1050" b="0" dirty="0" smtClean="0">
+                        <a:rPr lang="en-US" altLang="ko-KR" sz="1050" b="0" dirty="0">
                           <a:solidFill>
                             <a:schemeClr val="tx1"/>
                           </a:solidFill>
@@ -8287,6 +8483,11 @@
                     </a:solidFill>
                   </a:tcPr>
                 </a:tc>
+                <a:extLst>
+                  <a:ext uri="{0D108BD9-81ED-4DB2-BD59-A6C34878D82A}">
+                    <a16:rowId xmlns:a16="http://schemas.microsoft.com/office/drawing/2014/main" val="10004"/>
+                  </a:ext>
+                </a:extLst>
               </a:tr>
             </a:tbl>
           </a:graphicData>
@@ -8319,7 +8520,7 @@
               <a:buChar char="•"/>
             </a:pPr>
             <a:r>
-              <a:rPr lang="en-US" altLang="ko-KR" dirty="0" smtClean="0">
+              <a:rPr lang="en-US" altLang="ko-KR" dirty="0">
                 <a:solidFill>
                   <a:srgbClr val="C00000"/>
                 </a:solidFill>
@@ -8329,7 +8530,7 @@
               <a:t>I/O</a:t>
             </a:r>
             <a:r>
-              <a:rPr lang="ko-KR" altLang="en-US" dirty="0" smtClean="0">
+              <a:rPr lang="ko-KR" altLang="en-US" dirty="0">
                 <a:solidFill>
                   <a:srgbClr val="C00000"/>
                 </a:solidFill>
@@ -8338,7 +8539,7 @@
               </a:rPr>
               <a:t> 표시</a:t>
             </a:r>
-            <a:endParaRPr lang="en-US" altLang="ko-KR" dirty="0" smtClean="0">
+            <a:endParaRPr lang="en-US" altLang="ko-KR" dirty="0">
               <a:solidFill>
                 <a:srgbClr val="C00000"/>
               </a:solidFill>
@@ -8355,20 +8556,10 @@
                 <a:latin typeface="맑은 고딕" pitchFamily="50" charset="-127"/>
                 <a:ea typeface="맑은 고딕" pitchFamily="50" charset="-127"/>
               </a:rPr>
-              <a:t> </a:t>
+              <a:t> - </a:t>
             </a:r>
             <a:r>
-              <a:rPr lang="en-US" altLang="ko-KR" dirty="0" smtClean="0">
-                <a:solidFill>
-                  <a:srgbClr val="C00000"/>
-                </a:solidFill>
-                <a:latin typeface="맑은 고딕" pitchFamily="50" charset="-127"/>
-                <a:ea typeface="맑은 고딕" pitchFamily="50" charset="-127"/>
-              </a:rPr>
-              <a:t>- </a:t>
-            </a:r>
-            <a:r>
-              <a:rPr lang="ko-KR" altLang="en-US" dirty="0" smtClean="0">
+              <a:rPr lang="ko-KR" altLang="en-US" dirty="0">
                 <a:solidFill>
                   <a:srgbClr val="C00000"/>
                 </a:solidFill>
@@ -8378,7 +8569,7 @@
               <a:t>입력만 수행 </a:t>
             </a:r>
             <a:r>
-              <a:rPr lang="en-US" altLang="ko-KR" dirty="0" smtClean="0">
+              <a:rPr lang="en-US" altLang="ko-KR" dirty="0">
                 <a:solidFill>
                   <a:srgbClr val="C00000"/>
                 </a:solidFill>
@@ -8397,20 +8588,10 @@
                 <a:latin typeface="맑은 고딕" pitchFamily="50" charset="-127"/>
                 <a:ea typeface="맑은 고딕" pitchFamily="50" charset="-127"/>
               </a:rPr>
-              <a:t> </a:t>
+              <a:t> - </a:t>
             </a:r>
             <a:r>
-              <a:rPr lang="en-US" altLang="ko-KR" dirty="0" smtClean="0">
-                <a:solidFill>
-                  <a:srgbClr val="C00000"/>
-                </a:solidFill>
-                <a:latin typeface="맑은 고딕" pitchFamily="50" charset="-127"/>
-                <a:ea typeface="맑은 고딕" pitchFamily="50" charset="-127"/>
-              </a:rPr>
-              <a:t>- </a:t>
-            </a:r>
-            <a:r>
-              <a:rPr lang="ko-KR" altLang="en-US" dirty="0" smtClean="0">
+              <a:rPr lang="ko-KR" altLang="en-US" dirty="0">
                 <a:solidFill>
                   <a:srgbClr val="C00000"/>
                 </a:solidFill>
@@ -8420,7 +8601,7 @@
               <a:t>출력만 수행 </a:t>
             </a:r>
             <a:r>
-              <a:rPr lang="en-US" altLang="ko-KR" dirty="0" smtClean="0">
+              <a:rPr lang="en-US" altLang="ko-KR" dirty="0">
                 <a:solidFill>
                   <a:srgbClr val="C00000"/>
                 </a:solidFill>
@@ -8439,20 +8620,10 @@
                 <a:latin typeface="맑은 고딕" pitchFamily="50" charset="-127"/>
                 <a:ea typeface="맑은 고딕" pitchFamily="50" charset="-127"/>
               </a:rPr>
-              <a:t> </a:t>
+              <a:t> - </a:t>
             </a:r>
             <a:r>
-              <a:rPr lang="en-US" altLang="ko-KR" dirty="0" smtClean="0">
-                <a:solidFill>
-                  <a:srgbClr val="C00000"/>
-                </a:solidFill>
-                <a:latin typeface="맑은 고딕" pitchFamily="50" charset="-127"/>
-                <a:ea typeface="맑은 고딕" pitchFamily="50" charset="-127"/>
-              </a:rPr>
-              <a:t>- </a:t>
-            </a:r>
-            <a:r>
-              <a:rPr lang="ko-KR" altLang="en-US" dirty="0" smtClean="0">
+              <a:rPr lang="ko-KR" altLang="en-US" dirty="0">
                 <a:solidFill>
                   <a:srgbClr val="C00000"/>
                 </a:solidFill>
@@ -8462,7 +8633,7 @@
               <a:t>입</a:t>
             </a:r>
             <a:r>
-              <a:rPr lang="en-US" altLang="ko-KR" dirty="0" smtClean="0">
+              <a:rPr lang="en-US" altLang="ko-KR" dirty="0">
                 <a:solidFill>
                   <a:srgbClr val="C00000"/>
                 </a:solidFill>
@@ -8472,7 +8643,7 @@
               <a:t>/</a:t>
             </a:r>
             <a:r>
-              <a:rPr lang="ko-KR" altLang="en-US" dirty="0" smtClean="0">
+              <a:rPr lang="ko-KR" altLang="en-US" dirty="0">
                 <a:solidFill>
                   <a:srgbClr val="C00000"/>
                 </a:solidFill>
@@ -8482,7 +8653,7 @@
               <a:t>출력 모두 수행 </a:t>
             </a:r>
             <a:r>
-              <a:rPr lang="en-US" altLang="ko-KR" dirty="0" smtClean="0">
+              <a:rPr lang="en-US" altLang="ko-KR" dirty="0">
                 <a:solidFill>
                   <a:srgbClr val="C00000"/>
                 </a:solidFill>
@@ -8568,7 +8739,7 @@
             </a:endParaRPr>
           </a:p>
           <a:p>
-            <a:endParaRPr lang="en-US" altLang="ko-KR" dirty="0" smtClean="0">
+            <a:endParaRPr lang="en-US" altLang="ko-KR" dirty="0">
               <a:solidFill>
                 <a:srgbClr val="C00000"/>
               </a:solidFill>
@@ -8601,12 +8772,48 @@
             <a:tbl>
               <a:tblPr/>
               <a:tblGrid>
-                <a:gridCol w="1024554"/>
-                <a:gridCol w="2983884"/>
-                <a:gridCol w="1196090"/>
-                <a:gridCol w="1859283"/>
-                <a:gridCol w="597313"/>
-                <a:gridCol w="1272218"/>
+                <a:gridCol w="1024554">
+                  <a:extLst>
+                    <a:ext uri="{9D8B030D-6E8A-4147-A177-3AD203B41FA5}">
+                      <a16:colId xmlns:a16="http://schemas.microsoft.com/office/drawing/2014/main" val="20000"/>
+                    </a:ext>
+                  </a:extLst>
+                </a:gridCol>
+                <a:gridCol w="2983884">
+                  <a:extLst>
+                    <a:ext uri="{9D8B030D-6E8A-4147-A177-3AD203B41FA5}">
+                      <a16:colId xmlns:a16="http://schemas.microsoft.com/office/drawing/2014/main" val="20001"/>
+                    </a:ext>
+                  </a:extLst>
+                </a:gridCol>
+                <a:gridCol w="1196090">
+                  <a:extLst>
+                    <a:ext uri="{9D8B030D-6E8A-4147-A177-3AD203B41FA5}">
+                      <a16:colId xmlns:a16="http://schemas.microsoft.com/office/drawing/2014/main" val="20002"/>
+                    </a:ext>
+                  </a:extLst>
+                </a:gridCol>
+                <a:gridCol w="1859283">
+                  <a:extLst>
+                    <a:ext uri="{9D8B030D-6E8A-4147-A177-3AD203B41FA5}">
+                      <a16:colId xmlns:a16="http://schemas.microsoft.com/office/drawing/2014/main" val="20003"/>
+                    </a:ext>
+                  </a:extLst>
+                </a:gridCol>
+                <a:gridCol w="597313">
+                  <a:extLst>
+                    <a:ext uri="{9D8B030D-6E8A-4147-A177-3AD203B41FA5}">
+                      <a16:colId xmlns:a16="http://schemas.microsoft.com/office/drawing/2014/main" val="20004"/>
+                    </a:ext>
+                  </a:extLst>
+                </a:gridCol>
+                <a:gridCol w="1272218">
+                  <a:extLst>
+                    <a:ext uri="{9D8B030D-6E8A-4147-A177-3AD203B41FA5}">
+                      <a16:colId xmlns:a16="http://schemas.microsoft.com/office/drawing/2014/main" val="20005"/>
+                    </a:ext>
+                  </a:extLst>
+                </a:gridCol>
               </a:tblGrid>
               <a:tr h="299619">
                 <a:tc>
@@ -8631,7 +8838,7 @@
                         <a:tabLst/>
                       </a:pPr>
                       <a:r>
-                        <a:rPr kumimoji="1" lang="ko-KR" altLang="en-US" sz="900" b="0" i="0" u="none" strike="noStrike" cap="none" normalizeH="0" baseline="0" dirty="0" smtClean="0">
+                        <a:rPr kumimoji="1" lang="ko-KR" altLang="en-US" sz="900" b="0" i="0" u="none" strike="noStrike" cap="none" normalizeH="0" baseline="0" dirty="0">
                           <a:ln>
                             <a:noFill/>
                           </a:ln>
@@ -8644,7 +8851,7 @@
                         </a:rPr>
                         <a:t>프로젝트 명</a:t>
                       </a:r>
-                      <a:endParaRPr kumimoji="1" lang="ko-KR" altLang="ko-KR" sz="900" b="0" i="0" u="none" strike="noStrike" cap="none" normalizeH="0" baseline="0" dirty="0" smtClean="0">
+                      <a:endParaRPr kumimoji="1" lang="ko-KR" altLang="ko-KR" sz="900" b="0" i="0" u="none" strike="noStrike" cap="none" normalizeH="0" baseline="0" dirty="0">
                         <a:ln>
                           <a:noFill/>
                         </a:ln>
@@ -8726,7 +8933,7 @@
                         <a:buNone/>
                         <a:tabLst/>
                       </a:pPr>
-                      <a:endParaRPr kumimoji="1" lang="ko-KR" altLang="ko-KR" sz="900" b="0" i="0" u="none" strike="noStrike" cap="none" normalizeH="0" baseline="0" dirty="0" smtClean="0">
+                      <a:endParaRPr kumimoji="1" lang="ko-KR" altLang="ko-KR" sz="900" b="0" i="0" u="none" strike="noStrike" cap="none" normalizeH="0" baseline="0" dirty="0">
                         <a:ln>
                           <a:noFill/>
                         </a:ln>
@@ -8807,7 +9014,7 @@
                         <a:tabLst/>
                       </a:pPr>
                       <a:r>
-                        <a:rPr kumimoji="1" lang="ko-KR" altLang="en-US" sz="900" b="0" i="0" u="none" strike="noStrike" cap="none" normalizeH="0" baseline="0" dirty="0" smtClean="0">
+                        <a:rPr kumimoji="1" lang="ko-KR" altLang="en-US" sz="900" b="0" i="0" u="none" strike="noStrike" cap="none" normalizeH="0" baseline="0" dirty="0">
                           <a:ln>
                             <a:noFill/>
                           </a:ln>
@@ -8820,7 +9027,7 @@
                         </a:rPr>
                         <a:t>문서 명</a:t>
                       </a:r>
-                      <a:endParaRPr kumimoji="1" lang="ko-KR" altLang="ko-KR" sz="900" b="0" i="0" u="none" strike="noStrike" cap="none" normalizeH="0" baseline="0" dirty="0" smtClean="0">
+                      <a:endParaRPr kumimoji="1" lang="ko-KR" altLang="ko-KR" sz="900" b="0" i="0" u="none" strike="noStrike" cap="none" normalizeH="0" baseline="0" dirty="0">
                         <a:ln>
                           <a:noFill/>
                         </a:ln>
@@ -8902,7 +9109,7 @@
                         <a:buNone/>
                         <a:tabLst/>
                       </a:pPr>
-                      <a:endParaRPr kumimoji="1" lang="ko-KR" sz="900" b="0" i="0" u="none" strike="noStrike" cap="none" normalizeH="0" baseline="0" dirty="0" smtClean="0">
+                      <a:endParaRPr kumimoji="1" lang="ko-KR" sz="900" b="0" i="0" u="none" strike="noStrike" cap="none" normalizeH="0" baseline="0" dirty="0">
                         <a:ln>
                           <a:noFill/>
                         </a:ln>
@@ -8982,7 +9189,7 @@
                         <a:buNone/>
                         <a:tabLst/>
                       </a:pPr>
-                      <a:endParaRPr kumimoji="1" lang="ko-KR" sz="1800" b="0" i="0" u="none" strike="noStrike" cap="none" normalizeH="0" baseline="0" dirty="0" smtClean="0">
+                      <a:endParaRPr kumimoji="1" lang="ko-KR" sz="1800" b="0" i="0" u="none" strike="noStrike" cap="none" normalizeH="0" baseline="0" dirty="0">
                         <a:ln>
                           <a:noFill/>
                         </a:ln>
@@ -9064,7 +9271,7 @@
                         <a:buNone/>
                         <a:tabLst/>
                       </a:pPr>
-                      <a:endParaRPr kumimoji="1" lang="ko-KR" altLang="ko-KR" sz="1800" b="0" i="0" u="none" strike="noStrike" cap="none" normalizeH="0" baseline="0" dirty="0" smtClean="0">
+                      <a:endParaRPr kumimoji="1" lang="ko-KR" altLang="ko-KR" sz="1800" b="0" i="0" u="none" strike="noStrike" cap="none" normalizeH="0" baseline="0" dirty="0">
                         <a:ln>
                           <a:noFill/>
                         </a:ln>
@@ -9123,6 +9330,11 @@
                     <a:noFill/>
                   </a:tcPr>
                 </a:tc>
+                <a:extLst>
+                  <a:ext uri="{0D108BD9-81ED-4DB2-BD59-A6C34878D82A}">
+                    <a16:rowId xmlns:a16="http://schemas.microsoft.com/office/drawing/2014/main" val="10000"/>
+                  </a:ext>
+                </a:extLst>
               </a:tr>
               <a:tr h="297106">
                 <a:tc>
@@ -9147,7 +9359,7 @@
                         <a:tabLst/>
                       </a:pPr>
                       <a:r>
-                        <a:rPr kumimoji="1" lang="ko-KR" sz="900" b="0" i="0" u="none" strike="noStrike" cap="none" normalizeH="0" baseline="0" dirty="0" smtClean="0">
+                        <a:rPr kumimoji="1" lang="ko-KR" sz="900" b="0" i="0" u="none" strike="noStrike" cap="none" normalizeH="0" baseline="0" dirty="0">
                           <a:ln>
                             <a:noFill/>
                           </a:ln>
@@ -9231,7 +9443,7 @@
                         <a:buNone/>
                         <a:tabLst/>
                       </a:pPr>
-                      <a:endParaRPr kumimoji="1" lang="ko-KR" altLang="ko-KR" sz="900" b="0" i="0" u="none" strike="noStrike" cap="none" normalizeH="0" baseline="0" dirty="0" smtClean="0">
+                      <a:endParaRPr kumimoji="1" lang="ko-KR" altLang="ko-KR" sz="900" b="0" i="0" u="none" strike="noStrike" cap="none" normalizeH="0" baseline="0" dirty="0">
                         <a:ln>
                           <a:noFill/>
                         </a:ln>
@@ -9312,7 +9524,7 @@
                         <a:tabLst/>
                       </a:pPr>
                       <a:r>
-                        <a:rPr kumimoji="1" lang="ko-KR" altLang="en-US" sz="900" b="0" i="0" u="none" strike="noStrike" cap="none" normalizeH="0" baseline="0" dirty="0" smtClean="0">
+                        <a:rPr kumimoji="1" lang="ko-KR" altLang="en-US" sz="900" b="0" i="0" u="none" strike="noStrike" cap="none" normalizeH="0" baseline="0" dirty="0">
                           <a:ln>
                             <a:noFill/>
                           </a:ln>
@@ -9326,7 +9538,7 @@
                         <a:t>화면 </a:t>
                       </a:r>
                       <a:r>
-                        <a:rPr kumimoji="1" lang="en-US" altLang="ko-KR" sz="900" b="0" i="0" u="none" strike="noStrike" cap="none" normalizeH="0" baseline="0" dirty="0" smtClean="0">
+                        <a:rPr kumimoji="1" lang="en-US" altLang="ko-KR" sz="900" b="0" i="0" u="none" strike="noStrike" cap="none" normalizeH="0" baseline="0" dirty="0">
                           <a:ln>
                             <a:noFill/>
                           </a:ln>
@@ -9339,7 +9551,7 @@
                         </a:rPr>
                         <a:t>ID</a:t>
                       </a:r>
-                      <a:endParaRPr kumimoji="1" lang="ko-KR" altLang="ko-KR" sz="900" b="0" i="0" u="none" strike="noStrike" cap="none" normalizeH="0" baseline="0" dirty="0" smtClean="0">
+                      <a:endParaRPr kumimoji="1" lang="ko-KR" altLang="ko-KR" sz="900" b="0" i="0" u="none" strike="noStrike" cap="none" normalizeH="0" baseline="0" dirty="0">
                         <a:ln>
                           <a:noFill/>
                         </a:ln>
@@ -9421,7 +9633,7 @@
                         <a:buNone/>
                         <a:tabLst/>
                       </a:pPr>
-                      <a:endParaRPr kumimoji="1" lang="ko-KR" altLang="ko-KR" sz="900" b="0" i="0" u="none" strike="noStrike" cap="none" normalizeH="0" baseline="0" dirty="0" smtClean="0">
+                      <a:endParaRPr kumimoji="1" lang="ko-KR" altLang="ko-KR" sz="900" b="0" i="0" u="none" strike="noStrike" cap="none" normalizeH="0" baseline="0" dirty="0">
                         <a:ln>
                           <a:noFill/>
                         </a:ln>
@@ -9502,7 +9714,7 @@
                         <a:tabLst/>
                       </a:pPr>
                       <a:r>
-                        <a:rPr kumimoji="1" lang="ko-KR" altLang="en-US" sz="900" b="0" i="0" u="none" strike="noStrike" cap="none" normalizeH="0" baseline="0" dirty="0" smtClean="0">
+                        <a:rPr kumimoji="1" lang="ko-KR" altLang="en-US" sz="900" b="0" i="0" u="none" strike="noStrike" cap="none" normalizeH="0" baseline="0" dirty="0">
                           <a:ln>
                             <a:noFill/>
                           </a:ln>
@@ -9515,7 +9727,7 @@
                         </a:rPr>
                         <a:t>버전</a:t>
                       </a:r>
-                      <a:endParaRPr kumimoji="1" lang="ko-KR" sz="900" b="0" i="0" u="none" strike="noStrike" cap="none" normalizeH="0" baseline="0" dirty="0" smtClean="0">
+                      <a:endParaRPr kumimoji="1" lang="ko-KR" sz="900" b="0" i="0" u="none" strike="noStrike" cap="none" normalizeH="0" baseline="0" dirty="0">
                         <a:ln>
                           <a:noFill/>
                         </a:ln>
@@ -9598,7 +9810,7 @@
                         <a:tabLst/>
                       </a:pPr>
                       <a:r>
-                        <a:rPr kumimoji="1" lang="en-US" altLang="ko-KR" sz="900" b="0" i="0" u="none" strike="noStrike" cap="none" normalizeH="0" baseline="0" dirty="0" smtClean="0">
+                        <a:rPr kumimoji="1" lang="en-US" altLang="ko-KR" sz="900" b="0" i="0" u="none" strike="noStrike" cap="none" normalizeH="0" baseline="0" dirty="0">
                           <a:ln>
                             <a:noFill/>
                           </a:ln>
@@ -9611,7 +9823,7 @@
                         </a:rPr>
                         <a:t>2014.XX.XX</a:t>
                       </a:r>
-                      <a:endParaRPr kumimoji="1" lang="ko-KR" altLang="ko-KR" sz="900" b="0" i="0" u="none" strike="noStrike" cap="none" normalizeH="0" baseline="0" dirty="0" smtClean="0">
+                      <a:endParaRPr kumimoji="1" lang="ko-KR" altLang="ko-KR" sz="900" b="0" i="0" u="none" strike="noStrike" cap="none" normalizeH="0" baseline="0" dirty="0">
                         <a:ln>
                           <a:noFill/>
                         </a:ln>
@@ -9670,6 +9882,11 @@
                     <a:noFill/>
                   </a:tcPr>
                 </a:tc>
+                <a:extLst>
+                  <a:ext uri="{0D108BD9-81ED-4DB2-BD59-A6C34878D82A}">
+                    <a16:rowId xmlns:a16="http://schemas.microsoft.com/office/drawing/2014/main" val="10001"/>
+                  </a:ext>
+                </a:extLst>
               </a:tr>
               <a:tr h="297106">
                 <a:tc>
@@ -9694,7 +9911,7 @@
                         <a:tabLst/>
                       </a:pPr>
                       <a:r>
-                        <a:rPr kumimoji="1" lang="ko-KR" altLang="en-US" sz="900" b="0" i="0" u="none" strike="noStrike" cap="none" normalizeH="0" baseline="0" dirty="0" smtClean="0">
+                        <a:rPr kumimoji="1" lang="ko-KR" altLang="en-US" sz="900" b="0" i="0" u="none" strike="noStrike" cap="none" normalizeH="0" baseline="0" dirty="0">
                           <a:ln>
                             <a:noFill/>
                           </a:ln>
@@ -9708,7 +9925,7 @@
                         <a:t>관련 </a:t>
                       </a:r>
                       <a:r>
-                        <a:rPr kumimoji="1" lang="en-US" altLang="ko-KR" sz="900" b="0" i="0" u="none" strike="noStrike" cap="none" normalizeH="0" baseline="0" dirty="0" smtClean="0">
+                        <a:rPr kumimoji="1" lang="en-US" altLang="ko-KR" sz="900" b="0" i="0" u="none" strike="noStrike" cap="none" normalizeH="0" baseline="0" dirty="0">
                           <a:ln>
                             <a:noFill/>
                           </a:ln>
@@ -9792,7 +10009,7 @@
                         <a:buNone/>
                         <a:tabLst/>
                       </a:pPr>
-                      <a:endParaRPr kumimoji="1" lang="ko-KR" altLang="ko-KR" sz="900" b="0" i="0" u="none" strike="noStrike" cap="none" normalizeH="0" baseline="0" dirty="0" smtClean="0">
+                      <a:endParaRPr kumimoji="1" lang="ko-KR" altLang="ko-KR" sz="900" b="0" i="0" u="none" strike="noStrike" cap="none" normalizeH="0" baseline="0" dirty="0">
                         <a:ln>
                           <a:noFill/>
                         </a:ln>
@@ -9872,7 +10089,7 @@
                         <a:buNone/>
                         <a:tabLst/>
                       </a:pPr>
-                      <a:endParaRPr kumimoji="1" lang="ko-KR" altLang="ko-KR" sz="900" b="0" i="0" u="none" strike="noStrike" cap="none" normalizeH="0" baseline="0" dirty="0" smtClean="0">
+                      <a:endParaRPr kumimoji="1" lang="ko-KR" altLang="ko-KR" sz="900" b="0" i="0" u="none" strike="noStrike" cap="none" normalizeH="0" baseline="0" dirty="0">
                         <a:ln>
                           <a:noFill/>
                         </a:ln>
@@ -9954,7 +10171,7 @@
                         <a:buNone/>
                         <a:tabLst/>
                       </a:pPr>
-                      <a:endParaRPr kumimoji="1" lang="ko-KR" altLang="ko-KR" sz="900" b="0" i="0" u="none" strike="noStrike" cap="none" normalizeH="0" baseline="0" dirty="0" smtClean="0">
+                      <a:endParaRPr kumimoji="1" lang="ko-KR" altLang="ko-KR" sz="900" b="0" i="0" u="none" strike="noStrike" cap="none" normalizeH="0" baseline="0" dirty="0">
                         <a:ln>
                           <a:noFill/>
                         </a:ln>
@@ -10034,7 +10251,7 @@
                         <a:buNone/>
                         <a:tabLst/>
                       </a:pPr>
-                      <a:endParaRPr kumimoji="1" lang="ko-KR" sz="900" b="0" i="0" u="none" strike="noStrike" cap="none" normalizeH="0" baseline="0" dirty="0" smtClean="0">
+                      <a:endParaRPr kumimoji="1" lang="ko-KR" sz="900" b="0" i="0" u="none" strike="noStrike" cap="none" normalizeH="0" baseline="0" dirty="0">
                         <a:ln>
                           <a:noFill/>
                         </a:ln>
@@ -10116,7 +10333,7 @@
                         <a:buNone/>
                         <a:tabLst/>
                       </a:pPr>
-                      <a:endParaRPr kumimoji="1" lang="ko-KR" altLang="ko-KR" sz="900" b="0" i="0" u="none" strike="noStrike" cap="none" normalizeH="0" baseline="0" dirty="0" smtClean="0">
+                      <a:endParaRPr kumimoji="1" lang="ko-KR" altLang="ko-KR" sz="900" b="0" i="0" u="none" strike="noStrike" cap="none" normalizeH="0" baseline="0" dirty="0">
                         <a:ln>
                           <a:noFill/>
                         </a:ln>
@@ -10175,6 +10392,11 @@
                     <a:noFill/>
                   </a:tcPr>
                 </a:tc>
+                <a:extLst>
+                  <a:ext uri="{0D108BD9-81ED-4DB2-BD59-A6C34878D82A}">
+                    <a16:rowId xmlns:a16="http://schemas.microsoft.com/office/drawing/2014/main" val="10002"/>
+                  </a:ext>
+                </a:extLst>
               </a:tr>
             </a:tbl>
           </a:graphicData>
@@ -10237,7 +10459,7 @@
               <a:tabLst/>
             </a:pPr>
             <a:r>
-              <a:rPr kumimoji="0" lang="en-US" altLang="ko-KR" sz="1000" b="1" i="0" u="none" strike="noStrike" cap="none" normalizeH="0" baseline="0" dirty="0" smtClean="0">
+              <a:rPr kumimoji="0" lang="en-US" altLang="ko-KR" sz="1000" b="1" i="0" u="none" strike="noStrike" cap="none" normalizeH="0" baseline="0" dirty="0">
                 <a:ln>
                   <a:noFill/>
                 </a:ln>
@@ -10250,7 +10472,7 @@
               </a:rPr>
               <a:t>1</a:t>
             </a:r>
-            <a:endParaRPr kumimoji="0" lang="ko-KR" altLang="en-US" sz="1000" b="1" i="0" u="none" strike="noStrike" cap="none" normalizeH="0" baseline="0" dirty="0" smtClean="0">
+            <a:endParaRPr kumimoji="0" lang="ko-KR" altLang="en-US" sz="1000" b="1" i="0" u="none" strike="noStrike" cap="none" normalizeH="0" baseline="0" dirty="0">
               <a:ln>
                 <a:noFill/>
               </a:ln>
@@ -10327,7 +10549,7 @@
               </a:rPr>
               <a:t>2</a:t>
             </a:r>
-            <a:endParaRPr kumimoji="0" lang="ko-KR" altLang="en-US" sz="1000" b="1" i="0" u="none" strike="noStrike" cap="none" normalizeH="0" baseline="0" dirty="0" smtClean="0">
+            <a:endParaRPr kumimoji="0" lang="ko-KR" altLang="en-US" sz="1000" b="1" i="0" u="none" strike="noStrike" cap="none" normalizeH="0" baseline="0" dirty="0">
               <a:ln>
                 <a:noFill/>
               </a:ln>
@@ -10404,7 +10626,7 @@
               </a:rPr>
               <a:t>3</a:t>
             </a:r>
-            <a:endParaRPr kumimoji="0" lang="ko-KR" altLang="en-US" sz="1000" b="1" i="0" u="none" strike="noStrike" cap="none" normalizeH="0" baseline="0" dirty="0" smtClean="0">
+            <a:endParaRPr kumimoji="0" lang="ko-KR" altLang="en-US" sz="1000" b="1" i="0" u="none" strike="noStrike" cap="none" normalizeH="0" baseline="0" dirty="0">
               <a:ln>
                 <a:noFill/>
               </a:ln>
@@ -10475,7 +10697,7 @@
               <a:tabLst/>
             </a:pPr>
             <a:r>
-              <a:rPr kumimoji="0" lang="en-US" altLang="ko-KR" sz="1000" b="1" i="0" u="none" strike="noStrike" cap="none" normalizeH="0" baseline="0" dirty="0" smtClean="0">
+              <a:rPr kumimoji="0" lang="en-US" altLang="ko-KR" sz="1000" b="1" i="0" u="none" strike="noStrike" cap="none" normalizeH="0" baseline="0" dirty="0">
                 <a:ln>
                   <a:noFill/>
                 </a:ln>
@@ -10488,7 +10710,7 @@
               </a:rPr>
               <a:t>4</a:t>
             </a:r>
-            <a:endParaRPr kumimoji="0" lang="ko-KR" altLang="en-US" sz="1000" b="1" i="0" u="none" strike="noStrike" cap="none" normalizeH="0" baseline="0" dirty="0" smtClean="0">
+            <a:endParaRPr kumimoji="0" lang="ko-KR" altLang="en-US" sz="1000" b="1" i="0" u="none" strike="noStrike" cap="none" normalizeH="0" baseline="0" dirty="0">
               <a:ln>
                 <a:noFill/>
               </a:ln>
@@ -10559,13 +10781,13 @@
               <a:tabLst/>
             </a:pPr>
             <a:r>
-              <a:rPr lang="en-US" altLang="ko-KR" sz="1000" b="1" dirty="0" smtClean="0">
+              <a:rPr lang="en-US" altLang="ko-KR" sz="1000" b="1" dirty="0">
                 <a:latin typeface="맑은 고딕" pitchFamily="50" charset="-127"/>
                 <a:ea typeface="맑은 고딕" pitchFamily="50" charset="-127"/>
               </a:rPr>
               <a:t>5</a:t>
             </a:r>
-            <a:endParaRPr kumimoji="0" lang="ko-KR" altLang="en-US" sz="1000" b="1" i="0" u="none" strike="noStrike" cap="none" normalizeH="0" baseline="0" dirty="0" smtClean="0">
+            <a:endParaRPr kumimoji="0" lang="ko-KR" altLang="en-US" sz="1000" b="1" i="0" u="none" strike="noStrike" cap="none" normalizeH="0" baseline="0" dirty="0">
               <a:ln>
                 <a:noFill/>
               </a:ln>
@@ -10583,6 +10805,5944 @@
     <p:extLst>
       <p:ext uri="{BB962C8B-B14F-4D97-AF65-F5344CB8AC3E}">
         <p14:creationId xmlns:p14="http://schemas.microsoft.com/office/powerpoint/2010/main" val="83292215"/>
+      </p:ext>
+    </p:extLst>
+  </p:cSld>
+  <p:clrMapOvr>
+    <a:masterClrMapping/>
+  </p:clrMapOvr>
+</p:sld>
+</file>
+
+<file path=ppt/slides/slide7.xml><?xml version="1.0" encoding="utf-8"?>
+<p:sld xmlns:a="http://schemas.openxmlformats.org/drawingml/2006/main" xmlns:r="http://schemas.openxmlformats.org/officeDocument/2006/relationships" xmlns:p="http://schemas.openxmlformats.org/presentationml/2006/main">
+  <p:cSld>
+    <p:spTree>
+      <p:nvGrpSpPr>
+        <p:cNvPr id="1" name=""/>
+        <p:cNvGrpSpPr/>
+        <p:nvPr/>
+      </p:nvGrpSpPr>
+      <p:grpSpPr>
+        <a:xfrm>
+          <a:off x="0" y="0"/>
+          <a:ext cx="0" cy="0"/>
+          <a:chOff x="0" y="0"/>
+          <a:chExt cx="0" cy="0"/>
+        </a:xfrm>
+      </p:grpSpPr>
+      <p:sp>
+        <p:nvSpPr>
+          <p:cNvPr id="2" name="바닥글 개체 틀 1"/>
+          <p:cNvSpPr>
+            <a:spLocks noGrp="1"/>
+          </p:cNvSpPr>
+          <p:nvPr>
+            <p:ph type="ftr" sz="quarter" idx="3"/>
+          </p:nvPr>
+        </p:nvSpPr>
+        <p:spPr/>
+        <p:txBody>
+          <a:bodyPr/>
+          <a:lstStyle/>
+          <a:p>
+            <a:pPr algn="r"/>
+            <a:r>
+              <a:rPr lang="ko-KR" altLang="en-US" dirty="0"/>
+              <a:t>팀 명</a:t>
+            </a:r>
+            <a:endParaRPr lang="en-US" altLang="ko-KR" dirty="0"/>
+          </a:p>
+        </p:txBody>
+      </p:sp>
+      <p:sp>
+        <p:nvSpPr>
+          <p:cNvPr id="4" name="직사각형 3"/>
+          <p:cNvSpPr/>
+          <p:nvPr/>
+        </p:nvSpPr>
+        <p:spPr bwMode="auto">
+          <a:xfrm>
+            <a:off x="4614128" y="1211259"/>
+            <a:ext cx="4183811" cy="440285"/>
+          </a:xfrm>
+          <a:prstGeom prst="rect">
+            <a:avLst/>
+          </a:prstGeom>
+          <a:solidFill>
+            <a:schemeClr val="accent5">
+              <a:lumMod val="20000"/>
+              <a:lumOff val="80000"/>
+            </a:schemeClr>
+          </a:solidFill>
+          <a:ln w="12700" cap="flat" cmpd="sng" algn="ctr">
+            <a:solidFill>
+              <a:schemeClr val="tx1"/>
+            </a:solidFill>
+            <a:prstDash val="solid"/>
+            <a:round/>
+            <a:headEnd type="none" w="med" len="med"/>
+            <a:tailEnd type="none" w="med" len="med"/>
+          </a:ln>
+          <a:effectLst/>
+        </p:spPr>
+        <p:txBody>
+          <a:bodyPr vert="horz" wrap="none" lIns="90000" tIns="46800" rIns="90000" bIns="46800" numCol="1" rtlCol="0" anchor="t" anchorCtr="0" compatLnSpc="1">
+            <a:prstTxWarp prst="textNoShape">
+              <a:avLst/>
+            </a:prstTxWarp>
+          </a:bodyPr>
+          <a:lstStyle/>
+          <a:p>
+            <a:pPr marL="0" marR="0" indent="0" algn="l" defTabSz="914400" rtl="0" eaLnBrk="0" fontAlgn="base" latinLnBrk="0" hangingPunct="0">
+              <a:lnSpc>
+                <a:spcPct val="100000"/>
+              </a:lnSpc>
+              <a:spcBef>
+                <a:spcPct val="0"/>
+              </a:spcBef>
+              <a:spcAft>
+                <a:spcPct val="0"/>
+              </a:spcAft>
+              <a:buClrTx/>
+              <a:buSzTx/>
+              <a:buFontTx/>
+              <a:buNone/>
+              <a:tabLst/>
+            </a:pPr>
+            <a:endParaRPr kumimoji="0" lang="en-US" altLang="ko-KR" sz="500" b="0" i="0" u="none" strike="noStrike" cap="none" normalizeH="0" baseline="0" dirty="0">
+              <a:ln>
+                <a:noFill/>
+              </a:ln>
+              <a:solidFill>
+                <a:schemeClr val="tx1"/>
+              </a:solidFill>
+              <a:effectLst/>
+              <a:latin typeface="맑은 고딕" pitchFamily="50" charset="-127"/>
+              <a:ea typeface="맑은 고딕" pitchFamily="50" charset="-127"/>
+            </a:endParaRPr>
+          </a:p>
+          <a:p>
+            <a:pPr marL="0" marR="0" indent="0" algn="just" defTabSz="914400" rtl="0" eaLnBrk="0" fontAlgn="base" latinLnBrk="0" hangingPunct="0">
+              <a:lnSpc>
+                <a:spcPct val="100000"/>
+              </a:lnSpc>
+              <a:spcBef>
+                <a:spcPct val="0"/>
+              </a:spcBef>
+              <a:spcAft>
+                <a:spcPct val="0"/>
+              </a:spcAft>
+              <a:buClrTx/>
+              <a:buSzTx/>
+              <a:tabLst/>
+            </a:pPr>
+            <a:r>
+              <a:rPr kumimoji="0" lang="en-US" altLang="ko-KR" sz="1050" b="0" i="0" u="none" strike="noStrike" cap="none" normalizeH="0" baseline="0" dirty="0">
+                <a:ln>
+                  <a:noFill/>
+                </a:ln>
+                <a:solidFill>
+                  <a:schemeClr val="tx1"/>
+                </a:solidFill>
+                <a:effectLst/>
+                <a:latin typeface="맑은 고딕" pitchFamily="50" charset="-127"/>
+                <a:ea typeface="맑은 고딕" pitchFamily="50" charset="-127"/>
+              </a:rPr>
+              <a:t> </a:t>
+            </a:r>
+            <a:r>
+              <a:rPr kumimoji="0" lang="ko-KR" altLang="en-US" sz="1050" b="0" i="0" u="none" strike="noStrike" cap="none" normalizeH="0" baseline="0" dirty="0">
+                <a:ln>
+                  <a:noFill/>
+                </a:ln>
+                <a:solidFill>
+                  <a:schemeClr val="tx1"/>
+                </a:solidFill>
+                <a:effectLst/>
+                <a:latin typeface="맑은 고딕" pitchFamily="50" charset="-127"/>
+                <a:ea typeface="맑은 고딕" pitchFamily="50" charset="-127"/>
+              </a:rPr>
+              <a:t>사용자의 로그인을 처리하는 화면이다</a:t>
+            </a:r>
+            <a:r>
+              <a:rPr kumimoji="0" lang="en-US" altLang="ko-KR" sz="1050" b="0" i="0" u="none" strike="noStrike" cap="none" normalizeH="0" baseline="0" dirty="0">
+                <a:ln>
+                  <a:noFill/>
+                </a:ln>
+                <a:solidFill>
+                  <a:schemeClr val="tx1"/>
+                </a:solidFill>
+                <a:effectLst/>
+                <a:latin typeface="맑은 고딕" pitchFamily="50" charset="-127"/>
+                <a:ea typeface="맑은 고딕" pitchFamily="50" charset="-127"/>
+              </a:rPr>
+              <a:t>.</a:t>
+            </a:r>
+          </a:p>
+        </p:txBody>
+      </p:sp>
+      <p:grpSp>
+        <p:nvGrpSpPr>
+          <p:cNvPr id="19" name="그룹 18"/>
+          <p:cNvGrpSpPr/>
+          <p:nvPr/>
+        </p:nvGrpSpPr>
+        <p:grpSpPr>
+          <a:xfrm>
+            <a:off x="4614126" y="1732062"/>
+            <a:ext cx="4183813" cy="1582412"/>
+            <a:chOff x="4614126" y="1746882"/>
+            <a:chExt cx="4183813" cy="1582412"/>
+          </a:xfrm>
+        </p:grpSpPr>
+        <p:sp>
+          <p:nvSpPr>
+            <p:cNvPr id="22" name="직사각형 21"/>
+            <p:cNvSpPr/>
+            <p:nvPr/>
+          </p:nvSpPr>
+          <p:spPr bwMode="auto">
+            <a:xfrm>
+              <a:off x="4614128" y="1746882"/>
+              <a:ext cx="4183811" cy="346982"/>
+            </a:xfrm>
+            <a:prstGeom prst="rect">
+              <a:avLst/>
+            </a:prstGeom>
+            <a:solidFill>
+              <a:schemeClr val="accent5">
+                <a:lumMod val="20000"/>
+                <a:lumOff val="80000"/>
+              </a:schemeClr>
+            </a:solidFill>
+            <a:ln w="12700" cap="flat" cmpd="sng" algn="ctr">
+              <a:solidFill>
+                <a:schemeClr val="tx1"/>
+              </a:solidFill>
+              <a:prstDash val="solid"/>
+              <a:round/>
+              <a:headEnd type="none" w="med" len="med"/>
+              <a:tailEnd type="none" w="med" len="med"/>
+            </a:ln>
+            <a:effectLst/>
+          </p:spPr>
+          <p:txBody>
+            <a:bodyPr vert="horz" wrap="none" lIns="90000" tIns="46800" rIns="90000" bIns="46800" numCol="1" rtlCol="0" anchor="t" anchorCtr="0" compatLnSpc="1">
+              <a:prstTxWarp prst="textNoShape">
+                <a:avLst/>
+              </a:prstTxWarp>
+            </a:bodyPr>
+            <a:lstStyle/>
+            <a:p>
+              <a:pPr marL="0" marR="0" indent="0" algn="l" defTabSz="914400" rtl="0" eaLnBrk="0" fontAlgn="base" latinLnBrk="0" hangingPunct="0">
+                <a:lnSpc>
+                  <a:spcPct val="100000"/>
+                </a:lnSpc>
+                <a:spcBef>
+                  <a:spcPct val="0"/>
+                </a:spcBef>
+                <a:spcAft>
+                  <a:spcPct val="0"/>
+                </a:spcAft>
+                <a:buClrTx/>
+                <a:buSzTx/>
+                <a:buFontTx/>
+                <a:buNone/>
+                <a:tabLst/>
+              </a:pPr>
+              <a:endParaRPr kumimoji="0" lang="en-US" altLang="ko-KR" sz="500" b="0" i="0" u="none" strike="noStrike" cap="none" normalizeH="0" baseline="0" dirty="0">
+                <a:ln>
+                  <a:noFill/>
+                </a:ln>
+                <a:solidFill>
+                  <a:schemeClr val="tx1"/>
+                </a:solidFill>
+                <a:effectLst/>
+                <a:latin typeface="맑은 고딕" pitchFamily="50" charset="-127"/>
+                <a:ea typeface="맑은 고딕" pitchFamily="50" charset="-127"/>
+              </a:endParaRPr>
+            </a:p>
+            <a:p>
+              <a:pPr marL="0" marR="0" indent="0" algn="ctr" defTabSz="914400" rtl="0" eaLnBrk="0" fontAlgn="base" latinLnBrk="0" hangingPunct="0">
+                <a:lnSpc>
+                  <a:spcPct val="100000"/>
+                </a:lnSpc>
+                <a:spcBef>
+                  <a:spcPct val="0"/>
+                </a:spcBef>
+                <a:spcAft>
+                  <a:spcPct val="0"/>
+                </a:spcAft>
+                <a:buClrTx/>
+                <a:buSzTx/>
+                <a:buFontTx/>
+                <a:buNone/>
+                <a:tabLst/>
+              </a:pPr>
+              <a:r>
+                <a:rPr lang="ko-KR" altLang="en-US" sz="1200" b="1" dirty="0">
+                  <a:latin typeface="맑은 고딕" pitchFamily="50" charset="-127"/>
+                  <a:ea typeface="맑은 고딕" pitchFamily="50" charset="-127"/>
+                </a:rPr>
+                <a:t>화면 순서</a:t>
+              </a:r>
+              <a:endParaRPr kumimoji="0" lang="en-US" altLang="ko-KR" sz="1200" b="1" i="0" u="none" strike="noStrike" cap="none" normalizeH="0" baseline="0" dirty="0">
+                <a:ln>
+                  <a:noFill/>
+                </a:ln>
+                <a:solidFill>
+                  <a:schemeClr val="tx1"/>
+                </a:solidFill>
+                <a:effectLst/>
+                <a:latin typeface="맑은 고딕" pitchFamily="50" charset="-127"/>
+                <a:ea typeface="맑은 고딕" pitchFamily="50" charset="-127"/>
+              </a:endParaRPr>
+            </a:p>
+          </p:txBody>
+        </p:sp>
+        <p:sp>
+          <p:nvSpPr>
+            <p:cNvPr id="30" name="직사각형 29"/>
+            <p:cNvSpPr/>
+            <p:nvPr/>
+          </p:nvSpPr>
+          <p:spPr bwMode="auto">
+            <a:xfrm>
+              <a:off x="4614126" y="2093864"/>
+              <a:ext cx="4183811" cy="1235430"/>
+            </a:xfrm>
+            <a:prstGeom prst="rect">
+              <a:avLst/>
+            </a:prstGeom>
+            <a:solidFill>
+              <a:schemeClr val="bg1"/>
+            </a:solidFill>
+            <a:ln w="12700" cap="flat" cmpd="sng" algn="ctr">
+              <a:solidFill>
+                <a:schemeClr val="tx1"/>
+              </a:solidFill>
+              <a:prstDash val="solid"/>
+              <a:round/>
+              <a:headEnd type="none" w="med" len="med"/>
+              <a:tailEnd type="none" w="med" len="med"/>
+            </a:ln>
+            <a:effectLst/>
+          </p:spPr>
+          <p:txBody>
+            <a:bodyPr vert="horz" wrap="none" lIns="90000" tIns="144000" rIns="90000" bIns="46800" numCol="1" rtlCol="0" anchor="t" anchorCtr="0" compatLnSpc="1">
+              <a:prstTxWarp prst="textNoShape">
+                <a:avLst/>
+              </a:prstTxWarp>
+            </a:bodyPr>
+            <a:lstStyle/>
+            <a:p>
+              <a:pPr marL="0" marR="0" indent="0" algn="just" defTabSz="914400" rtl="0" eaLnBrk="0" fontAlgn="base" latinLnBrk="0" hangingPunct="0">
+                <a:lnSpc>
+                  <a:spcPct val="100000"/>
+                </a:lnSpc>
+                <a:spcBef>
+                  <a:spcPct val="0"/>
+                </a:spcBef>
+                <a:spcAft>
+                  <a:spcPct val="0"/>
+                </a:spcAft>
+                <a:buClrTx/>
+                <a:buSzTx/>
+                <a:buFont typeface="Arial" pitchFamily="34" charset="0"/>
+                <a:buChar char="•"/>
+                <a:tabLst/>
+              </a:pPr>
+              <a:r>
+                <a:rPr kumimoji="0" lang="en-US" altLang="ko-KR" sz="1050" b="0" i="0" u="none" strike="noStrike" cap="none" normalizeH="0" baseline="0" dirty="0">
+                  <a:ln>
+                    <a:noFill/>
+                  </a:ln>
+                  <a:solidFill>
+                    <a:schemeClr val="tx1"/>
+                  </a:solidFill>
+                  <a:effectLst/>
+                  <a:latin typeface="맑은 고딕" pitchFamily="50" charset="-127"/>
+                  <a:ea typeface="맑은 고딕" pitchFamily="50" charset="-127"/>
+                </a:rPr>
+                <a:t> ‘</a:t>
+              </a:r>
+              <a:r>
+                <a:rPr lang="en-US" altLang="ko-KR" sz="1050" dirty="0">
+                  <a:latin typeface="맑은 고딕" pitchFamily="50" charset="-127"/>
+                  <a:ea typeface="맑은 고딕" pitchFamily="50" charset="-127"/>
+                </a:rPr>
+                <a:t>LOGIN’</a:t>
+              </a:r>
+              <a:r>
+                <a:rPr kumimoji="0" lang="ko-KR" altLang="en-US" sz="1050" b="0" i="0" u="none" strike="noStrike" cap="none" normalizeH="0" baseline="0" dirty="0">
+                  <a:ln>
+                    <a:noFill/>
+                  </a:ln>
+                  <a:solidFill>
+                    <a:schemeClr val="tx1"/>
+                  </a:solidFill>
+                  <a:effectLst/>
+                  <a:latin typeface="맑은 고딕" pitchFamily="50" charset="-127"/>
+                  <a:ea typeface="맑은 고딕" pitchFamily="50" charset="-127"/>
+                </a:rPr>
+                <a:t> 버튼을 누르면 </a:t>
+              </a:r>
+              <a:r>
+                <a:rPr kumimoji="0" lang="en-US" altLang="ko-KR" sz="1050" b="0" i="0" u="none" strike="noStrike" cap="none" normalizeH="0" baseline="0" dirty="0">
+                  <a:ln>
+                    <a:noFill/>
+                  </a:ln>
+                  <a:solidFill>
+                    <a:schemeClr val="tx1"/>
+                  </a:solidFill>
+                  <a:effectLst/>
+                  <a:latin typeface="맑은 고딕" pitchFamily="50" charset="-127"/>
+                  <a:ea typeface="맑은 고딕" pitchFamily="50" charset="-127"/>
+                </a:rPr>
+                <a:t>“Login Success”</a:t>
+              </a:r>
+              <a:r>
+                <a:rPr kumimoji="0" lang="ko-KR" altLang="en-US" sz="1050" b="0" i="0" u="none" strike="noStrike" cap="none" normalizeH="0" baseline="0" dirty="0">
+                  <a:ln>
+                    <a:noFill/>
+                  </a:ln>
+                  <a:solidFill>
+                    <a:schemeClr val="tx1"/>
+                  </a:solidFill>
+                  <a:effectLst/>
+                  <a:latin typeface="맑은 고딕" pitchFamily="50" charset="-127"/>
+                  <a:ea typeface="맑은 고딕" pitchFamily="50" charset="-127"/>
+                </a:rPr>
+                <a:t> </a:t>
+              </a:r>
+              <a:r>
+                <a:rPr lang="ko-KR" altLang="en-US" sz="1050" dirty="0">
+                  <a:latin typeface="맑은 고딕" pitchFamily="50" charset="-127"/>
+                  <a:ea typeface="맑은 고딕" pitchFamily="50" charset="-127"/>
+                </a:rPr>
+                <a:t>메시지를 표시하고</a:t>
+              </a:r>
+              <a:r>
+                <a:rPr lang="en-US" altLang="ko-KR" sz="1050" dirty="0">
+                  <a:latin typeface="맑은 고딕" pitchFamily="50" charset="-127"/>
+                  <a:ea typeface="맑은 고딕" pitchFamily="50" charset="-127"/>
+                </a:rPr>
+                <a:t>, </a:t>
+              </a:r>
+            </a:p>
+            <a:p>
+              <a:pPr marL="0" marR="0" indent="0" algn="just" defTabSz="914400" rtl="0" eaLnBrk="0" fontAlgn="base" latinLnBrk="0" hangingPunct="0">
+                <a:lnSpc>
+                  <a:spcPct val="100000"/>
+                </a:lnSpc>
+                <a:spcBef>
+                  <a:spcPct val="0"/>
+                </a:spcBef>
+                <a:spcAft>
+                  <a:spcPct val="0"/>
+                </a:spcAft>
+                <a:buClrTx/>
+                <a:buSzTx/>
+                <a:tabLst/>
+              </a:pPr>
+              <a:r>
+                <a:rPr lang="en-US" altLang="ko-KR" sz="1050" dirty="0">
+                  <a:latin typeface="맑은 고딕" pitchFamily="50" charset="-127"/>
+                  <a:ea typeface="맑은 고딕" pitchFamily="50" charset="-127"/>
+                </a:rPr>
+                <a:t>  </a:t>
+              </a:r>
+              <a:r>
+                <a:rPr lang="ko-KR" altLang="en-US" sz="1050" dirty="0">
+                  <a:latin typeface="맑은 고딕" pitchFamily="50" charset="-127"/>
+                  <a:ea typeface="맑은 고딕" pitchFamily="50" charset="-127"/>
+                </a:rPr>
+                <a:t>메인 화면으로 이동한다</a:t>
+              </a:r>
+              <a:r>
+                <a:rPr lang="en-US" altLang="ko-KR" sz="1050" dirty="0">
+                  <a:latin typeface="맑은 고딕" pitchFamily="50" charset="-127"/>
+                  <a:ea typeface="맑은 고딕" pitchFamily="50" charset="-127"/>
+                </a:rPr>
+                <a:t>.</a:t>
+              </a:r>
+            </a:p>
+            <a:p>
+              <a:pPr marL="0" marR="0" indent="0" algn="just" defTabSz="914400" rtl="0" eaLnBrk="0" fontAlgn="base" latinLnBrk="0" hangingPunct="0">
+                <a:lnSpc>
+                  <a:spcPct val="100000"/>
+                </a:lnSpc>
+                <a:spcBef>
+                  <a:spcPct val="0"/>
+                </a:spcBef>
+                <a:spcAft>
+                  <a:spcPct val="0"/>
+                </a:spcAft>
+                <a:buClrTx/>
+                <a:buSzTx/>
+                <a:tabLst/>
+              </a:pPr>
+              <a:endParaRPr lang="en-US" altLang="ko-KR" sz="1050" dirty="0">
+                <a:latin typeface="맑은 고딕" pitchFamily="50" charset="-127"/>
+                <a:ea typeface="맑은 고딕" pitchFamily="50" charset="-127"/>
+              </a:endParaRPr>
+            </a:p>
+            <a:p>
+              <a:pPr marL="0" marR="0" indent="0" algn="just" defTabSz="914400" rtl="0" eaLnBrk="0" fontAlgn="base" latinLnBrk="0" hangingPunct="0">
+                <a:lnSpc>
+                  <a:spcPct val="100000"/>
+                </a:lnSpc>
+                <a:spcBef>
+                  <a:spcPct val="0"/>
+                </a:spcBef>
+                <a:spcAft>
+                  <a:spcPct val="0"/>
+                </a:spcAft>
+                <a:buClrTx/>
+                <a:buSzTx/>
+                <a:buFont typeface="Arial" pitchFamily="34" charset="0"/>
+                <a:buChar char="•"/>
+                <a:tabLst/>
+              </a:pPr>
+              <a:r>
+                <a:rPr kumimoji="0" lang="en-US" altLang="ko-KR" sz="1050" b="0" i="0" u="none" strike="noStrike" cap="none" normalizeH="0" baseline="0" dirty="0">
+                  <a:ln>
+                    <a:noFill/>
+                  </a:ln>
+                  <a:solidFill>
+                    <a:schemeClr val="tx1"/>
+                  </a:solidFill>
+                  <a:effectLst/>
+                  <a:latin typeface="맑은 고딕" pitchFamily="50" charset="-127"/>
+                  <a:ea typeface="맑은 고딕" pitchFamily="50" charset="-127"/>
+                </a:rPr>
+                <a:t> ‘SIGN UP’</a:t>
+              </a:r>
+              <a:r>
+                <a:rPr kumimoji="0" lang="ko-KR" altLang="en-US" sz="1050" b="0" i="0" u="none" strike="noStrike" cap="none" normalizeH="0" baseline="0" dirty="0">
+                  <a:ln>
+                    <a:noFill/>
+                  </a:ln>
+                  <a:solidFill>
+                    <a:schemeClr val="tx1"/>
+                  </a:solidFill>
+                  <a:effectLst/>
+                  <a:latin typeface="맑은 고딕" pitchFamily="50" charset="-127"/>
+                  <a:ea typeface="맑은 고딕" pitchFamily="50" charset="-127"/>
+                </a:rPr>
+                <a:t> 버튼을 누르면 회원가입 화면으로 이동한다</a:t>
+              </a:r>
+              <a:r>
+                <a:rPr kumimoji="0" lang="en-US" altLang="ko-KR" sz="1050" b="0" i="0" u="none" strike="noStrike" cap="none" normalizeH="0" baseline="0" dirty="0">
+                  <a:ln>
+                    <a:noFill/>
+                  </a:ln>
+                  <a:solidFill>
+                    <a:schemeClr val="tx1"/>
+                  </a:solidFill>
+                  <a:effectLst/>
+                  <a:latin typeface="맑은 고딕" pitchFamily="50" charset="-127"/>
+                  <a:ea typeface="맑은 고딕" pitchFamily="50" charset="-127"/>
+                </a:rPr>
+                <a:t>.</a:t>
+              </a:r>
+            </a:p>
+          </p:txBody>
+        </p:sp>
+      </p:grpSp>
+      <p:grpSp>
+        <p:nvGrpSpPr>
+          <p:cNvPr id="20" name="그룹 19"/>
+          <p:cNvGrpSpPr/>
+          <p:nvPr/>
+        </p:nvGrpSpPr>
+        <p:grpSpPr>
+          <a:xfrm>
+            <a:off x="4614124" y="3394992"/>
+            <a:ext cx="4183813" cy="2867784"/>
+            <a:chOff x="4614124" y="3394992"/>
+            <a:chExt cx="4183813" cy="2867784"/>
+          </a:xfrm>
+        </p:grpSpPr>
+        <p:sp>
+          <p:nvSpPr>
+            <p:cNvPr id="31" name="직사각형 30"/>
+            <p:cNvSpPr/>
+            <p:nvPr/>
+          </p:nvSpPr>
+          <p:spPr bwMode="auto">
+            <a:xfrm>
+              <a:off x="4614126" y="3394992"/>
+              <a:ext cx="4183811" cy="346982"/>
+            </a:xfrm>
+            <a:prstGeom prst="rect">
+              <a:avLst/>
+            </a:prstGeom>
+            <a:solidFill>
+              <a:schemeClr val="accent5">
+                <a:lumMod val="20000"/>
+                <a:lumOff val="80000"/>
+              </a:schemeClr>
+            </a:solidFill>
+            <a:ln w="12700" cap="flat" cmpd="sng" algn="ctr">
+              <a:solidFill>
+                <a:schemeClr val="tx1"/>
+              </a:solidFill>
+              <a:prstDash val="solid"/>
+              <a:round/>
+              <a:headEnd type="none" w="med" len="med"/>
+              <a:tailEnd type="none" w="med" len="med"/>
+            </a:ln>
+            <a:effectLst/>
+          </p:spPr>
+          <p:txBody>
+            <a:bodyPr vert="horz" wrap="none" lIns="90000" tIns="46800" rIns="90000" bIns="46800" numCol="1" rtlCol="0" anchor="t" anchorCtr="0" compatLnSpc="1">
+              <a:prstTxWarp prst="textNoShape">
+                <a:avLst/>
+              </a:prstTxWarp>
+            </a:bodyPr>
+            <a:lstStyle/>
+            <a:p>
+              <a:pPr marL="0" marR="0" indent="0" algn="l" defTabSz="914400" rtl="0" eaLnBrk="0" fontAlgn="base" latinLnBrk="0" hangingPunct="0">
+                <a:lnSpc>
+                  <a:spcPct val="100000"/>
+                </a:lnSpc>
+                <a:spcBef>
+                  <a:spcPct val="0"/>
+                </a:spcBef>
+                <a:spcAft>
+                  <a:spcPct val="0"/>
+                </a:spcAft>
+                <a:buClrTx/>
+                <a:buSzTx/>
+                <a:buFontTx/>
+                <a:buNone/>
+                <a:tabLst/>
+              </a:pPr>
+              <a:endParaRPr kumimoji="0" lang="en-US" altLang="ko-KR" sz="500" b="0" i="0" u="none" strike="noStrike" cap="none" normalizeH="0" baseline="0" dirty="0">
+                <a:ln>
+                  <a:noFill/>
+                </a:ln>
+                <a:solidFill>
+                  <a:schemeClr val="tx1"/>
+                </a:solidFill>
+                <a:effectLst/>
+                <a:latin typeface="맑은 고딕" pitchFamily="50" charset="-127"/>
+                <a:ea typeface="맑은 고딕" pitchFamily="50" charset="-127"/>
+              </a:endParaRPr>
+            </a:p>
+            <a:p>
+              <a:pPr algn="ctr"/>
+              <a:r>
+                <a:rPr lang="en-US" altLang="ko-KR" sz="1200" b="1" dirty="0">
+                  <a:latin typeface="맑은 고딕" pitchFamily="50" charset="-127"/>
+                  <a:ea typeface="맑은 고딕" pitchFamily="50" charset="-127"/>
+                </a:rPr>
+                <a:t>UI </a:t>
+              </a:r>
+              <a:r>
+                <a:rPr lang="ko-KR" altLang="en-US" sz="1200" b="1" dirty="0">
+                  <a:latin typeface="맑은 고딕" pitchFamily="50" charset="-127"/>
+                  <a:ea typeface="맑은 고딕" pitchFamily="50" charset="-127"/>
+                </a:rPr>
+                <a:t>요구사항</a:t>
+              </a:r>
+              <a:endParaRPr lang="en-US" altLang="ko-KR" sz="1200" b="1" dirty="0">
+                <a:latin typeface="맑은 고딕" pitchFamily="50" charset="-127"/>
+                <a:ea typeface="맑은 고딕" pitchFamily="50" charset="-127"/>
+              </a:endParaRPr>
+            </a:p>
+          </p:txBody>
+        </p:sp>
+        <p:sp>
+          <p:nvSpPr>
+            <p:cNvPr id="32" name="직사각형 31"/>
+            <p:cNvSpPr/>
+            <p:nvPr/>
+          </p:nvSpPr>
+          <p:spPr bwMode="auto">
+            <a:xfrm>
+              <a:off x="4614124" y="3741973"/>
+              <a:ext cx="4183811" cy="2520803"/>
+            </a:xfrm>
+            <a:prstGeom prst="rect">
+              <a:avLst/>
+            </a:prstGeom>
+            <a:solidFill>
+              <a:schemeClr val="bg1"/>
+            </a:solidFill>
+            <a:ln w="12700" cap="flat" cmpd="sng" algn="ctr">
+              <a:solidFill>
+                <a:schemeClr val="tx1"/>
+              </a:solidFill>
+              <a:prstDash val="solid"/>
+              <a:round/>
+              <a:headEnd type="none" w="med" len="med"/>
+              <a:tailEnd type="none" w="med" len="med"/>
+            </a:ln>
+            <a:effectLst/>
+          </p:spPr>
+          <p:txBody>
+            <a:bodyPr vert="horz" wrap="none" lIns="90000" tIns="144000" rIns="90000" bIns="46800" numCol="1" rtlCol="0" anchor="t" anchorCtr="0" compatLnSpc="1">
+              <a:prstTxWarp prst="textNoShape">
+                <a:avLst/>
+              </a:prstTxWarp>
+            </a:bodyPr>
+            <a:lstStyle/>
+            <a:p>
+              <a:pPr algn="just">
+                <a:buFont typeface="Arial" pitchFamily="34" charset="0"/>
+                <a:buChar char="•"/>
+              </a:pPr>
+              <a:r>
+                <a:rPr lang="en-US" altLang="ko-KR" sz="1050" dirty="0">
+                  <a:latin typeface="맑은 고딕" pitchFamily="50" charset="-127"/>
+                  <a:ea typeface="맑은 고딕" pitchFamily="50" charset="-127"/>
+                </a:rPr>
+                <a:t> ‘Input ID’</a:t>
+              </a:r>
+              <a:r>
+                <a:rPr lang="ko-KR" altLang="en-US" sz="1050" dirty="0">
+                  <a:latin typeface="맑은 고딕" pitchFamily="50" charset="-127"/>
+                  <a:ea typeface="맑은 고딕" pitchFamily="50" charset="-127"/>
+                </a:rPr>
+                <a:t>와 </a:t>
+              </a:r>
+              <a:r>
+                <a:rPr lang="en-US" altLang="ko-KR" sz="1050" dirty="0">
+                  <a:latin typeface="맑은 고딕" pitchFamily="50" charset="-127"/>
+                  <a:ea typeface="맑은 고딕" pitchFamily="50" charset="-127"/>
+                </a:rPr>
+                <a:t>‘Input Password’ Text</a:t>
+              </a:r>
+              <a:r>
+                <a:rPr lang="ko-KR" altLang="en-US" sz="1050" dirty="0">
+                  <a:latin typeface="맑은 고딕" pitchFamily="50" charset="-127"/>
+                  <a:ea typeface="맑은 고딕" pitchFamily="50" charset="-127"/>
+                </a:rPr>
+                <a:t>는 </a:t>
+              </a:r>
+              <a:r>
+                <a:rPr lang="en-US" altLang="ko-KR" sz="1050" dirty="0">
+                  <a:latin typeface="맑은 고딕" pitchFamily="50" charset="-127"/>
+                  <a:ea typeface="맑은 고딕" pitchFamily="50" charset="-127"/>
+                </a:rPr>
+                <a:t>Input</a:t>
+              </a:r>
+              <a:r>
+                <a:rPr lang="ko-KR" altLang="en-US" sz="1050" dirty="0">
+                  <a:latin typeface="맑은 고딕" pitchFamily="50" charset="-127"/>
+                  <a:ea typeface="맑은 고딕" pitchFamily="50" charset="-127"/>
+                </a:rPr>
+                <a:t>이 들어올 시 사라짐</a:t>
+              </a:r>
+              <a:endParaRPr lang="en-US" altLang="ko-KR" sz="1050" dirty="0">
+                <a:latin typeface="맑은 고딕" pitchFamily="50" charset="-127"/>
+                <a:ea typeface="맑은 고딕" pitchFamily="50" charset="-127"/>
+              </a:endParaRPr>
+            </a:p>
+          </p:txBody>
+        </p:sp>
+      </p:grpSp>
+      <p:pic>
+        <p:nvPicPr>
+          <p:cNvPr id="23" name="그림 22">
+            <a:extLst>
+              <a:ext uri="{FF2B5EF4-FFF2-40B4-BE49-F238E27FC236}">
+                <a16:creationId xmlns:a16="http://schemas.microsoft.com/office/drawing/2014/main" id="{2AF651CA-AE9E-4BE4-B1B0-C81F66D47AE6}"/>
+              </a:ext>
+            </a:extLst>
+          </p:cNvPr>
+          <p:cNvPicPr>
+            <a:picLocks noChangeAspect="1"/>
+          </p:cNvPicPr>
+          <p:nvPr/>
+        </p:nvPicPr>
+        <p:blipFill>
+          <a:blip r:embed="rId2">
+            <a:extLst>
+              <a:ext uri="{28A0092B-C50C-407E-A947-70E740481C1C}">
+                <a14:useLocalDpi xmlns:a14="http://schemas.microsoft.com/office/drawing/2010/main" val="0"/>
+              </a:ext>
+            </a:extLst>
+          </a:blip>
+          <a:stretch>
+            <a:fillRect/>
+          </a:stretch>
+        </p:blipFill>
+        <p:spPr>
+          <a:xfrm>
+            <a:off x="801508" y="1203158"/>
+            <a:ext cx="3071535" cy="5086762"/>
+          </a:xfrm>
+          <a:prstGeom prst="rect">
+            <a:avLst/>
+          </a:prstGeom>
+        </p:spPr>
+      </p:pic>
+      <p:graphicFrame>
+        <p:nvGraphicFramePr>
+          <p:cNvPr id="29" name="Group 240">
+            <a:extLst>
+              <a:ext uri="{FF2B5EF4-FFF2-40B4-BE49-F238E27FC236}">
+                <a16:creationId xmlns:a16="http://schemas.microsoft.com/office/drawing/2014/main" id="{C7016A4B-3D49-41C7-88B0-BF160CDB7762}"/>
+              </a:ext>
+            </a:extLst>
+          </p:cNvPr>
+          <p:cNvGraphicFramePr>
+            <a:graphicFrameLocks noGrp="1"/>
+          </p:cNvGraphicFramePr>
+          <p:nvPr>
+            <p:extLst>
+              <p:ext uri="{D42A27DB-BD31-4B8C-83A1-F6EECF244321}">
+                <p14:modId xmlns:p14="http://schemas.microsoft.com/office/powerpoint/2010/main" val="3494504315"/>
+              </p:ext>
+            </p:extLst>
+          </p:nvPr>
+        </p:nvGraphicFramePr>
+        <p:xfrm>
+          <a:off x="101602" y="107950"/>
+          <a:ext cx="8933342" cy="893831"/>
+        </p:xfrm>
+        <a:graphic>
+          <a:graphicData uri="http://schemas.openxmlformats.org/drawingml/2006/table">
+            <a:tbl>
+              <a:tblPr/>
+              <a:tblGrid>
+                <a:gridCol w="1024554">
+                  <a:extLst>
+                    <a:ext uri="{9D8B030D-6E8A-4147-A177-3AD203B41FA5}">
+                      <a16:colId xmlns:a16="http://schemas.microsoft.com/office/drawing/2014/main" val="20000"/>
+                    </a:ext>
+                  </a:extLst>
+                </a:gridCol>
+                <a:gridCol w="2983884">
+                  <a:extLst>
+                    <a:ext uri="{9D8B030D-6E8A-4147-A177-3AD203B41FA5}">
+                      <a16:colId xmlns:a16="http://schemas.microsoft.com/office/drawing/2014/main" val="20001"/>
+                    </a:ext>
+                  </a:extLst>
+                </a:gridCol>
+                <a:gridCol w="1196090">
+                  <a:extLst>
+                    <a:ext uri="{9D8B030D-6E8A-4147-A177-3AD203B41FA5}">
+                      <a16:colId xmlns:a16="http://schemas.microsoft.com/office/drawing/2014/main" val="20002"/>
+                    </a:ext>
+                  </a:extLst>
+                </a:gridCol>
+                <a:gridCol w="1859283">
+                  <a:extLst>
+                    <a:ext uri="{9D8B030D-6E8A-4147-A177-3AD203B41FA5}">
+                      <a16:colId xmlns:a16="http://schemas.microsoft.com/office/drawing/2014/main" val="20003"/>
+                    </a:ext>
+                  </a:extLst>
+                </a:gridCol>
+                <a:gridCol w="597313">
+                  <a:extLst>
+                    <a:ext uri="{9D8B030D-6E8A-4147-A177-3AD203B41FA5}">
+                      <a16:colId xmlns:a16="http://schemas.microsoft.com/office/drawing/2014/main" val="20004"/>
+                    </a:ext>
+                  </a:extLst>
+                </a:gridCol>
+                <a:gridCol w="1272218">
+                  <a:extLst>
+                    <a:ext uri="{9D8B030D-6E8A-4147-A177-3AD203B41FA5}">
+                      <a16:colId xmlns:a16="http://schemas.microsoft.com/office/drawing/2014/main" val="20005"/>
+                    </a:ext>
+                  </a:extLst>
+                </a:gridCol>
+              </a:tblGrid>
+              <a:tr h="299619">
+                <a:tc>
+                  <a:txBody>
+                    <a:bodyPr/>
+                    <a:lstStyle/>
+                    <a:p>
+                      <a:pPr marL="0" marR="0" lvl="0" indent="0" algn="ctr" defTabSz="914400" rtl="0" eaLnBrk="1" fontAlgn="base" latinLnBrk="1" hangingPunct="1">
+                        <a:lnSpc>
+                          <a:spcPct val="100000"/>
+                        </a:lnSpc>
+                        <a:spcBef>
+                          <a:spcPct val="0"/>
+                        </a:spcBef>
+                        <a:spcAft>
+                          <a:spcPct val="0"/>
+                        </a:spcAft>
+                        <a:buClrTx/>
+                        <a:buSzTx/>
+                        <a:buFontTx/>
+                        <a:buNone/>
+                        <a:tabLst/>
+                      </a:pPr>
+                      <a:r>
+                        <a:rPr kumimoji="1" lang="ko-KR" altLang="en-US" sz="900" b="0" i="0" u="none" strike="noStrike" cap="none" normalizeH="0" baseline="0" dirty="0">
+                          <a:ln>
+                            <a:noFill/>
+                          </a:ln>
+                          <a:solidFill>
+                            <a:schemeClr val="tx1"/>
+                          </a:solidFill>
+                          <a:effectLst/>
+                          <a:latin typeface="맑은 고딕" pitchFamily="50" charset="-127"/>
+                          <a:ea typeface="맑은 고딕" pitchFamily="50" charset="-127"/>
+                        </a:rPr>
+                        <a:t>프로젝트 명</a:t>
+                      </a:r>
+                      <a:endParaRPr kumimoji="1" lang="ko-KR" altLang="ko-KR" sz="900" b="0" i="0" u="none" strike="noStrike" cap="none" normalizeH="0" baseline="0" dirty="0">
+                        <a:ln>
+                          <a:noFill/>
+                        </a:ln>
+                        <a:solidFill>
+                          <a:schemeClr val="tx1"/>
+                        </a:solidFill>
+                        <a:effectLst/>
+                        <a:latin typeface="맑은 고딕" pitchFamily="50" charset="-127"/>
+                        <a:ea typeface="맑은 고딕" pitchFamily="50" charset="-127"/>
+                      </a:endParaRPr>
+                    </a:p>
+                  </a:txBody>
+                  <a:tcPr marL="36000" marR="36000" marT="18000" marB="18000" anchor="ctr" horzOverflow="overflow">
+                    <a:lnL w="12700" cap="flat" cmpd="sng" algn="ctr">
+                      <a:solidFill>
+                        <a:schemeClr val="tx1"/>
+                      </a:solidFill>
+                      <a:prstDash val="solid"/>
+                      <a:round/>
+                      <a:headEnd type="none" w="med" len="med"/>
+                      <a:tailEnd type="none" w="med" len="med"/>
+                    </a:lnL>
+                    <a:lnR w="12700" cap="flat" cmpd="sng" algn="ctr">
+                      <a:solidFill>
+                        <a:schemeClr val="tx1"/>
+                      </a:solidFill>
+                      <a:prstDash val="solid"/>
+                      <a:round/>
+                      <a:headEnd type="none" w="med" len="med"/>
+                      <a:tailEnd type="none" w="med" len="med"/>
+                    </a:lnR>
+                    <a:lnT w="12700" cap="flat" cmpd="sng" algn="ctr">
+                      <a:solidFill>
+                        <a:schemeClr val="tx1"/>
+                      </a:solidFill>
+                      <a:prstDash val="solid"/>
+                      <a:round/>
+                      <a:headEnd type="none" w="med" len="med"/>
+                      <a:tailEnd type="none" w="med" len="med"/>
+                    </a:lnT>
+                    <a:lnB w="12700" cap="flat" cmpd="sng" algn="ctr">
+                      <a:solidFill>
+                        <a:schemeClr val="tx1"/>
+                      </a:solidFill>
+                      <a:prstDash val="solid"/>
+                      <a:round/>
+                      <a:headEnd type="none" w="med" len="med"/>
+                      <a:tailEnd type="none" w="med" len="med"/>
+                    </a:lnB>
+                    <a:lnTlToBr>
+                      <a:noFill/>
+                    </a:lnTlToBr>
+                    <a:lnBlToTr>
+                      <a:noFill/>
+                    </a:lnBlToTr>
+                    <a:solidFill>
+                      <a:srgbClr val="EEEEEE"/>
+                    </a:solidFill>
+                  </a:tcPr>
+                </a:tc>
+                <a:tc>
+                  <a:txBody>
+                    <a:bodyPr/>
+                    <a:lstStyle/>
+                    <a:p>
+                      <a:pPr marL="0" marR="0" lvl="0" indent="0" algn="ctr" defTabSz="914400" rtl="0" eaLnBrk="1" fontAlgn="base" latinLnBrk="1" hangingPunct="1">
+                        <a:lnSpc>
+                          <a:spcPct val="100000"/>
+                        </a:lnSpc>
+                        <a:spcBef>
+                          <a:spcPct val="0"/>
+                        </a:spcBef>
+                        <a:spcAft>
+                          <a:spcPct val="0"/>
+                        </a:spcAft>
+                        <a:buClrTx/>
+                        <a:buSzTx/>
+                        <a:buFontTx/>
+                        <a:buNone/>
+                        <a:tabLst/>
+                      </a:pPr>
+                      <a:r>
+                        <a:rPr kumimoji="1" lang="ko-KR" altLang="en-US" sz="900" b="0" i="0" u="none" strike="noStrike" cap="none" normalizeH="0" baseline="0" dirty="0">
+                          <a:ln>
+                            <a:noFill/>
+                          </a:ln>
+                          <a:solidFill>
+                            <a:schemeClr val="tx1"/>
+                          </a:solidFill>
+                          <a:effectLst/>
+                          <a:latin typeface="맑은 고딕" pitchFamily="50" charset="-127"/>
+                          <a:ea typeface="맑은 고딕" pitchFamily="50" charset="-127"/>
+                        </a:rPr>
+                        <a:t>이것도 찾아보시지</a:t>
+                      </a:r>
+                      <a:endParaRPr kumimoji="1" lang="ko-KR" altLang="ko-KR" sz="900" b="0" i="0" u="none" strike="noStrike" cap="none" normalizeH="0" baseline="0" dirty="0">
+                        <a:ln>
+                          <a:noFill/>
+                        </a:ln>
+                        <a:solidFill>
+                          <a:schemeClr val="tx1"/>
+                        </a:solidFill>
+                        <a:effectLst/>
+                        <a:latin typeface="맑은 고딕" pitchFamily="50" charset="-127"/>
+                        <a:ea typeface="맑은 고딕" pitchFamily="50" charset="-127"/>
+                      </a:endParaRPr>
+                    </a:p>
+                  </a:txBody>
+                  <a:tcPr marL="36000" marR="36000" marT="18000" marB="18000" anchor="ctr" horzOverflow="overflow">
+                    <a:lnL w="12700" cap="flat" cmpd="sng" algn="ctr">
+                      <a:solidFill>
+                        <a:schemeClr val="tx1"/>
+                      </a:solidFill>
+                      <a:prstDash val="solid"/>
+                      <a:round/>
+                      <a:headEnd type="none" w="med" len="med"/>
+                      <a:tailEnd type="none" w="med" len="med"/>
+                    </a:lnL>
+                    <a:lnR w="12700" cap="flat" cmpd="sng" algn="ctr">
+                      <a:solidFill>
+                        <a:schemeClr val="tx1"/>
+                      </a:solidFill>
+                      <a:prstDash val="solid"/>
+                      <a:round/>
+                      <a:headEnd type="none" w="med" len="med"/>
+                      <a:tailEnd type="none" w="med" len="med"/>
+                    </a:lnR>
+                    <a:lnT w="12700" cap="flat" cmpd="sng" algn="ctr">
+                      <a:solidFill>
+                        <a:schemeClr val="tx1"/>
+                      </a:solidFill>
+                      <a:prstDash val="solid"/>
+                      <a:round/>
+                      <a:headEnd type="none" w="med" len="med"/>
+                      <a:tailEnd type="none" w="med" len="med"/>
+                    </a:lnT>
+                    <a:lnB w="12700" cap="flat" cmpd="sng" algn="ctr">
+                      <a:solidFill>
+                        <a:schemeClr val="tx1"/>
+                      </a:solidFill>
+                      <a:prstDash val="solid"/>
+                      <a:round/>
+                      <a:headEnd type="none" w="med" len="med"/>
+                      <a:tailEnd type="none" w="med" len="med"/>
+                    </a:lnB>
+                    <a:lnTlToBr>
+                      <a:noFill/>
+                    </a:lnTlToBr>
+                    <a:lnBlToTr>
+                      <a:noFill/>
+                    </a:lnBlToTr>
+                    <a:noFill/>
+                  </a:tcPr>
+                </a:tc>
+                <a:tc>
+                  <a:txBody>
+                    <a:bodyPr/>
+                    <a:lstStyle/>
+                    <a:p>
+                      <a:pPr marL="0" marR="0" lvl="0" indent="0" algn="ctr" defTabSz="914400" rtl="0" eaLnBrk="1" fontAlgn="base" latinLnBrk="1" hangingPunct="1">
+                        <a:lnSpc>
+                          <a:spcPct val="100000"/>
+                        </a:lnSpc>
+                        <a:spcBef>
+                          <a:spcPct val="0"/>
+                        </a:spcBef>
+                        <a:spcAft>
+                          <a:spcPct val="0"/>
+                        </a:spcAft>
+                        <a:buClrTx/>
+                        <a:buSzTx/>
+                        <a:buFontTx/>
+                        <a:buNone/>
+                        <a:tabLst/>
+                      </a:pPr>
+                      <a:r>
+                        <a:rPr kumimoji="1" lang="ko-KR" altLang="en-US" sz="900" b="0" i="0" u="none" strike="noStrike" cap="none" normalizeH="0" baseline="0" dirty="0">
+                          <a:ln>
+                            <a:noFill/>
+                          </a:ln>
+                          <a:solidFill>
+                            <a:schemeClr val="tx1"/>
+                          </a:solidFill>
+                          <a:effectLst/>
+                          <a:latin typeface="맑은 고딕" pitchFamily="50" charset="-127"/>
+                          <a:ea typeface="맑은 고딕" pitchFamily="50" charset="-127"/>
+                        </a:rPr>
+                        <a:t>문서 명</a:t>
+                      </a:r>
+                      <a:endParaRPr kumimoji="1" lang="ko-KR" altLang="ko-KR" sz="900" b="0" i="0" u="none" strike="noStrike" cap="none" normalizeH="0" baseline="0" dirty="0">
+                        <a:ln>
+                          <a:noFill/>
+                        </a:ln>
+                        <a:solidFill>
+                          <a:schemeClr val="tx1"/>
+                        </a:solidFill>
+                        <a:effectLst/>
+                        <a:latin typeface="맑은 고딕" pitchFamily="50" charset="-127"/>
+                        <a:ea typeface="맑은 고딕" pitchFamily="50" charset="-127"/>
+                      </a:endParaRPr>
+                    </a:p>
+                  </a:txBody>
+                  <a:tcPr marL="36000" marR="36000" marT="18000" marB="18000" anchor="ctr" horzOverflow="overflow">
+                    <a:lnL w="12700" cap="flat" cmpd="sng" algn="ctr">
+                      <a:solidFill>
+                        <a:schemeClr val="tx1"/>
+                      </a:solidFill>
+                      <a:prstDash val="solid"/>
+                      <a:round/>
+                      <a:headEnd type="none" w="med" len="med"/>
+                      <a:tailEnd type="none" w="med" len="med"/>
+                    </a:lnL>
+                    <a:lnR w="12700" cap="flat" cmpd="sng" algn="ctr">
+                      <a:solidFill>
+                        <a:schemeClr val="tx1"/>
+                      </a:solidFill>
+                      <a:prstDash val="solid"/>
+                      <a:round/>
+                      <a:headEnd type="none" w="med" len="med"/>
+                      <a:tailEnd type="none" w="med" len="med"/>
+                    </a:lnR>
+                    <a:lnT w="12700" cap="flat" cmpd="sng" algn="ctr">
+                      <a:solidFill>
+                        <a:schemeClr val="tx1"/>
+                      </a:solidFill>
+                      <a:prstDash val="solid"/>
+                      <a:round/>
+                      <a:headEnd type="none" w="med" len="med"/>
+                      <a:tailEnd type="none" w="med" len="med"/>
+                    </a:lnT>
+                    <a:lnB w="12700" cap="flat" cmpd="sng" algn="ctr">
+                      <a:solidFill>
+                        <a:schemeClr val="tx1"/>
+                      </a:solidFill>
+                      <a:prstDash val="solid"/>
+                      <a:round/>
+                      <a:headEnd type="none" w="med" len="med"/>
+                      <a:tailEnd type="none" w="med" len="med"/>
+                    </a:lnB>
+                    <a:lnTlToBr>
+                      <a:noFill/>
+                    </a:lnTlToBr>
+                    <a:lnBlToTr>
+                      <a:noFill/>
+                    </a:lnBlToTr>
+                    <a:solidFill>
+                      <a:srgbClr val="EEEEEE"/>
+                    </a:solidFill>
+                  </a:tcPr>
+                </a:tc>
+                <a:tc gridSpan="3">
+                  <a:txBody>
+                    <a:bodyPr/>
+                    <a:lstStyle/>
+                    <a:p>
+                      <a:pPr marL="0" marR="0" lvl="0" indent="0" algn="ctr" defTabSz="914400" rtl="0" eaLnBrk="1" fontAlgn="base" latinLnBrk="1" hangingPunct="1">
+                        <a:lnSpc>
+                          <a:spcPct val="100000"/>
+                        </a:lnSpc>
+                        <a:spcBef>
+                          <a:spcPct val="0"/>
+                        </a:spcBef>
+                        <a:spcAft>
+                          <a:spcPct val="0"/>
+                        </a:spcAft>
+                        <a:buClrTx/>
+                        <a:buSzTx/>
+                        <a:buFontTx/>
+                        <a:buNone/>
+                        <a:tabLst/>
+                      </a:pPr>
+                      <a:r>
+                        <a:rPr kumimoji="1" lang="en-US" altLang="ko-KR" sz="900" b="0" i="0" u="none" strike="noStrike" cap="none" normalizeH="0" baseline="0" dirty="0">
+                          <a:ln>
+                            <a:noFill/>
+                          </a:ln>
+                          <a:solidFill>
+                            <a:schemeClr val="tx1"/>
+                          </a:solidFill>
+                          <a:effectLst/>
+                          <a:latin typeface="맑은 고딕" pitchFamily="50" charset="-127"/>
+                          <a:ea typeface="맑은 고딕" pitchFamily="50" charset="-127"/>
+                        </a:rPr>
+                        <a:t>UI Design</a:t>
+                      </a:r>
+                      <a:endParaRPr kumimoji="1" lang="ko-KR" sz="900" b="0" i="0" u="none" strike="noStrike" cap="none" normalizeH="0" baseline="0" dirty="0">
+                        <a:ln>
+                          <a:noFill/>
+                        </a:ln>
+                        <a:solidFill>
+                          <a:schemeClr val="tx1"/>
+                        </a:solidFill>
+                        <a:effectLst/>
+                        <a:latin typeface="맑은 고딕" pitchFamily="50" charset="-127"/>
+                        <a:ea typeface="맑은 고딕" pitchFamily="50" charset="-127"/>
+                      </a:endParaRPr>
+                    </a:p>
+                  </a:txBody>
+                  <a:tcPr marL="36000" marR="36000" marT="18000" marB="18000" anchor="ctr" horzOverflow="overflow">
+                    <a:lnL w="12700" cap="flat" cmpd="sng" algn="ctr">
+                      <a:solidFill>
+                        <a:schemeClr val="tx1"/>
+                      </a:solidFill>
+                      <a:prstDash val="solid"/>
+                      <a:round/>
+                      <a:headEnd type="none" w="med" len="med"/>
+                      <a:tailEnd type="none" w="med" len="med"/>
+                    </a:lnL>
+                    <a:lnR w="12700" cap="flat" cmpd="sng" algn="ctr">
+                      <a:solidFill>
+                        <a:schemeClr val="tx1"/>
+                      </a:solidFill>
+                      <a:prstDash val="solid"/>
+                      <a:round/>
+                      <a:headEnd type="none" w="med" len="med"/>
+                      <a:tailEnd type="none" w="med" len="med"/>
+                    </a:lnR>
+                    <a:lnT w="12700" cap="flat" cmpd="sng" algn="ctr">
+                      <a:solidFill>
+                        <a:schemeClr val="tx1"/>
+                      </a:solidFill>
+                      <a:prstDash val="solid"/>
+                      <a:round/>
+                      <a:headEnd type="none" w="med" len="med"/>
+                      <a:tailEnd type="none" w="med" len="med"/>
+                    </a:lnT>
+                    <a:lnB w="12700" cap="flat" cmpd="sng" algn="ctr">
+                      <a:solidFill>
+                        <a:schemeClr val="tx1"/>
+                      </a:solidFill>
+                      <a:prstDash val="solid"/>
+                      <a:round/>
+                      <a:headEnd type="none" w="med" len="med"/>
+                      <a:tailEnd type="none" w="med" len="med"/>
+                    </a:lnB>
+                    <a:lnTlToBr>
+                      <a:noFill/>
+                    </a:lnTlToBr>
+                    <a:lnBlToTr>
+                      <a:noFill/>
+                    </a:lnBlToTr>
+                    <a:noFill/>
+                  </a:tcPr>
+                </a:tc>
+                <a:tc hMerge="1">
+                  <a:txBody>
+                    <a:bodyPr/>
+                    <a:lstStyle/>
+                    <a:p>
+                      <a:pPr marL="0" marR="0" lvl="0" indent="0" algn="ctr" defTabSz="914400" rtl="0" eaLnBrk="1" fontAlgn="base" latinLnBrk="1" hangingPunct="1">
+                        <a:lnSpc>
+                          <a:spcPct val="100000"/>
+                        </a:lnSpc>
+                        <a:spcBef>
+                          <a:spcPct val="0"/>
+                        </a:spcBef>
+                        <a:spcAft>
+                          <a:spcPct val="0"/>
+                        </a:spcAft>
+                        <a:buClrTx/>
+                        <a:buSzTx/>
+                        <a:buFontTx/>
+                        <a:buNone/>
+                        <a:tabLst/>
+                      </a:pPr>
+                      <a:endParaRPr kumimoji="1" lang="ko-KR" sz="1800" b="0" i="0" u="none" strike="noStrike" cap="none" normalizeH="0" baseline="0" dirty="0">
+                        <a:ln>
+                          <a:noFill/>
+                        </a:ln>
+                        <a:solidFill>
+                          <a:schemeClr val="tx1"/>
+                        </a:solidFill>
+                        <a:effectLst/>
+                        <a:latin typeface="굴림" pitchFamily="50" charset="-127"/>
+                        <a:ea typeface="굴림" pitchFamily="50" charset="-127"/>
+                      </a:endParaRPr>
+                    </a:p>
+                  </a:txBody>
+                  <a:tcPr marL="36000" marR="36000" marT="18000" marB="18000" anchor="ctr" horzOverflow="overflow">
+                    <a:lnL w="3175" cap="flat" cmpd="sng" algn="ctr">
+                      <a:solidFill>
+                        <a:schemeClr val="bg2"/>
+                      </a:solidFill>
+                      <a:prstDash val="solid"/>
+                      <a:round/>
+                      <a:headEnd type="none" w="med" len="med"/>
+                      <a:tailEnd type="none" w="med" len="med"/>
+                    </a:lnL>
+                    <a:lnR w="3175" cap="flat" cmpd="sng" algn="ctr">
+                      <a:solidFill>
+                        <a:schemeClr val="bg2"/>
+                      </a:solidFill>
+                      <a:prstDash val="solid"/>
+                      <a:round/>
+                      <a:headEnd type="none" w="med" len="med"/>
+                      <a:tailEnd type="none" w="med" len="med"/>
+                    </a:lnR>
+                    <a:lnT w="3175" cap="flat" cmpd="sng" algn="ctr">
+                      <a:solidFill>
+                        <a:schemeClr val="bg2"/>
+                      </a:solidFill>
+                      <a:prstDash val="solid"/>
+                      <a:round/>
+                      <a:headEnd type="none" w="med" len="med"/>
+                      <a:tailEnd type="none" w="med" len="med"/>
+                    </a:lnT>
+                    <a:lnB w="3175" cap="flat" cmpd="sng" algn="ctr">
+                      <a:solidFill>
+                        <a:schemeClr val="bg2"/>
+                      </a:solidFill>
+                      <a:prstDash val="solid"/>
+                      <a:round/>
+                      <a:headEnd type="none" w="med" len="med"/>
+                      <a:tailEnd type="none" w="med" len="med"/>
+                    </a:lnB>
+                    <a:lnTlToBr>
+                      <a:noFill/>
+                    </a:lnTlToBr>
+                    <a:lnBlToTr>
+                      <a:noFill/>
+                    </a:lnBlToTr>
+                    <a:solidFill>
+                      <a:srgbClr val="EEEEEE"/>
+                    </a:solidFill>
+                  </a:tcPr>
+                </a:tc>
+                <a:tc hMerge="1">
+                  <a:txBody>
+                    <a:bodyPr/>
+                    <a:lstStyle/>
+                    <a:p>
+                      <a:pPr marL="0" marR="0" lvl="0" indent="0" algn="ctr" defTabSz="914400" rtl="0" eaLnBrk="1" fontAlgn="base" latinLnBrk="1" hangingPunct="1">
+                        <a:lnSpc>
+                          <a:spcPct val="100000"/>
+                        </a:lnSpc>
+                        <a:spcBef>
+                          <a:spcPct val="0"/>
+                        </a:spcBef>
+                        <a:spcAft>
+                          <a:spcPct val="0"/>
+                        </a:spcAft>
+                        <a:buClrTx/>
+                        <a:buSzTx/>
+                        <a:buFontTx/>
+                        <a:buNone/>
+                        <a:tabLst/>
+                      </a:pPr>
+                      <a:endParaRPr kumimoji="1" lang="ko-KR" altLang="ko-KR" sz="1800" b="0" i="0" u="none" strike="noStrike" cap="none" normalizeH="0" baseline="0" dirty="0">
+                        <a:ln>
+                          <a:noFill/>
+                        </a:ln>
+                        <a:solidFill>
+                          <a:schemeClr val="tx1"/>
+                        </a:solidFill>
+                        <a:effectLst/>
+                        <a:latin typeface="굴림" pitchFamily="50" charset="-127"/>
+                        <a:ea typeface="굴림" pitchFamily="50" charset="-127"/>
+                      </a:endParaRPr>
+                    </a:p>
+                  </a:txBody>
+                  <a:tcPr marL="36000" marR="36000" marT="18000" marB="18000" anchor="ctr" horzOverflow="overflow">
+                    <a:lnL w="3175" cap="flat" cmpd="sng" algn="ctr">
+                      <a:solidFill>
+                        <a:schemeClr val="bg2"/>
+                      </a:solidFill>
+                      <a:prstDash val="solid"/>
+                      <a:round/>
+                      <a:headEnd type="none" w="med" len="med"/>
+                      <a:tailEnd type="none" w="med" len="med"/>
+                    </a:lnL>
+                    <a:lnR w="3175" cap="flat" cmpd="sng" algn="ctr">
+                      <a:solidFill>
+                        <a:schemeClr val="bg2"/>
+                      </a:solidFill>
+                      <a:prstDash val="solid"/>
+                      <a:round/>
+                      <a:headEnd type="none" w="med" len="med"/>
+                      <a:tailEnd type="none" w="med" len="med"/>
+                    </a:lnR>
+                    <a:lnT w="3175" cap="flat" cmpd="sng" algn="ctr">
+                      <a:solidFill>
+                        <a:schemeClr val="bg2"/>
+                      </a:solidFill>
+                      <a:prstDash val="solid"/>
+                      <a:round/>
+                      <a:headEnd type="none" w="med" len="med"/>
+                      <a:tailEnd type="none" w="med" len="med"/>
+                    </a:lnT>
+                    <a:lnB w="3175" cap="flat" cmpd="sng" algn="ctr">
+                      <a:solidFill>
+                        <a:schemeClr val="bg2"/>
+                      </a:solidFill>
+                      <a:prstDash val="solid"/>
+                      <a:round/>
+                      <a:headEnd type="none" w="med" len="med"/>
+                      <a:tailEnd type="none" w="med" len="med"/>
+                    </a:lnB>
+                    <a:lnTlToBr>
+                      <a:noFill/>
+                    </a:lnTlToBr>
+                    <a:lnBlToTr>
+                      <a:noFill/>
+                    </a:lnBlToTr>
+                    <a:noFill/>
+                  </a:tcPr>
+                </a:tc>
+                <a:extLst>
+                  <a:ext uri="{0D108BD9-81ED-4DB2-BD59-A6C34878D82A}">
+                    <a16:rowId xmlns:a16="http://schemas.microsoft.com/office/drawing/2014/main" val="10000"/>
+                  </a:ext>
+                </a:extLst>
+              </a:tr>
+              <a:tr h="297106">
+                <a:tc>
+                  <a:txBody>
+                    <a:bodyPr/>
+                    <a:lstStyle/>
+                    <a:p>
+                      <a:pPr marL="0" marR="0" lvl="0" indent="0" algn="ctr" defTabSz="914400" rtl="0" eaLnBrk="1" fontAlgn="base" latinLnBrk="1" hangingPunct="1">
+                        <a:lnSpc>
+                          <a:spcPct val="100000"/>
+                        </a:lnSpc>
+                        <a:spcBef>
+                          <a:spcPct val="0"/>
+                        </a:spcBef>
+                        <a:spcAft>
+                          <a:spcPct val="0"/>
+                        </a:spcAft>
+                        <a:buClrTx/>
+                        <a:buSzTx/>
+                        <a:buFontTx/>
+                        <a:buNone/>
+                        <a:tabLst/>
+                      </a:pPr>
+                      <a:r>
+                        <a:rPr kumimoji="1" lang="ko-KR" sz="900" b="0" i="0" u="none" strike="noStrike" cap="none" normalizeH="0" baseline="0" dirty="0">
+                          <a:ln>
+                            <a:noFill/>
+                          </a:ln>
+                          <a:solidFill>
+                            <a:schemeClr val="tx1"/>
+                          </a:solidFill>
+                          <a:effectLst/>
+                          <a:latin typeface="맑은 고딕" pitchFamily="50" charset="-127"/>
+                          <a:ea typeface="맑은 고딕" pitchFamily="50" charset="-127"/>
+                        </a:rPr>
+                        <a:t>화면 명</a:t>
+                      </a:r>
+                    </a:p>
+                  </a:txBody>
+                  <a:tcPr marL="36000" marR="36000" marT="18000" marB="18000" anchor="ctr" horzOverflow="overflow">
+                    <a:lnL w="12700" cap="flat" cmpd="sng" algn="ctr">
+                      <a:solidFill>
+                        <a:schemeClr val="tx1"/>
+                      </a:solidFill>
+                      <a:prstDash val="solid"/>
+                      <a:round/>
+                      <a:headEnd type="none" w="med" len="med"/>
+                      <a:tailEnd type="none" w="med" len="med"/>
+                    </a:lnL>
+                    <a:lnR w="12700" cap="flat" cmpd="sng" algn="ctr">
+                      <a:solidFill>
+                        <a:schemeClr val="tx1"/>
+                      </a:solidFill>
+                      <a:prstDash val="solid"/>
+                      <a:round/>
+                      <a:headEnd type="none" w="med" len="med"/>
+                      <a:tailEnd type="none" w="med" len="med"/>
+                    </a:lnR>
+                    <a:lnT w="12700" cap="flat" cmpd="sng" algn="ctr">
+                      <a:solidFill>
+                        <a:schemeClr val="tx1"/>
+                      </a:solidFill>
+                      <a:prstDash val="solid"/>
+                      <a:round/>
+                      <a:headEnd type="none" w="med" len="med"/>
+                      <a:tailEnd type="none" w="med" len="med"/>
+                    </a:lnT>
+                    <a:lnB w="12700" cap="flat" cmpd="sng" algn="ctr">
+                      <a:solidFill>
+                        <a:schemeClr val="tx1"/>
+                      </a:solidFill>
+                      <a:prstDash val="solid"/>
+                      <a:round/>
+                      <a:headEnd type="none" w="med" len="med"/>
+                      <a:tailEnd type="none" w="med" len="med"/>
+                    </a:lnB>
+                    <a:lnTlToBr>
+                      <a:noFill/>
+                    </a:lnTlToBr>
+                    <a:lnBlToTr>
+                      <a:noFill/>
+                    </a:lnBlToTr>
+                    <a:solidFill>
+                      <a:srgbClr val="EEEEEE"/>
+                    </a:solidFill>
+                  </a:tcPr>
+                </a:tc>
+                <a:tc>
+                  <a:txBody>
+                    <a:bodyPr/>
+                    <a:lstStyle/>
+                    <a:p>
+                      <a:pPr marL="0" marR="0" lvl="0" indent="0" algn="ctr" defTabSz="914400" rtl="0" eaLnBrk="1" fontAlgn="base" latinLnBrk="1" hangingPunct="1">
+                        <a:lnSpc>
+                          <a:spcPct val="100000"/>
+                        </a:lnSpc>
+                        <a:spcBef>
+                          <a:spcPct val="0"/>
+                        </a:spcBef>
+                        <a:spcAft>
+                          <a:spcPct val="0"/>
+                        </a:spcAft>
+                        <a:buClrTx/>
+                        <a:buSzTx/>
+                        <a:buFontTx/>
+                        <a:buNone/>
+                        <a:tabLst/>
+                      </a:pPr>
+                      <a:r>
+                        <a:rPr kumimoji="1" lang="en-US" altLang="ko-KR" sz="900" b="0" i="0" u="none" strike="noStrike" cap="none" normalizeH="0" baseline="0" dirty="0">
+                          <a:ln>
+                            <a:noFill/>
+                          </a:ln>
+                          <a:solidFill>
+                            <a:schemeClr val="tx1"/>
+                          </a:solidFill>
+                          <a:effectLst/>
+                          <a:latin typeface="맑은 고딕" pitchFamily="50" charset="-127"/>
+                          <a:ea typeface="맑은 고딕" pitchFamily="50" charset="-127"/>
+                        </a:rPr>
+                        <a:t>Login</a:t>
+                      </a:r>
+                      <a:endParaRPr kumimoji="1" lang="ko-KR" altLang="ko-KR" sz="900" b="0" i="0" u="none" strike="noStrike" cap="none" normalizeH="0" baseline="0" dirty="0">
+                        <a:ln>
+                          <a:noFill/>
+                        </a:ln>
+                        <a:solidFill>
+                          <a:schemeClr val="tx1"/>
+                        </a:solidFill>
+                        <a:effectLst/>
+                        <a:latin typeface="맑은 고딕" pitchFamily="50" charset="-127"/>
+                        <a:ea typeface="맑은 고딕" pitchFamily="50" charset="-127"/>
+                      </a:endParaRPr>
+                    </a:p>
+                  </a:txBody>
+                  <a:tcPr marL="36000" marR="36000" marT="18000" marB="18000" anchor="ctr" horzOverflow="overflow">
+                    <a:lnL w="12700" cap="flat" cmpd="sng" algn="ctr">
+                      <a:solidFill>
+                        <a:schemeClr val="tx1"/>
+                      </a:solidFill>
+                      <a:prstDash val="solid"/>
+                      <a:round/>
+                      <a:headEnd type="none" w="med" len="med"/>
+                      <a:tailEnd type="none" w="med" len="med"/>
+                    </a:lnL>
+                    <a:lnR w="12700" cap="flat" cmpd="sng" algn="ctr">
+                      <a:solidFill>
+                        <a:schemeClr val="tx1"/>
+                      </a:solidFill>
+                      <a:prstDash val="solid"/>
+                      <a:round/>
+                      <a:headEnd type="none" w="med" len="med"/>
+                      <a:tailEnd type="none" w="med" len="med"/>
+                    </a:lnR>
+                    <a:lnT w="12700" cap="flat" cmpd="sng" algn="ctr">
+                      <a:solidFill>
+                        <a:schemeClr val="tx1"/>
+                      </a:solidFill>
+                      <a:prstDash val="solid"/>
+                      <a:round/>
+                      <a:headEnd type="none" w="med" len="med"/>
+                      <a:tailEnd type="none" w="med" len="med"/>
+                    </a:lnT>
+                    <a:lnB w="12700" cap="flat" cmpd="sng" algn="ctr">
+                      <a:solidFill>
+                        <a:schemeClr val="tx1"/>
+                      </a:solidFill>
+                      <a:prstDash val="solid"/>
+                      <a:round/>
+                      <a:headEnd type="none" w="med" len="med"/>
+                      <a:tailEnd type="none" w="med" len="med"/>
+                    </a:lnB>
+                    <a:lnTlToBr>
+                      <a:noFill/>
+                    </a:lnTlToBr>
+                    <a:lnBlToTr>
+                      <a:noFill/>
+                    </a:lnBlToTr>
+                    <a:noFill/>
+                  </a:tcPr>
+                </a:tc>
+                <a:tc>
+                  <a:txBody>
+                    <a:bodyPr/>
+                    <a:lstStyle/>
+                    <a:p>
+                      <a:pPr marL="0" marR="0" lvl="0" indent="0" algn="ctr" defTabSz="914400" rtl="0" eaLnBrk="1" fontAlgn="base" latinLnBrk="1" hangingPunct="1">
+                        <a:lnSpc>
+                          <a:spcPct val="100000"/>
+                        </a:lnSpc>
+                        <a:spcBef>
+                          <a:spcPct val="0"/>
+                        </a:spcBef>
+                        <a:spcAft>
+                          <a:spcPct val="0"/>
+                        </a:spcAft>
+                        <a:buClrTx/>
+                        <a:buSzTx/>
+                        <a:buFontTx/>
+                        <a:buNone/>
+                        <a:tabLst/>
+                      </a:pPr>
+                      <a:r>
+                        <a:rPr kumimoji="1" lang="ko-KR" altLang="en-US" sz="900" b="0" i="0" u="none" strike="noStrike" cap="none" normalizeH="0" baseline="0" dirty="0">
+                          <a:ln>
+                            <a:noFill/>
+                          </a:ln>
+                          <a:solidFill>
+                            <a:schemeClr val="tx1"/>
+                          </a:solidFill>
+                          <a:effectLst/>
+                          <a:latin typeface="맑은 고딕" pitchFamily="50" charset="-127"/>
+                          <a:ea typeface="맑은 고딕" pitchFamily="50" charset="-127"/>
+                        </a:rPr>
+                        <a:t>화면 </a:t>
+                      </a:r>
+                      <a:r>
+                        <a:rPr kumimoji="1" lang="en-US" altLang="ko-KR" sz="900" b="0" i="0" u="none" strike="noStrike" cap="none" normalizeH="0" baseline="0" dirty="0">
+                          <a:ln>
+                            <a:noFill/>
+                          </a:ln>
+                          <a:solidFill>
+                            <a:schemeClr val="tx1"/>
+                          </a:solidFill>
+                          <a:effectLst/>
+                          <a:latin typeface="맑은 고딕" pitchFamily="50" charset="-127"/>
+                          <a:ea typeface="맑은 고딕" pitchFamily="50" charset="-127"/>
+                        </a:rPr>
+                        <a:t>ID</a:t>
+                      </a:r>
+                      <a:endParaRPr kumimoji="1" lang="ko-KR" altLang="ko-KR" sz="900" b="0" i="0" u="none" strike="noStrike" cap="none" normalizeH="0" baseline="0" dirty="0">
+                        <a:ln>
+                          <a:noFill/>
+                        </a:ln>
+                        <a:solidFill>
+                          <a:schemeClr val="tx1"/>
+                        </a:solidFill>
+                        <a:effectLst/>
+                        <a:latin typeface="맑은 고딕" pitchFamily="50" charset="-127"/>
+                        <a:ea typeface="맑은 고딕" pitchFamily="50" charset="-127"/>
+                      </a:endParaRPr>
+                    </a:p>
+                  </a:txBody>
+                  <a:tcPr marL="36000" marR="36000" marT="18000" marB="18000" anchor="ctr" horzOverflow="overflow">
+                    <a:lnL w="12700" cap="flat" cmpd="sng" algn="ctr">
+                      <a:solidFill>
+                        <a:schemeClr val="tx1"/>
+                      </a:solidFill>
+                      <a:prstDash val="solid"/>
+                      <a:round/>
+                      <a:headEnd type="none" w="med" len="med"/>
+                      <a:tailEnd type="none" w="med" len="med"/>
+                    </a:lnL>
+                    <a:lnR w="12700" cap="flat" cmpd="sng" algn="ctr">
+                      <a:solidFill>
+                        <a:schemeClr val="tx1"/>
+                      </a:solidFill>
+                      <a:prstDash val="solid"/>
+                      <a:round/>
+                      <a:headEnd type="none" w="med" len="med"/>
+                      <a:tailEnd type="none" w="med" len="med"/>
+                    </a:lnR>
+                    <a:lnT w="12700" cap="flat" cmpd="sng" algn="ctr">
+                      <a:solidFill>
+                        <a:schemeClr val="tx1"/>
+                      </a:solidFill>
+                      <a:prstDash val="solid"/>
+                      <a:round/>
+                      <a:headEnd type="none" w="med" len="med"/>
+                      <a:tailEnd type="none" w="med" len="med"/>
+                    </a:lnT>
+                    <a:lnB w="12700" cap="flat" cmpd="sng" algn="ctr">
+                      <a:solidFill>
+                        <a:schemeClr val="tx1"/>
+                      </a:solidFill>
+                      <a:prstDash val="solid"/>
+                      <a:round/>
+                      <a:headEnd type="none" w="med" len="med"/>
+                      <a:tailEnd type="none" w="med" len="med"/>
+                    </a:lnB>
+                    <a:lnTlToBr>
+                      <a:noFill/>
+                    </a:lnTlToBr>
+                    <a:lnBlToTr>
+                      <a:noFill/>
+                    </a:lnBlToTr>
+                    <a:solidFill>
+                      <a:srgbClr val="EEEEEE"/>
+                    </a:solidFill>
+                  </a:tcPr>
+                </a:tc>
+                <a:tc>
+                  <a:txBody>
+                    <a:bodyPr/>
+                    <a:lstStyle/>
+                    <a:p>
+                      <a:pPr marL="0" marR="0" lvl="0" indent="0" algn="ctr" defTabSz="914400" rtl="0" eaLnBrk="1" fontAlgn="base" latinLnBrk="1" hangingPunct="1">
+                        <a:lnSpc>
+                          <a:spcPct val="100000"/>
+                        </a:lnSpc>
+                        <a:spcBef>
+                          <a:spcPct val="0"/>
+                        </a:spcBef>
+                        <a:spcAft>
+                          <a:spcPct val="0"/>
+                        </a:spcAft>
+                        <a:buClrTx/>
+                        <a:buSzTx/>
+                        <a:buFontTx/>
+                        <a:buNone/>
+                        <a:tabLst/>
+                      </a:pPr>
+                      <a:r>
+                        <a:rPr kumimoji="1" lang="en-US" altLang="ko-KR" sz="900" b="0" i="0" u="none" strike="noStrike" cap="none" normalizeH="0" baseline="0" dirty="0">
+                          <a:ln>
+                            <a:noFill/>
+                          </a:ln>
+                          <a:solidFill>
+                            <a:schemeClr val="tx1"/>
+                          </a:solidFill>
+                          <a:effectLst/>
+                          <a:latin typeface="맑은 고딕" pitchFamily="50" charset="-127"/>
+                          <a:ea typeface="맑은 고딕" pitchFamily="50" charset="-127"/>
+                        </a:rPr>
+                        <a:t>SC</a:t>
+                      </a:r>
+                      <a:endParaRPr kumimoji="1" lang="ko-KR" altLang="ko-KR" sz="900" b="0" i="0" u="none" strike="noStrike" cap="none" normalizeH="0" baseline="0" dirty="0">
+                        <a:ln>
+                          <a:noFill/>
+                        </a:ln>
+                        <a:solidFill>
+                          <a:schemeClr val="tx1"/>
+                        </a:solidFill>
+                        <a:effectLst/>
+                        <a:latin typeface="맑은 고딕" pitchFamily="50" charset="-127"/>
+                        <a:ea typeface="맑은 고딕" pitchFamily="50" charset="-127"/>
+                      </a:endParaRPr>
+                    </a:p>
+                  </a:txBody>
+                  <a:tcPr marL="36000" marR="36000" marT="18000" marB="18000" anchor="ctr" horzOverflow="overflow">
+                    <a:lnL w="12700" cap="flat" cmpd="sng" algn="ctr">
+                      <a:solidFill>
+                        <a:schemeClr val="tx1"/>
+                      </a:solidFill>
+                      <a:prstDash val="solid"/>
+                      <a:round/>
+                      <a:headEnd type="none" w="med" len="med"/>
+                      <a:tailEnd type="none" w="med" len="med"/>
+                    </a:lnL>
+                    <a:lnR w="12700" cap="flat" cmpd="sng" algn="ctr">
+                      <a:solidFill>
+                        <a:schemeClr val="tx1"/>
+                      </a:solidFill>
+                      <a:prstDash val="solid"/>
+                      <a:round/>
+                      <a:headEnd type="none" w="med" len="med"/>
+                      <a:tailEnd type="none" w="med" len="med"/>
+                    </a:lnR>
+                    <a:lnT w="12700" cap="flat" cmpd="sng" algn="ctr">
+                      <a:solidFill>
+                        <a:schemeClr val="tx1"/>
+                      </a:solidFill>
+                      <a:prstDash val="solid"/>
+                      <a:round/>
+                      <a:headEnd type="none" w="med" len="med"/>
+                      <a:tailEnd type="none" w="med" len="med"/>
+                    </a:lnT>
+                    <a:lnB w="12700" cap="flat" cmpd="sng" algn="ctr">
+                      <a:solidFill>
+                        <a:schemeClr val="tx1"/>
+                      </a:solidFill>
+                      <a:prstDash val="solid"/>
+                      <a:round/>
+                      <a:headEnd type="none" w="med" len="med"/>
+                      <a:tailEnd type="none" w="med" len="med"/>
+                    </a:lnB>
+                    <a:lnTlToBr>
+                      <a:noFill/>
+                    </a:lnTlToBr>
+                    <a:lnBlToTr>
+                      <a:noFill/>
+                    </a:lnBlToTr>
+                    <a:noFill/>
+                  </a:tcPr>
+                </a:tc>
+                <a:tc>
+                  <a:txBody>
+                    <a:bodyPr/>
+                    <a:lstStyle/>
+                    <a:p>
+                      <a:pPr marL="0" marR="0" lvl="0" indent="0" algn="ctr" defTabSz="914400" rtl="0" eaLnBrk="1" fontAlgn="base" latinLnBrk="1" hangingPunct="1">
+                        <a:lnSpc>
+                          <a:spcPct val="100000"/>
+                        </a:lnSpc>
+                        <a:spcBef>
+                          <a:spcPct val="0"/>
+                        </a:spcBef>
+                        <a:spcAft>
+                          <a:spcPct val="0"/>
+                        </a:spcAft>
+                        <a:buClrTx/>
+                        <a:buSzTx/>
+                        <a:buFontTx/>
+                        <a:buNone/>
+                        <a:tabLst/>
+                      </a:pPr>
+                      <a:r>
+                        <a:rPr kumimoji="1" lang="ko-KR" altLang="en-US" sz="900" b="0" i="0" u="none" strike="noStrike" cap="none" normalizeH="0" baseline="0" dirty="0">
+                          <a:ln>
+                            <a:noFill/>
+                          </a:ln>
+                          <a:solidFill>
+                            <a:schemeClr val="tx1"/>
+                          </a:solidFill>
+                          <a:effectLst/>
+                          <a:latin typeface="맑은 고딕" pitchFamily="50" charset="-127"/>
+                          <a:ea typeface="맑은 고딕" pitchFamily="50" charset="-127"/>
+                        </a:rPr>
+                        <a:t>버전</a:t>
+                      </a:r>
+                      <a:endParaRPr kumimoji="1" lang="ko-KR" sz="900" b="0" i="0" u="none" strike="noStrike" cap="none" normalizeH="0" baseline="0" dirty="0">
+                        <a:ln>
+                          <a:noFill/>
+                        </a:ln>
+                        <a:solidFill>
+                          <a:schemeClr val="tx1"/>
+                        </a:solidFill>
+                        <a:effectLst/>
+                        <a:latin typeface="맑은 고딕" pitchFamily="50" charset="-127"/>
+                        <a:ea typeface="맑은 고딕" pitchFamily="50" charset="-127"/>
+                      </a:endParaRPr>
+                    </a:p>
+                  </a:txBody>
+                  <a:tcPr marL="36000" marR="36000" marT="18000" marB="18000" anchor="ctr" horzOverflow="overflow">
+                    <a:lnL w="12700" cap="flat" cmpd="sng" algn="ctr">
+                      <a:solidFill>
+                        <a:schemeClr val="tx1"/>
+                      </a:solidFill>
+                      <a:prstDash val="solid"/>
+                      <a:round/>
+                      <a:headEnd type="none" w="med" len="med"/>
+                      <a:tailEnd type="none" w="med" len="med"/>
+                    </a:lnL>
+                    <a:lnR w="12700" cap="flat" cmpd="sng" algn="ctr">
+                      <a:solidFill>
+                        <a:schemeClr val="tx1"/>
+                      </a:solidFill>
+                      <a:prstDash val="solid"/>
+                      <a:round/>
+                      <a:headEnd type="none" w="med" len="med"/>
+                      <a:tailEnd type="none" w="med" len="med"/>
+                    </a:lnR>
+                    <a:lnT w="12700" cap="flat" cmpd="sng" algn="ctr">
+                      <a:solidFill>
+                        <a:schemeClr val="tx1"/>
+                      </a:solidFill>
+                      <a:prstDash val="solid"/>
+                      <a:round/>
+                      <a:headEnd type="none" w="med" len="med"/>
+                      <a:tailEnd type="none" w="med" len="med"/>
+                    </a:lnT>
+                    <a:lnB w="12700" cap="flat" cmpd="sng" algn="ctr">
+                      <a:solidFill>
+                        <a:schemeClr val="tx1"/>
+                      </a:solidFill>
+                      <a:prstDash val="solid"/>
+                      <a:round/>
+                      <a:headEnd type="none" w="med" len="med"/>
+                      <a:tailEnd type="none" w="med" len="med"/>
+                    </a:lnB>
+                    <a:lnTlToBr>
+                      <a:noFill/>
+                    </a:lnTlToBr>
+                    <a:lnBlToTr>
+                      <a:noFill/>
+                    </a:lnBlToTr>
+                    <a:solidFill>
+                      <a:srgbClr val="EEEEEE"/>
+                    </a:solidFill>
+                  </a:tcPr>
+                </a:tc>
+                <a:tc>
+                  <a:txBody>
+                    <a:bodyPr/>
+                    <a:lstStyle/>
+                    <a:p>
+                      <a:pPr marL="0" marR="0" lvl="0" indent="0" algn="ctr" defTabSz="914400" rtl="0" eaLnBrk="1" fontAlgn="base" latinLnBrk="1" hangingPunct="1">
+                        <a:lnSpc>
+                          <a:spcPct val="100000"/>
+                        </a:lnSpc>
+                        <a:spcBef>
+                          <a:spcPct val="0"/>
+                        </a:spcBef>
+                        <a:spcAft>
+                          <a:spcPct val="0"/>
+                        </a:spcAft>
+                        <a:buClrTx/>
+                        <a:buSzTx/>
+                        <a:buFontTx/>
+                        <a:buNone/>
+                        <a:tabLst/>
+                      </a:pPr>
+                      <a:endParaRPr kumimoji="1" lang="ko-KR" altLang="ko-KR" sz="900" b="0" i="0" u="none" strike="noStrike" cap="none" normalizeH="0" baseline="0" dirty="0">
+                        <a:ln>
+                          <a:noFill/>
+                        </a:ln>
+                        <a:solidFill>
+                          <a:schemeClr val="tx1"/>
+                        </a:solidFill>
+                        <a:effectLst/>
+                        <a:latin typeface="맑은 고딕" pitchFamily="50" charset="-127"/>
+                        <a:ea typeface="맑은 고딕" pitchFamily="50" charset="-127"/>
+                      </a:endParaRPr>
+                    </a:p>
+                  </a:txBody>
+                  <a:tcPr marL="36000" marR="36000" marT="18000" marB="18000" anchor="ctr" horzOverflow="overflow">
+                    <a:lnL w="12700" cap="flat" cmpd="sng" algn="ctr">
+                      <a:solidFill>
+                        <a:schemeClr val="tx1"/>
+                      </a:solidFill>
+                      <a:prstDash val="solid"/>
+                      <a:round/>
+                      <a:headEnd type="none" w="med" len="med"/>
+                      <a:tailEnd type="none" w="med" len="med"/>
+                    </a:lnL>
+                    <a:lnR w="12700" cap="flat" cmpd="sng" algn="ctr">
+                      <a:solidFill>
+                        <a:schemeClr val="tx1"/>
+                      </a:solidFill>
+                      <a:prstDash val="solid"/>
+                      <a:round/>
+                      <a:headEnd type="none" w="med" len="med"/>
+                      <a:tailEnd type="none" w="med" len="med"/>
+                    </a:lnR>
+                    <a:lnT w="12700" cap="flat" cmpd="sng" algn="ctr">
+                      <a:solidFill>
+                        <a:schemeClr val="tx1"/>
+                      </a:solidFill>
+                      <a:prstDash val="solid"/>
+                      <a:round/>
+                      <a:headEnd type="none" w="med" len="med"/>
+                      <a:tailEnd type="none" w="med" len="med"/>
+                    </a:lnT>
+                    <a:lnB w="12700" cap="flat" cmpd="sng" algn="ctr">
+                      <a:solidFill>
+                        <a:schemeClr val="tx1"/>
+                      </a:solidFill>
+                      <a:prstDash val="solid"/>
+                      <a:round/>
+                      <a:headEnd type="none" w="med" len="med"/>
+                      <a:tailEnd type="none" w="med" len="med"/>
+                    </a:lnB>
+                    <a:lnTlToBr>
+                      <a:noFill/>
+                    </a:lnTlToBr>
+                    <a:lnBlToTr>
+                      <a:noFill/>
+                    </a:lnBlToTr>
+                    <a:noFill/>
+                  </a:tcPr>
+                </a:tc>
+                <a:extLst>
+                  <a:ext uri="{0D108BD9-81ED-4DB2-BD59-A6C34878D82A}">
+                    <a16:rowId xmlns:a16="http://schemas.microsoft.com/office/drawing/2014/main" val="10001"/>
+                  </a:ext>
+                </a:extLst>
+              </a:tr>
+              <a:tr h="297106">
+                <a:tc>
+                  <a:txBody>
+                    <a:bodyPr/>
+                    <a:lstStyle/>
+                    <a:p>
+                      <a:pPr marL="0" marR="0" lvl="0" indent="0" algn="ctr" defTabSz="914400" rtl="0" eaLnBrk="1" fontAlgn="base" latinLnBrk="1" hangingPunct="1">
+                        <a:lnSpc>
+                          <a:spcPct val="100000"/>
+                        </a:lnSpc>
+                        <a:spcBef>
+                          <a:spcPct val="0"/>
+                        </a:spcBef>
+                        <a:spcAft>
+                          <a:spcPct val="0"/>
+                        </a:spcAft>
+                        <a:buClrTx/>
+                        <a:buSzTx/>
+                        <a:buFontTx/>
+                        <a:buNone/>
+                        <a:tabLst/>
+                      </a:pPr>
+                      <a:r>
+                        <a:rPr kumimoji="1" lang="ko-KR" altLang="en-US" sz="900" b="0" i="0" u="none" strike="noStrike" cap="none" normalizeH="0" baseline="0" dirty="0">
+                          <a:ln>
+                            <a:noFill/>
+                          </a:ln>
+                          <a:solidFill>
+                            <a:schemeClr val="tx1"/>
+                          </a:solidFill>
+                          <a:effectLst/>
+                          <a:latin typeface="맑은 고딕" pitchFamily="50" charset="-127"/>
+                          <a:ea typeface="맑은 고딕" pitchFamily="50" charset="-127"/>
+                        </a:rPr>
+                        <a:t>관련 </a:t>
+                      </a:r>
+                      <a:r>
+                        <a:rPr kumimoji="1" lang="en-US" altLang="ko-KR" sz="900" b="0" i="0" u="none" strike="noStrike" cap="none" normalizeH="0" baseline="0" dirty="0">
+                          <a:ln>
+                            <a:noFill/>
+                          </a:ln>
+                          <a:solidFill>
+                            <a:schemeClr val="tx1"/>
+                          </a:solidFill>
+                          <a:effectLst/>
+                          <a:latin typeface="맑은 고딕" pitchFamily="50" charset="-127"/>
+                          <a:ea typeface="맑은 고딕" pitchFamily="50" charset="-127"/>
+                        </a:rPr>
+                        <a:t>Use Case ID</a:t>
+                      </a:r>
+                    </a:p>
+                  </a:txBody>
+                  <a:tcPr marL="36000" marR="36000" marT="18000" marB="18000" anchor="ctr" horzOverflow="overflow">
+                    <a:lnL w="12700" cap="flat" cmpd="sng" algn="ctr">
+                      <a:solidFill>
+                        <a:schemeClr val="tx1"/>
+                      </a:solidFill>
+                      <a:prstDash val="solid"/>
+                      <a:round/>
+                      <a:headEnd type="none" w="med" len="med"/>
+                      <a:tailEnd type="none" w="med" len="med"/>
+                    </a:lnL>
+                    <a:lnR w="12700" cap="flat" cmpd="sng" algn="ctr">
+                      <a:solidFill>
+                        <a:schemeClr val="tx1"/>
+                      </a:solidFill>
+                      <a:prstDash val="solid"/>
+                      <a:round/>
+                      <a:headEnd type="none" w="med" len="med"/>
+                      <a:tailEnd type="none" w="med" len="med"/>
+                    </a:lnR>
+                    <a:lnT w="12700" cap="flat" cmpd="sng" algn="ctr">
+                      <a:solidFill>
+                        <a:schemeClr val="tx1"/>
+                      </a:solidFill>
+                      <a:prstDash val="solid"/>
+                      <a:round/>
+                      <a:headEnd type="none" w="med" len="med"/>
+                      <a:tailEnd type="none" w="med" len="med"/>
+                    </a:lnT>
+                    <a:lnB w="12700" cap="flat" cmpd="sng" algn="ctr">
+                      <a:solidFill>
+                        <a:schemeClr val="tx1"/>
+                      </a:solidFill>
+                      <a:prstDash val="solid"/>
+                      <a:round/>
+                      <a:headEnd type="none" w="med" len="med"/>
+                      <a:tailEnd type="none" w="med" len="med"/>
+                    </a:lnB>
+                    <a:lnTlToBr>
+                      <a:noFill/>
+                    </a:lnTlToBr>
+                    <a:lnBlToTr>
+                      <a:noFill/>
+                    </a:lnBlToTr>
+                    <a:solidFill>
+                      <a:srgbClr val="EEEEEE"/>
+                    </a:solidFill>
+                  </a:tcPr>
+                </a:tc>
+                <a:tc gridSpan="5">
+                  <a:txBody>
+                    <a:bodyPr/>
+                    <a:lstStyle/>
+                    <a:p>
+                      <a:pPr marL="0" marR="0" lvl="0" indent="0" algn="ctr" defTabSz="914400" rtl="0" eaLnBrk="1" fontAlgn="base" latinLnBrk="1" hangingPunct="1">
+                        <a:lnSpc>
+                          <a:spcPct val="100000"/>
+                        </a:lnSpc>
+                        <a:spcBef>
+                          <a:spcPct val="0"/>
+                        </a:spcBef>
+                        <a:spcAft>
+                          <a:spcPct val="0"/>
+                        </a:spcAft>
+                        <a:buClrTx/>
+                        <a:buSzTx/>
+                        <a:buFontTx/>
+                        <a:buNone/>
+                        <a:tabLst/>
+                      </a:pPr>
+                      <a:r>
+                        <a:rPr kumimoji="1" lang="en-US" altLang="ko-KR" sz="900" b="0" i="0" u="none" strike="noStrike" cap="none" normalizeH="0" baseline="0" dirty="0">
+                          <a:ln>
+                            <a:noFill/>
+                          </a:ln>
+                          <a:solidFill>
+                            <a:schemeClr val="tx1"/>
+                          </a:solidFill>
+                          <a:effectLst/>
+                          <a:latin typeface="맑은 고딕" pitchFamily="50" charset="-127"/>
+                          <a:ea typeface="맑은 고딕" pitchFamily="50" charset="-127"/>
+                        </a:rPr>
+                        <a:t>UI006</a:t>
+                      </a:r>
+                      <a:endParaRPr kumimoji="1" lang="ko-KR" altLang="ko-KR" sz="900" b="0" i="0" u="none" strike="noStrike" cap="none" normalizeH="0" baseline="0" dirty="0">
+                        <a:ln>
+                          <a:noFill/>
+                        </a:ln>
+                        <a:solidFill>
+                          <a:schemeClr val="tx1"/>
+                        </a:solidFill>
+                        <a:effectLst/>
+                        <a:latin typeface="맑은 고딕" pitchFamily="50" charset="-127"/>
+                        <a:ea typeface="맑은 고딕" pitchFamily="50" charset="-127"/>
+                      </a:endParaRPr>
+                    </a:p>
+                  </a:txBody>
+                  <a:tcPr marL="36000" marR="36000" marT="18000" marB="18000" anchor="ctr" horzOverflow="overflow">
+                    <a:lnL w="12700" cap="flat" cmpd="sng" algn="ctr">
+                      <a:solidFill>
+                        <a:schemeClr val="tx1"/>
+                      </a:solidFill>
+                      <a:prstDash val="solid"/>
+                      <a:round/>
+                      <a:headEnd type="none" w="med" len="med"/>
+                      <a:tailEnd type="none" w="med" len="med"/>
+                    </a:lnL>
+                    <a:lnR w="12700" cap="flat" cmpd="sng" algn="ctr">
+                      <a:solidFill>
+                        <a:schemeClr val="tx1"/>
+                      </a:solidFill>
+                      <a:prstDash val="solid"/>
+                      <a:round/>
+                      <a:headEnd type="none" w="med" len="med"/>
+                      <a:tailEnd type="none" w="med" len="med"/>
+                    </a:lnR>
+                    <a:lnT w="12700" cap="flat" cmpd="sng" algn="ctr">
+                      <a:solidFill>
+                        <a:schemeClr val="tx1"/>
+                      </a:solidFill>
+                      <a:prstDash val="solid"/>
+                      <a:round/>
+                      <a:headEnd type="none" w="med" len="med"/>
+                      <a:tailEnd type="none" w="med" len="med"/>
+                    </a:lnT>
+                    <a:lnB w="12700" cap="flat" cmpd="sng" algn="ctr">
+                      <a:solidFill>
+                        <a:schemeClr val="tx1"/>
+                      </a:solidFill>
+                      <a:prstDash val="solid"/>
+                      <a:round/>
+                      <a:headEnd type="none" w="med" len="med"/>
+                      <a:tailEnd type="none" w="med" len="med"/>
+                    </a:lnB>
+                    <a:lnTlToBr>
+                      <a:noFill/>
+                    </a:lnTlToBr>
+                    <a:lnBlToTr>
+                      <a:noFill/>
+                    </a:lnBlToTr>
+                    <a:noFill/>
+                  </a:tcPr>
+                </a:tc>
+                <a:tc hMerge="1">
+                  <a:txBody>
+                    <a:bodyPr/>
+                    <a:lstStyle/>
+                    <a:p>
+                      <a:pPr marL="0" marR="0" lvl="0" indent="0" algn="ctr" defTabSz="914400" rtl="0" eaLnBrk="1" fontAlgn="base" latinLnBrk="1" hangingPunct="1">
+                        <a:lnSpc>
+                          <a:spcPct val="100000"/>
+                        </a:lnSpc>
+                        <a:spcBef>
+                          <a:spcPct val="0"/>
+                        </a:spcBef>
+                        <a:spcAft>
+                          <a:spcPct val="0"/>
+                        </a:spcAft>
+                        <a:buClrTx/>
+                        <a:buSzTx/>
+                        <a:buFontTx/>
+                        <a:buNone/>
+                        <a:tabLst/>
+                      </a:pPr>
+                      <a:endParaRPr kumimoji="1" lang="ko-KR" altLang="ko-KR" sz="900" b="0" i="0" u="none" strike="noStrike" cap="none" normalizeH="0" baseline="0" dirty="0">
+                        <a:ln>
+                          <a:noFill/>
+                        </a:ln>
+                        <a:solidFill>
+                          <a:schemeClr val="tx1"/>
+                        </a:solidFill>
+                        <a:effectLst/>
+                        <a:latin typeface="맑은 고딕" pitchFamily="50" charset="-127"/>
+                        <a:ea typeface="맑은 고딕" pitchFamily="50" charset="-127"/>
+                      </a:endParaRPr>
+                    </a:p>
+                  </a:txBody>
+                  <a:tcPr marL="36000" marR="36000" marT="18000" marB="18000" anchor="ctr" horzOverflow="overflow">
+                    <a:lnL w="12700" cap="flat" cmpd="sng" algn="ctr">
+                      <a:solidFill>
+                        <a:schemeClr val="tx1"/>
+                      </a:solidFill>
+                      <a:prstDash val="solid"/>
+                      <a:round/>
+                      <a:headEnd type="none" w="med" len="med"/>
+                      <a:tailEnd type="none" w="med" len="med"/>
+                    </a:lnL>
+                    <a:lnR w="12700" cap="flat" cmpd="sng" algn="ctr">
+                      <a:solidFill>
+                        <a:schemeClr val="tx1"/>
+                      </a:solidFill>
+                      <a:prstDash val="solid"/>
+                      <a:round/>
+                      <a:headEnd type="none" w="med" len="med"/>
+                      <a:tailEnd type="none" w="med" len="med"/>
+                    </a:lnR>
+                    <a:lnT w="12700" cap="flat" cmpd="sng" algn="ctr">
+                      <a:solidFill>
+                        <a:schemeClr val="tx1"/>
+                      </a:solidFill>
+                      <a:prstDash val="solid"/>
+                      <a:round/>
+                      <a:headEnd type="none" w="med" len="med"/>
+                      <a:tailEnd type="none" w="med" len="med"/>
+                    </a:lnT>
+                    <a:lnB w="12700" cap="flat" cmpd="sng" algn="ctr">
+                      <a:solidFill>
+                        <a:schemeClr val="tx1"/>
+                      </a:solidFill>
+                      <a:prstDash val="solid"/>
+                      <a:round/>
+                      <a:headEnd type="none" w="med" len="med"/>
+                      <a:tailEnd type="none" w="med" len="med"/>
+                    </a:lnB>
+                    <a:lnTlToBr>
+                      <a:noFill/>
+                    </a:lnTlToBr>
+                    <a:lnBlToTr>
+                      <a:noFill/>
+                    </a:lnBlToTr>
+                    <a:solidFill>
+                      <a:srgbClr val="EEEEEE"/>
+                    </a:solidFill>
+                  </a:tcPr>
+                </a:tc>
+                <a:tc hMerge="1">
+                  <a:txBody>
+                    <a:bodyPr/>
+                    <a:lstStyle/>
+                    <a:p>
+                      <a:pPr marL="0" marR="0" lvl="0" indent="0" algn="ctr" defTabSz="914400" rtl="0" eaLnBrk="1" fontAlgn="base" latinLnBrk="1" hangingPunct="1">
+                        <a:lnSpc>
+                          <a:spcPct val="100000"/>
+                        </a:lnSpc>
+                        <a:spcBef>
+                          <a:spcPct val="0"/>
+                        </a:spcBef>
+                        <a:spcAft>
+                          <a:spcPct val="0"/>
+                        </a:spcAft>
+                        <a:buClrTx/>
+                        <a:buSzTx/>
+                        <a:buFontTx/>
+                        <a:buNone/>
+                        <a:tabLst/>
+                      </a:pPr>
+                      <a:endParaRPr kumimoji="1" lang="ko-KR" altLang="ko-KR" sz="900" b="0" i="0" u="none" strike="noStrike" cap="none" normalizeH="0" baseline="0" dirty="0">
+                        <a:ln>
+                          <a:noFill/>
+                        </a:ln>
+                        <a:solidFill>
+                          <a:schemeClr val="tx1"/>
+                        </a:solidFill>
+                        <a:effectLst/>
+                        <a:latin typeface="맑은 고딕" pitchFamily="50" charset="-127"/>
+                        <a:ea typeface="맑은 고딕" pitchFamily="50" charset="-127"/>
+                      </a:endParaRPr>
+                    </a:p>
+                  </a:txBody>
+                  <a:tcPr marL="36000" marR="36000" marT="18000" marB="18000" anchor="ctr" horzOverflow="overflow">
+                    <a:lnL w="12700" cap="flat" cmpd="sng" algn="ctr">
+                      <a:solidFill>
+                        <a:schemeClr val="tx1"/>
+                      </a:solidFill>
+                      <a:prstDash val="solid"/>
+                      <a:round/>
+                      <a:headEnd type="none" w="med" len="med"/>
+                      <a:tailEnd type="none" w="med" len="med"/>
+                    </a:lnL>
+                    <a:lnR w="12700" cap="flat" cmpd="sng" algn="ctr">
+                      <a:solidFill>
+                        <a:schemeClr val="tx1"/>
+                      </a:solidFill>
+                      <a:prstDash val="solid"/>
+                      <a:round/>
+                      <a:headEnd type="none" w="med" len="med"/>
+                      <a:tailEnd type="none" w="med" len="med"/>
+                    </a:lnR>
+                    <a:lnT w="12700" cap="flat" cmpd="sng" algn="ctr">
+                      <a:solidFill>
+                        <a:schemeClr val="tx1"/>
+                      </a:solidFill>
+                      <a:prstDash val="solid"/>
+                      <a:round/>
+                      <a:headEnd type="none" w="med" len="med"/>
+                      <a:tailEnd type="none" w="med" len="med"/>
+                    </a:lnT>
+                    <a:lnB w="12700" cap="flat" cmpd="sng" algn="ctr">
+                      <a:solidFill>
+                        <a:schemeClr val="tx1"/>
+                      </a:solidFill>
+                      <a:prstDash val="solid"/>
+                      <a:round/>
+                      <a:headEnd type="none" w="med" len="med"/>
+                      <a:tailEnd type="none" w="med" len="med"/>
+                    </a:lnB>
+                    <a:lnTlToBr>
+                      <a:noFill/>
+                    </a:lnTlToBr>
+                    <a:lnBlToTr>
+                      <a:noFill/>
+                    </a:lnBlToTr>
+                    <a:noFill/>
+                  </a:tcPr>
+                </a:tc>
+                <a:tc hMerge="1">
+                  <a:txBody>
+                    <a:bodyPr/>
+                    <a:lstStyle/>
+                    <a:p>
+                      <a:pPr marL="0" marR="0" lvl="0" indent="0" algn="ctr" defTabSz="914400" rtl="0" eaLnBrk="1" fontAlgn="base" latinLnBrk="1" hangingPunct="1">
+                        <a:lnSpc>
+                          <a:spcPct val="100000"/>
+                        </a:lnSpc>
+                        <a:spcBef>
+                          <a:spcPct val="0"/>
+                        </a:spcBef>
+                        <a:spcAft>
+                          <a:spcPct val="0"/>
+                        </a:spcAft>
+                        <a:buClrTx/>
+                        <a:buSzTx/>
+                        <a:buFontTx/>
+                        <a:buNone/>
+                        <a:tabLst/>
+                      </a:pPr>
+                      <a:endParaRPr kumimoji="1" lang="ko-KR" sz="900" b="0" i="0" u="none" strike="noStrike" cap="none" normalizeH="0" baseline="0" dirty="0">
+                        <a:ln>
+                          <a:noFill/>
+                        </a:ln>
+                        <a:solidFill>
+                          <a:schemeClr val="tx1"/>
+                        </a:solidFill>
+                        <a:effectLst/>
+                        <a:latin typeface="맑은 고딕" pitchFamily="50" charset="-127"/>
+                        <a:ea typeface="맑은 고딕" pitchFamily="50" charset="-127"/>
+                      </a:endParaRPr>
+                    </a:p>
+                  </a:txBody>
+                  <a:tcPr marL="36000" marR="36000" marT="18000" marB="18000" anchor="ctr" horzOverflow="overflow">
+                    <a:lnL w="12700" cap="flat" cmpd="sng" algn="ctr">
+                      <a:solidFill>
+                        <a:schemeClr val="tx1"/>
+                      </a:solidFill>
+                      <a:prstDash val="solid"/>
+                      <a:round/>
+                      <a:headEnd type="none" w="med" len="med"/>
+                      <a:tailEnd type="none" w="med" len="med"/>
+                    </a:lnL>
+                    <a:lnR w="12700" cap="flat" cmpd="sng" algn="ctr">
+                      <a:solidFill>
+                        <a:schemeClr val="tx1"/>
+                      </a:solidFill>
+                      <a:prstDash val="solid"/>
+                      <a:round/>
+                      <a:headEnd type="none" w="med" len="med"/>
+                      <a:tailEnd type="none" w="med" len="med"/>
+                    </a:lnR>
+                    <a:lnT w="12700" cap="flat" cmpd="sng" algn="ctr">
+                      <a:solidFill>
+                        <a:schemeClr val="tx1"/>
+                      </a:solidFill>
+                      <a:prstDash val="solid"/>
+                      <a:round/>
+                      <a:headEnd type="none" w="med" len="med"/>
+                      <a:tailEnd type="none" w="med" len="med"/>
+                    </a:lnT>
+                    <a:lnB w="12700" cap="flat" cmpd="sng" algn="ctr">
+                      <a:solidFill>
+                        <a:schemeClr val="tx1"/>
+                      </a:solidFill>
+                      <a:prstDash val="solid"/>
+                      <a:round/>
+                      <a:headEnd type="none" w="med" len="med"/>
+                      <a:tailEnd type="none" w="med" len="med"/>
+                    </a:lnB>
+                    <a:lnTlToBr>
+                      <a:noFill/>
+                    </a:lnTlToBr>
+                    <a:lnBlToTr>
+                      <a:noFill/>
+                    </a:lnBlToTr>
+                    <a:solidFill>
+                      <a:srgbClr val="EEEEEE"/>
+                    </a:solidFill>
+                  </a:tcPr>
+                </a:tc>
+                <a:tc hMerge="1">
+                  <a:txBody>
+                    <a:bodyPr/>
+                    <a:lstStyle/>
+                    <a:p>
+                      <a:pPr marL="0" marR="0" lvl="0" indent="0" algn="ctr" defTabSz="914400" rtl="0" eaLnBrk="1" fontAlgn="base" latinLnBrk="1" hangingPunct="1">
+                        <a:lnSpc>
+                          <a:spcPct val="100000"/>
+                        </a:lnSpc>
+                        <a:spcBef>
+                          <a:spcPct val="0"/>
+                        </a:spcBef>
+                        <a:spcAft>
+                          <a:spcPct val="0"/>
+                        </a:spcAft>
+                        <a:buClrTx/>
+                        <a:buSzTx/>
+                        <a:buFontTx/>
+                        <a:buNone/>
+                        <a:tabLst/>
+                      </a:pPr>
+                      <a:endParaRPr kumimoji="1" lang="ko-KR" altLang="ko-KR" sz="900" b="0" i="0" u="none" strike="noStrike" cap="none" normalizeH="0" baseline="0" dirty="0">
+                        <a:ln>
+                          <a:noFill/>
+                        </a:ln>
+                        <a:solidFill>
+                          <a:schemeClr val="tx1"/>
+                        </a:solidFill>
+                        <a:effectLst/>
+                        <a:latin typeface="맑은 고딕" pitchFamily="50" charset="-127"/>
+                        <a:ea typeface="맑은 고딕" pitchFamily="50" charset="-127"/>
+                      </a:endParaRPr>
+                    </a:p>
+                  </a:txBody>
+                  <a:tcPr marL="36000" marR="36000" marT="18000" marB="18000" anchor="ctr" horzOverflow="overflow">
+                    <a:lnL w="12700" cap="flat" cmpd="sng" algn="ctr">
+                      <a:solidFill>
+                        <a:schemeClr val="tx1"/>
+                      </a:solidFill>
+                      <a:prstDash val="solid"/>
+                      <a:round/>
+                      <a:headEnd type="none" w="med" len="med"/>
+                      <a:tailEnd type="none" w="med" len="med"/>
+                    </a:lnL>
+                    <a:lnR w="12700" cap="flat" cmpd="sng" algn="ctr">
+                      <a:solidFill>
+                        <a:schemeClr val="tx1"/>
+                      </a:solidFill>
+                      <a:prstDash val="solid"/>
+                      <a:round/>
+                      <a:headEnd type="none" w="med" len="med"/>
+                      <a:tailEnd type="none" w="med" len="med"/>
+                    </a:lnR>
+                    <a:lnT w="12700" cap="flat" cmpd="sng" algn="ctr">
+                      <a:solidFill>
+                        <a:schemeClr val="tx1"/>
+                      </a:solidFill>
+                      <a:prstDash val="solid"/>
+                      <a:round/>
+                      <a:headEnd type="none" w="med" len="med"/>
+                      <a:tailEnd type="none" w="med" len="med"/>
+                    </a:lnT>
+                    <a:lnB w="12700" cap="flat" cmpd="sng" algn="ctr">
+                      <a:solidFill>
+                        <a:schemeClr val="tx1"/>
+                      </a:solidFill>
+                      <a:prstDash val="solid"/>
+                      <a:round/>
+                      <a:headEnd type="none" w="med" len="med"/>
+                      <a:tailEnd type="none" w="med" len="med"/>
+                    </a:lnB>
+                    <a:lnTlToBr>
+                      <a:noFill/>
+                    </a:lnTlToBr>
+                    <a:lnBlToTr>
+                      <a:noFill/>
+                    </a:lnBlToTr>
+                    <a:noFill/>
+                  </a:tcPr>
+                </a:tc>
+                <a:extLst>
+                  <a:ext uri="{0D108BD9-81ED-4DB2-BD59-A6C34878D82A}">
+                    <a16:rowId xmlns:a16="http://schemas.microsoft.com/office/drawing/2014/main" val="10002"/>
+                  </a:ext>
+                </a:extLst>
+              </a:tr>
+            </a:tbl>
+          </a:graphicData>
+        </a:graphic>
+      </p:graphicFrame>
+    </p:spTree>
+    <p:extLst>
+      <p:ext uri="{BB962C8B-B14F-4D97-AF65-F5344CB8AC3E}">
+        <p14:creationId xmlns:p14="http://schemas.microsoft.com/office/powerpoint/2010/main" val="653399074"/>
+      </p:ext>
+    </p:extLst>
+  </p:cSld>
+  <p:clrMapOvr>
+    <a:masterClrMapping/>
+  </p:clrMapOvr>
+</p:sld>
+</file>
+
+<file path=ppt/slides/slide8.xml><?xml version="1.0" encoding="utf-8"?>
+<p:sld xmlns:a="http://schemas.openxmlformats.org/drawingml/2006/main" xmlns:r="http://schemas.openxmlformats.org/officeDocument/2006/relationships" xmlns:p="http://schemas.openxmlformats.org/presentationml/2006/main">
+  <p:cSld>
+    <p:spTree>
+      <p:nvGrpSpPr>
+        <p:cNvPr id="1" name=""/>
+        <p:cNvGrpSpPr/>
+        <p:nvPr/>
+      </p:nvGrpSpPr>
+      <p:grpSpPr>
+        <a:xfrm>
+          <a:off x="0" y="0"/>
+          <a:ext cx="0" cy="0"/>
+          <a:chOff x="0" y="0"/>
+          <a:chExt cx="0" cy="0"/>
+        </a:xfrm>
+      </p:grpSpPr>
+      <p:sp>
+        <p:nvSpPr>
+          <p:cNvPr id="2" name="바닥글 개체 틀 1"/>
+          <p:cNvSpPr>
+            <a:spLocks noGrp="1"/>
+          </p:cNvSpPr>
+          <p:nvPr>
+            <p:ph type="ftr" sz="quarter" idx="3"/>
+          </p:nvPr>
+        </p:nvSpPr>
+        <p:spPr/>
+        <p:txBody>
+          <a:bodyPr/>
+          <a:lstStyle/>
+          <a:p>
+            <a:pPr algn="r"/>
+            <a:r>
+              <a:rPr lang="ko-KR" altLang="en-US" dirty="0"/>
+              <a:t>팀 명</a:t>
+            </a:r>
+            <a:endParaRPr lang="en-US" altLang="ko-KR" dirty="0"/>
+          </a:p>
+        </p:txBody>
+      </p:sp>
+      <p:graphicFrame>
+        <p:nvGraphicFramePr>
+          <p:cNvPr id="27" name="내용 개체 틀 4"/>
+          <p:cNvGraphicFramePr>
+            <a:graphicFrameLocks/>
+          </p:cNvGraphicFramePr>
+          <p:nvPr>
+            <p:extLst>
+              <p:ext uri="{D42A27DB-BD31-4B8C-83A1-F6EECF244321}">
+                <p14:modId xmlns:p14="http://schemas.microsoft.com/office/powerpoint/2010/main" val="3179012591"/>
+              </p:ext>
+            </p:extLst>
+          </p:nvPr>
+        </p:nvGraphicFramePr>
+        <p:xfrm>
+          <a:off x="4623752" y="1222736"/>
+          <a:ext cx="4050032" cy="2084744"/>
+        </p:xfrm>
+        <a:graphic>
+          <a:graphicData uri="http://schemas.openxmlformats.org/drawingml/2006/table">
+            <a:tbl>
+              <a:tblPr firstRow="1" bandRow="1">
+                <a:tableStyleId>{5940675A-B579-460E-94D1-54222C63F5DA}</a:tableStyleId>
+              </a:tblPr>
+              <a:tblGrid>
+                <a:gridCol w="504000">
+                  <a:extLst>
+                    <a:ext uri="{9D8B030D-6E8A-4147-A177-3AD203B41FA5}">
+                      <a16:colId xmlns:a16="http://schemas.microsoft.com/office/drawing/2014/main" val="20000"/>
+                    </a:ext>
+                  </a:extLst>
+                </a:gridCol>
+                <a:gridCol w="504000">
+                  <a:extLst>
+                    <a:ext uri="{9D8B030D-6E8A-4147-A177-3AD203B41FA5}">
+                      <a16:colId xmlns:a16="http://schemas.microsoft.com/office/drawing/2014/main" val="20001"/>
+                    </a:ext>
+                  </a:extLst>
+                </a:gridCol>
+                <a:gridCol w="1521016">
+                  <a:extLst>
+                    <a:ext uri="{9D8B030D-6E8A-4147-A177-3AD203B41FA5}">
+                      <a16:colId xmlns:a16="http://schemas.microsoft.com/office/drawing/2014/main" val="20002"/>
+                    </a:ext>
+                  </a:extLst>
+                </a:gridCol>
+                <a:gridCol w="1521016">
+                  <a:extLst>
+                    <a:ext uri="{9D8B030D-6E8A-4147-A177-3AD203B41FA5}">
+                      <a16:colId xmlns:a16="http://schemas.microsoft.com/office/drawing/2014/main" val="20003"/>
+                    </a:ext>
+                  </a:extLst>
+                </a:gridCol>
+              </a:tblGrid>
+              <a:tr h="301664">
+                <a:tc gridSpan="4">
+                  <a:txBody>
+                    <a:bodyPr/>
+                    <a:lstStyle/>
+                    <a:p>
+                      <a:pPr algn="ctr" latinLnBrk="1"/>
+                      <a:r>
+                        <a:rPr lang="ko-KR" altLang="en-US" sz="1200" b="1" dirty="0">
+                          <a:solidFill>
+                            <a:schemeClr val="tx1"/>
+                          </a:solidFill>
+                          <a:latin typeface="맑은 고딕" pitchFamily="50" charset="-127"/>
+                          <a:ea typeface="맑은 고딕" pitchFamily="50" charset="-127"/>
+                        </a:rPr>
+                        <a:t>화면 입</a:t>
+                      </a:r>
+                      <a:r>
+                        <a:rPr lang="en-US" altLang="ko-KR" sz="1200" b="1" dirty="0">
+                          <a:solidFill>
+                            <a:schemeClr val="tx1"/>
+                          </a:solidFill>
+                          <a:latin typeface="맑은 고딕" pitchFamily="50" charset="-127"/>
+                          <a:ea typeface="맑은 고딕" pitchFamily="50" charset="-127"/>
+                        </a:rPr>
+                        <a:t>/</a:t>
+                      </a:r>
+                      <a:r>
+                        <a:rPr lang="ko-KR" altLang="en-US" sz="1200" b="1" dirty="0">
+                          <a:solidFill>
+                            <a:schemeClr val="tx1"/>
+                          </a:solidFill>
+                          <a:latin typeface="맑은 고딕" pitchFamily="50" charset="-127"/>
+                          <a:ea typeface="맑은 고딕" pitchFamily="50" charset="-127"/>
+                        </a:rPr>
+                        <a:t>출력 정보일람</a:t>
+                      </a:r>
+                    </a:p>
+                  </a:txBody>
+                  <a:tcPr anchor="ctr">
+                    <a:solidFill>
+                      <a:schemeClr val="accent5">
+                        <a:lumMod val="20000"/>
+                        <a:lumOff val="80000"/>
+                      </a:schemeClr>
+                    </a:solidFill>
+                  </a:tcPr>
+                </a:tc>
+                <a:tc hMerge="1">
+                  <a:txBody>
+                    <a:bodyPr/>
+                    <a:lstStyle/>
+                    <a:p>
+                      <a:pPr algn="ctr" latinLnBrk="1"/>
+                      <a:endParaRPr lang="ko-KR" altLang="en-US" sz="1200" b="1" dirty="0">
+                        <a:solidFill>
+                          <a:schemeClr val="tx1"/>
+                        </a:solidFill>
+                        <a:latin typeface="맑은 고딕" pitchFamily="50" charset="-127"/>
+                        <a:ea typeface="맑은 고딕" pitchFamily="50" charset="-127"/>
+                      </a:endParaRPr>
+                    </a:p>
+                  </a:txBody>
+                  <a:tcPr anchor="ctr">
+                    <a:solidFill>
+                      <a:schemeClr val="bg1">
+                        <a:lumMod val="75000"/>
+                      </a:schemeClr>
+                    </a:solidFill>
+                  </a:tcPr>
+                </a:tc>
+                <a:tc hMerge="1">
+                  <a:txBody>
+                    <a:bodyPr/>
+                    <a:lstStyle/>
+                    <a:p>
+                      <a:pPr algn="ctr" latinLnBrk="1"/>
+                      <a:endParaRPr lang="ko-KR" altLang="en-US" sz="1200" b="1" dirty="0">
+                        <a:solidFill>
+                          <a:schemeClr val="tx1"/>
+                        </a:solidFill>
+                        <a:latin typeface="맑은 고딕" pitchFamily="50" charset="-127"/>
+                        <a:ea typeface="맑은 고딕" pitchFamily="50" charset="-127"/>
+                      </a:endParaRPr>
+                    </a:p>
+                  </a:txBody>
+                  <a:tcPr anchor="ctr">
+                    <a:solidFill>
+                      <a:schemeClr val="bg1">
+                        <a:lumMod val="75000"/>
+                      </a:schemeClr>
+                    </a:solidFill>
+                  </a:tcPr>
+                </a:tc>
+                <a:tc hMerge="1">
+                  <a:txBody>
+                    <a:bodyPr/>
+                    <a:lstStyle/>
+                    <a:p>
+                      <a:pPr latinLnBrk="1"/>
+                      <a:endParaRPr lang="ko-KR" altLang="en-US"/>
+                    </a:p>
+                  </a:txBody>
+                  <a:tcPr/>
+                </a:tc>
+                <a:extLst>
+                  <a:ext uri="{0D108BD9-81ED-4DB2-BD59-A6C34878D82A}">
+                    <a16:rowId xmlns:a16="http://schemas.microsoft.com/office/drawing/2014/main" val="10000"/>
+                  </a:ext>
+                </a:extLst>
+              </a:tr>
+              <a:tr h="238875">
+                <a:tc>
+                  <a:txBody>
+                    <a:bodyPr/>
+                    <a:lstStyle/>
+                    <a:p>
+                      <a:pPr algn="ctr" latinLnBrk="1"/>
+                      <a:r>
+                        <a:rPr lang="ko-KR" altLang="en-US" sz="1200" b="1" dirty="0">
+                          <a:solidFill>
+                            <a:schemeClr val="tx1"/>
+                          </a:solidFill>
+                          <a:latin typeface="맑은 고딕" pitchFamily="50" charset="-127"/>
+                          <a:ea typeface="맑은 고딕" pitchFamily="50" charset="-127"/>
+                        </a:rPr>
+                        <a:t>번호</a:t>
+                      </a:r>
+                    </a:p>
+                  </a:txBody>
+                  <a:tcPr anchor="ctr">
+                    <a:solidFill>
+                      <a:schemeClr val="accent5">
+                        <a:lumMod val="20000"/>
+                        <a:lumOff val="80000"/>
+                      </a:schemeClr>
+                    </a:solidFill>
+                  </a:tcPr>
+                </a:tc>
+                <a:tc>
+                  <a:txBody>
+                    <a:bodyPr/>
+                    <a:lstStyle/>
+                    <a:p>
+                      <a:pPr algn="ctr" latinLnBrk="1"/>
+                      <a:r>
+                        <a:rPr lang="en-US" altLang="ko-KR" sz="1200" b="1" dirty="0">
+                          <a:solidFill>
+                            <a:schemeClr val="tx1"/>
+                          </a:solidFill>
+                          <a:latin typeface="맑은 고딕" pitchFamily="50" charset="-127"/>
+                          <a:ea typeface="맑은 고딕" pitchFamily="50" charset="-127"/>
+                        </a:rPr>
+                        <a:t>I/O</a:t>
+                      </a:r>
+                      <a:endParaRPr lang="ko-KR" altLang="en-US" sz="1200" b="1" dirty="0">
+                        <a:solidFill>
+                          <a:schemeClr val="tx1"/>
+                        </a:solidFill>
+                        <a:latin typeface="맑은 고딕" pitchFamily="50" charset="-127"/>
+                        <a:ea typeface="맑은 고딕" pitchFamily="50" charset="-127"/>
+                      </a:endParaRPr>
+                    </a:p>
+                  </a:txBody>
+                  <a:tcPr anchor="ctr">
+                    <a:solidFill>
+                      <a:schemeClr val="accent5">
+                        <a:lumMod val="20000"/>
+                        <a:lumOff val="80000"/>
+                      </a:schemeClr>
+                    </a:solidFill>
+                  </a:tcPr>
+                </a:tc>
+                <a:tc>
+                  <a:txBody>
+                    <a:bodyPr/>
+                    <a:lstStyle/>
+                    <a:p>
+                      <a:pPr algn="ctr" latinLnBrk="1"/>
+                      <a:r>
+                        <a:rPr lang="en-US" altLang="ko-KR" sz="1200" b="1" dirty="0">
+                          <a:solidFill>
+                            <a:schemeClr val="tx1"/>
+                          </a:solidFill>
+                          <a:latin typeface="맑은 고딕" pitchFamily="50" charset="-127"/>
+                          <a:ea typeface="맑은 고딕" pitchFamily="50" charset="-127"/>
+                        </a:rPr>
+                        <a:t>I/O</a:t>
+                      </a:r>
+                      <a:r>
+                        <a:rPr lang="en-US" altLang="ko-KR" sz="1200" b="1" baseline="0" dirty="0">
+                          <a:solidFill>
+                            <a:schemeClr val="tx1"/>
+                          </a:solidFill>
+                          <a:latin typeface="맑은 고딕" pitchFamily="50" charset="-127"/>
+                          <a:ea typeface="맑은 고딕" pitchFamily="50" charset="-127"/>
+                        </a:rPr>
+                        <a:t> </a:t>
+                      </a:r>
+                      <a:r>
+                        <a:rPr lang="ko-KR" altLang="en-US" sz="1200" b="1" baseline="0" dirty="0">
+                          <a:solidFill>
+                            <a:schemeClr val="tx1"/>
+                          </a:solidFill>
+                          <a:latin typeface="맑은 고딕" pitchFamily="50" charset="-127"/>
+                          <a:ea typeface="맑은 고딕" pitchFamily="50" charset="-127"/>
+                        </a:rPr>
+                        <a:t>명</a:t>
+                      </a:r>
+                      <a:endParaRPr lang="ko-KR" altLang="en-US" sz="1200" b="1" dirty="0">
+                        <a:solidFill>
+                          <a:schemeClr val="tx1"/>
+                        </a:solidFill>
+                        <a:latin typeface="맑은 고딕" pitchFamily="50" charset="-127"/>
+                        <a:ea typeface="맑은 고딕" pitchFamily="50" charset="-127"/>
+                      </a:endParaRPr>
+                    </a:p>
+                  </a:txBody>
+                  <a:tcPr anchor="ctr">
+                    <a:solidFill>
+                      <a:schemeClr val="accent5">
+                        <a:lumMod val="20000"/>
+                        <a:lumOff val="80000"/>
+                      </a:schemeClr>
+                    </a:solidFill>
+                  </a:tcPr>
+                </a:tc>
+                <a:tc>
+                  <a:txBody>
+                    <a:bodyPr/>
+                    <a:lstStyle/>
+                    <a:p>
+                      <a:pPr algn="ctr" latinLnBrk="1"/>
+                      <a:r>
+                        <a:rPr lang="ko-KR" altLang="en-US" sz="1200" b="1" dirty="0">
+                          <a:solidFill>
+                            <a:schemeClr val="tx1"/>
+                          </a:solidFill>
+                          <a:latin typeface="맑은 고딕" pitchFamily="50" charset="-127"/>
+                          <a:ea typeface="맑은 고딕" pitchFamily="50" charset="-127"/>
+                        </a:rPr>
+                        <a:t>항목 속성</a:t>
+                      </a:r>
+                    </a:p>
+                  </a:txBody>
+                  <a:tcPr anchor="ctr">
+                    <a:solidFill>
+                      <a:schemeClr val="accent5">
+                        <a:lumMod val="20000"/>
+                        <a:lumOff val="80000"/>
+                      </a:schemeClr>
+                    </a:solidFill>
+                  </a:tcPr>
+                </a:tc>
+                <a:extLst>
+                  <a:ext uri="{0D108BD9-81ED-4DB2-BD59-A6C34878D82A}">
+                    <a16:rowId xmlns:a16="http://schemas.microsoft.com/office/drawing/2014/main" val="10001"/>
+                  </a:ext>
+                </a:extLst>
+              </a:tr>
+              <a:tr h="195561">
+                <a:tc>
+                  <a:txBody>
+                    <a:bodyPr/>
+                    <a:lstStyle/>
+                    <a:p>
+                      <a:pPr algn="ctr" latinLnBrk="1"/>
+                      <a:r>
+                        <a:rPr lang="en-US" altLang="ko-KR" sz="1050" b="0" dirty="0">
+                          <a:solidFill>
+                            <a:schemeClr val="tx1"/>
+                          </a:solidFill>
+                          <a:latin typeface="맑은 고딕" pitchFamily="50" charset="-127"/>
+                          <a:ea typeface="맑은 고딕" pitchFamily="50" charset="-127"/>
+                        </a:rPr>
+                        <a:t>1</a:t>
+                      </a:r>
+                      <a:endParaRPr lang="ko-KR" altLang="en-US" sz="1050" b="0" dirty="0">
+                        <a:solidFill>
+                          <a:schemeClr val="tx1"/>
+                        </a:solidFill>
+                        <a:latin typeface="맑은 고딕" pitchFamily="50" charset="-127"/>
+                        <a:ea typeface="맑은 고딕" pitchFamily="50" charset="-127"/>
+                      </a:endParaRPr>
+                    </a:p>
+                  </a:txBody>
+                  <a:tcPr anchor="ctr">
+                    <a:solidFill>
+                      <a:schemeClr val="bg1"/>
+                    </a:solidFill>
+                  </a:tcPr>
+                </a:tc>
+                <a:tc>
+                  <a:txBody>
+                    <a:bodyPr/>
+                    <a:lstStyle/>
+                    <a:p>
+                      <a:pPr algn="ctr" latinLnBrk="1"/>
+                      <a:r>
+                        <a:rPr lang="en-US" altLang="ko-KR" sz="1050" b="0" dirty="0">
+                          <a:solidFill>
+                            <a:schemeClr val="tx1"/>
+                          </a:solidFill>
+                          <a:latin typeface="맑은 고딕" pitchFamily="50" charset="-127"/>
+                          <a:ea typeface="맑은 고딕" pitchFamily="50" charset="-127"/>
+                        </a:rPr>
+                        <a:t>I/O</a:t>
+                      </a:r>
+                      <a:endParaRPr lang="ko-KR" altLang="en-US" sz="1050" b="0" dirty="0">
+                        <a:solidFill>
+                          <a:schemeClr val="tx1"/>
+                        </a:solidFill>
+                        <a:latin typeface="맑은 고딕" pitchFamily="50" charset="-127"/>
+                        <a:ea typeface="맑은 고딕" pitchFamily="50" charset="-127"/>
+                      </a:endParaRPr>
+                    </a:p>
+                  </a:txBody>
+                  <a:tcPr anchor="ctr">
+                    <a:solidFill>
+                      <a:schemeClr val="bg1"/>
+                    </a:solidFill>
+                  </a:tcPr>
+                </a:tc>
+                <a:tc>
+                  <a:txBody>
+                    <a:bodyPr/>
+                    <a:lstStyle/>
+                    <a:p>
+                      <a:pPr latinLnBrk="1"/>
+                      <a:r>
+                        <a:rPr lang="en-US" altLang="ko-KR" sz="1050" b="0" dirty="0">
+                          <a:solidFill>
+                            <a:schemeClr val="tx1"/>
+                          </a:solidFill>
+                          <a:latin typeface="맑은 고딕" pitchFamily="50" charset="-127"/>
+                          <a:ea typeface="맑은 고딕" pitchFamily="50" charset="-127"/>
+                        </a:rPr>
+                        <a:t>ID</a:t>
+                      </a:r>
+                      <a:r>
+                        <a:rPr lang="ko-KR" altLang="en-US" sz="1050" b="0" dirty="0">
+                          <a:solidFill>
+                            <a:schemeClr val="tx1"/>
+                          </a:solidFill>
+                          <a:latin typeface="맑은 고딕" pitchFamily="50" charset="-127"/>
+                          <a:ea typeface="맑은 고딕" pitchFamily="50" charset="-127"/>
+                        </a:rPr>
+                        <a:t> 입력</a:t>
+                      </a:r>
+                    </a:p>
+                  </a:txBody>
+                  <a:tcPr anchor="ctr">
+                    <a:solidFill>
+                      <a:schemeClr val="bg1"/>
+                    </a:solidFill>
+                  </a:tcPr>
+                </a:tc>
+                <a:tc>
+                  <a:txBody>
+                    <a:bodyPr/>
+                    <a:lstStyle/>
+                    <a:p>
+                      <a:pPr latinLnBrk="1"/>
+                      <a:r>
+                        <a:rPr lang="en-US" altLang="ko-KR" sz="1050" b="0" baseline="0" dirty="0">
+                          <a:solidFill>
+                            <a:schemeClr val="tx1"/>
+                          </a:solidFill>
+                          <a:latin typeface="맑은 고딕" pitchFamily="50" charset="-127"/>
+                          <a:ea typeface="맑은 고딕" pitchFamily="50" charset="-127"/>
+                        </a:rPr>
+                        <a:t>Edit Text</a:t>
+                      </a:r>
+                    </a:p>
+                  </a:txBody>
+                  <a:tcPr anchor="ctr">
+                    <a:solidFill>
+                      <a:schemeClr val="bg1"/>
+                    </a:solidFill>
+                  </a:tcPr>
+                </a:tc>
+                <a:extLst>
+                  <a:ext uri="{0D108BD9-81ED-4DB2-BD59-A6C34878D82A}">
+                    <a16:rowId xmlns:a16="http://schemas.microsoft.com/office/drawing/2014/main" val="10002"/>
+                  </a:ext>
+                </a:extLst>
+              </a:tr>
+              <a:tr h="195561">
+                <a:tc>
+                  <a:txBody>
+                    <a:bodyPr/>
+                    <a:lstStyle/>
+                    <a:p>
+                      <a:pPr algn="ctr" latinLnBrk="1"/>
+                      <a:r>
+                        <a:rPr lang="en-US" altLang="ko-KR" sz="1050" b="0" dirty="0">
+                          <a:solidFill>
+                            <a:schemeClr val="tx1"/>
+                          </a:solidFill>
+                          <a:latin typeface="맑은 고딕" pitchFamily="50" charset="-127"/>
+                          <a:ea typeface="맑은 고딕" pitchFamily="50" charset="-127"/>
+                        </a:rPr>
+                        <a:t>2</a:t>
+                      </a:r>
+                      <a:endParaRPr lang="ko-KR" altLang="en-US" sz="1050" b="0" dirty="0">
+                        <a:solidFill>
+                          <a:schemeClr val="tx1"/>
+                        </a:solidFill>
+                        <a:latin typeface="맑은 고딕" pitchFamily="50" charset="-127"/>
+                        <a:ea typeface="맑은 고딕" pitchFamily="50" charset="-127"/>
+                      </a:endParaRPr>
+                    </a:p>
+                  </a:txBody>
+                  <a:tcPr anchor="ctr">
+                    <a:solidFill>
+                      <a:schemeClr val="bg1"/>
+                    </a:solidFill>
+                  </a:tcPr>
+                </a:tc>
+                <a:tc>
+                  <a:txBody>
+                    <a:bodyPr/>
+                    <a:lstStyle/>
+                    <a:p>
+                      <a:pPr marL="0" marR="0" indent="0" algn="ctr" defTabSz="914400" rtl="0" eaLnBrk="1" fontAlgn="auto" latinLnBrk="1" hangingPunct="1">
+                        <a:lnSpc>
+                          <a:spcPct val="100000"/>
+                        </a:lnSpc>
+                        <a:spcBef>
+                          <a:spcPts val="0"/>
+                        </a:spcBef>
+                        <a:spcAft>
+                          <a:spcPts val="0"/>
+                        </a:spcAft>
+                        <a:buClrTx/>
+                        <a:buSzTx/>
+                        <a:buFontTx/>
+                        <a:buNone/>
+                        <a:tabLst/>
+                        <a:defRPr/>
+                      </a:pPr>
+                      <a:r>
+                        <a:rPr lang="en-US" altLang="ko-KR" sz="1050" b="0" dirty="0">
+                          <a:solidFill>
+                            <a:schemeClr val="tx1"/>
+                          </a:solidFill>
+                          <a:latin typeface="맑은 고딕" pitchFamily="50" charset="-127"/>
+                          <a:ea typeface="맑은 고딕" pitchFamily="50" charset="-127"/>
+                        </a:rPr>
+                        <a:t>I/O</a:t>
+                      </a:r>
+                      <a:endParaRPr lang="ko-KR" altLang="en-US" sz="1050" b="0" dirty="0">
+                        <a:solidFill>
+                          <a:schemeClr val="tx1"/>
+                        </a:solidFill>
+                        <a:latin typeface="맑은 고딕" pitchFamily="50" charset="-127"/>
+                        <a:ea typeface="맑은 고딕" pitchFamily="50" charset="-127"/>
+                      </a:endParaRPr>
+                    </a:p>
+                  </a:txBody>
+                  <a:tcPr anchor="ctr">
+                    <a:solidFill>
+                      <a:schemeClr val="bg1"/>
+                    </a:solidFill>
+                  </a:tcPr>
+                </a:tc>
+                <a:tc>
+                  <a:txBody>
+                    <a:bodyPr/>
+                    <a:lstStyle/>
+                    <a:p>
+                      <a:pPr latinLnBrk="1"/>
+                      <a:r>
+                        <a:rPr lang="en-US" altLang="ko-KR" sz="1050" b="0" dirty="0">
+                          <a:solidFill>
+                            <a:schemeClr val="tx1"/>
+                          </a:solidFill>
+                          <a:latin typeface="맑은 고딕" pitchFamily="50" charset="-127"/>
+                          <a:ea typeface="맑은 고딕" pitchFamily="50" charset="-127"/>
+                        </a:rPr>
+                        <a:t>Password</a:t>
+                      </a:r>
+                      <a:r>
+                        <a:rPr lang="ko-KR" altLang="en-US" sz="1050" b="0" dirty="0">
+                          <a:solidFill>
+                            <a:schemeClr val="tx1"/>
+                          </a:solidFill>
+                          <a:latin typeface="맑은 고딕" pitchFamily="50" charset="-127"/>
+                          <a:ea typeface="맑은 고딕" pitchFamily="50" charset="-127"/>
+                        </a:rPr>
+                        <a:t> 입력</a:t>
+                      </a:r>
+                    </a:p>
+                  </a:txBody>
+                  <a:tcPr anchor="ctr">
+                    <a:solidFill>
+                      <a:schemeClr val="bg1"/>
+                    </a:solidFill>
+                  </a:tcPr>
+                </a:tc>
+                <a:tc>
+                  <a:txBody>
+                    <a:bodyPr/>
+                    <a:lstStyle/>
+                    <a:p>
+                      <a:pPr latinLnBrk="1"/>
+                      <a:r>
+                        <a:rPr lang="en-US" altLang="ko-KR" sz="1050" b="0" dirty="0">
+                          <a:solidFill>
+                            <a:schemeClr val="tx1"/>
+                          </a:solidFill>
+                          <a:latin typeface="맑은 고딕" pitchFamily="50" charset="-127"/>
+                          <a:ea typeface="맑은 고딕" pitchFamily="50" charset="-127"/>
+                        </a:rPr>
+                        <a:t>Edit Text</a:t>
+                      </a:r>
+                      <a:endParaRPr lang="ko-KR" altLang="en-US" sz="1050" b="0" dirty="0">
+                        <a:solidFill>
+                          <a:schemeClr val="tx1"/>
+                        </a:solidFill>
+                        <a:latin typeface="맑은 고딕" pitchFamily="50" charset="-127"/>
+                        <a:ea typeface="맑은 고딕" pitchFamily="50" charset="-127"/>
+                      </a:endParaRPr>
+                    </a:p>
+                  </a:txBody>
+                  <a:tcPr anchor="ctr">
+                    <a:solidFill>
+                      <a:schemeClr val="bg1"/>
+                    </a:solidFill>
+                  </a:tcPr>
+                </a:tc>
+                <a:extLst>
+                  <a:ext uri="{0D108BD9-81ED-4DB2-BD59-A6C34878D82A}">
+                    <a16:rowId xmlns:a16="http://schemas.microsoft.com/office/drawing/2014/main" val="10003"/>
+                  </a:ext>
+                </a:extLst>
+              </a:tr>
+              <a:tr h="195561">
+                <a:tc>
+                  <a:txBody>
+                    <a:bodyPr/>
+                    <a:lstStyle/>
+                    <a:p>
+                      <a:pPr algn="ctr" latinLnBrk="1"/>
+                      <a:r>
+                        <a:rPr lang="en-US" altLang="ko-KR" sz="1050" b="0" dirty="0">
+                          <a:solidFill>
+                            <a:schemeClr val="tx1"/>
+                          </a:solidFill>
+                          <a:latin typeface="맑은 고딕" pitchFamily="50" charset="-127"/>
+                          <a:ea typeface="맑은 고딕" pitchFamily="50" charset="-127"/>
+                        </a:rPr>
+                        <a:t>3</a:t>
+                      </a:r>
+                      <a:endParaRPr lang="ko-KR" altLang="en-US" sz="1050" b="0" dirty="0">
+                        <a:solidFill>
+                          <a:schemeClr val="tx1"/>
+                        </a:solidFill>
+                        <a:latin typeface="맑은 고딕" pitchFamily="50" charset="-127"/>
+                        <a:ea typeface="맑은 고딕" pitchFamily="50" charset="-127"/>
+                      </a:endParaRPr>
+                    </a:p>
+                  </a:txBody>
+                  <a:tcPr anchor="ctr">
+                    <a:solidFill>
+                      <a:schemeClr val="bg1"/>
+                    </a:solidFill>
+                  </a:tcPr>
+                </a:tc>
+                <a:tc>
+                  <a:txBody>
+                    <a:bodyPr/>
+                    <a:lstStyle/>
+                    <a:p>
+                      <a:pPr algn="ctr" latinLnBrk="1"/>
+                      <a:r>
+                        <a:rPr lang="en-US" altLang="ko-KR" sz="1050" b="0" dirty="0">
+                          <a:solidFill>
+                            <a:schemeClr val="tx1"/>
+                          </a:solidFill>
+                          <a:latin typeface="맑은 고딕" pitchFamily="50" charset="-127"/>
+                          <a:ea typeface="맑은 고딕" pitchFamily="50" charset="-127"/>
+                        </a:rPr>
+                        <a:t>O</a:t>
+                      </a:r>
+                      <a:endParaRPr lang="ko-KR" altLang="en-US" sz="1050" b="0" dirty="0">
+                        <a:solidFill>
+                          <a:schemeClr val="tx1"/>
+                        </a:solidFill>
+                        <a:latin typeface="맑은 고딕" pitchFamily="50" charset="-127"/>
+                        <a:ea typeface="맑은 고딕" pitchFamily="50" charset="-127"/>
+                      </a:endParaRPr>
+                    </a:p>
+                  </a:txBody>
+                  <a:tcPr anchor="ctr">
+                    <a:solidFill>
+                      <a:schemeClr val="bg1"/>
+                    </a:solidFill>
+                  </a:tcPr>
+                </a:tc>
+                <a:tc>
+                  <a:txBody>
+                    <a:bodyPr/>
+                    <a:lstStyle/>
+                    <a:p>
+                      <a:pPr latinLnBrk="1"/>
+                      <a:r>
+                        <a:rPr lang="en-US" altLang="ko-KR" sz="1050" b="0" dirty="0">
+                          <a:solidFill>
+                            <a:schemeClr val="tx1"/>
+                          </a:solidFill>
+                          <a:latin typeface="맑은 고딕" pitchFamily="50" charset="-127"/>
+                          <a:ea typeface="맑은 고딕" pitchFamily="50" charset="-127"/>
+                        </a:rPr>
+                        <a:t>ID</a:t>
+                      </a:r>
+                      <a:endParaRPr lang="ko-KR" altLang="en-US" sz="1050" b="0" dirty="0">
+                        <a:solidFill>
+                          <a:schemeClr val="tx1"/>
+                        </a:solidFill>
+                        <a:latin typeface="맑은 고딕" pitchFamily="50" charset="-127"/>
+                        <a:ea typeface="맑은 고딕" pitchFamily="50" charset="-127"/>
+                      </a:endParaRPr>
+                    </a:p>
+                  </a:txBody>
+                  <a:tcPr anchor="ctr">
+                    <a:solidFill>
+                      <a:schemeClr val="bg1"/>
+                    </a:solidFill>
+                  </a:tcPr>
+                </a:tc>
+                <a:tc>
+                  <a:txBody>
+                    <a:bodyPr/>
+                    <a:lstStyle/>
+                    <a:p>
+                      <a:pPr latinLnBrk="1"/>
+                      <a:r>
+                        <a:rPr lang="en-US" altLang="ko-KR" sz="1050" b="0" dirty="0">
+                          <a:solidFill>
+                            <a:schemeClr val="tx1"/>
+                          </a:solidFill>
+                          <a:latin typeface="맑은 고딕" pitchFamily="50" charset="-127"/>
+                          <a:ea typeface="맑은 고딕" pitchFamily="50" charset="-127"/>
+                        </a:rPr>
+                        <a:t>Text View</a:t>
+                      </a:r>
+                      <a:endParaRPr lang="ko-KR" altLang="en-US" sz="1050" b="0" dirty="0">
+                        <a:solidFill>
+                          <a:schemeClr val="tx1"/>
+                        </a:solidFill>
+                        <a:latin typeface="맑은 고딕" pitchFamily="50" charset="-127"/>
+                        <a:ea typeface="맑은 고딕" pitchFamily="50" charset="-127"/>
+                      </a:endParaRPr>
+                    </a:p>
+                  </a:txBody>
+                  <a:tcPr anchor="ctr">
+                    <a:solidFill>
+                      <a:schemeClr val="bg1"/>
+                    </a:solidFill>
+                  </a:tcPr>
+                </a:tc>
+                <a:extLst>
+                  <a:ext uri="{0D108BD9-81ED-4DB2-BD59-A6C34878D82A}">
+                    <a16:rowId xmlns:a16="http://schemas.microsoft.com/office/drawing/2014/main" val="10004"/>
+                  </a:ext>
+                </a:extLst>
+              </a:tr>
+              <a:tr h="195561">
+                <a:tc>
+                  <a:txBody>
+                    <a:bodyPr/>
+                    <a:lstStyle/>
+                    <a:p>
+                      <a:pPr algn="ctr" latinLnBrk="1"/>
+                      <a:r>
+                        <a:rPr lang="en-US" altLang="ko-KR" sz="1050" b="0" dirty="0">
+                          <a:solidFill>
+                            <a:schemeClr val="tx1"/>
+                          </a:solidFill>
+                          <a:latin typeface="맑은 고딕" pitchFamily="50" charset="-127"/>
+                          <a:ea typeface="맑은 고딕" pitchFamily="50" charset="-127"/>
+                        </a:rPr>
+                        <a:t>4</a:t>
+                      </a:r>
+                      <a:endParaRPr lang="ko-KR" altLang="en-US" sz="1050" b="0" dirty="0">
+                        <a:solidFill>
+                          <a:schemeClr val="tx1"/>
+                        </a:solidFill>
+                        <a:latin typeface="맑은 고딕" pitchFamily="50" charset="-127"/>
+                        <a:ea typeface="맑은 고딕" pitchFamily="50" charset="-127"/>
+                      </a:endParaRPr>
+                    </a:p>
+                  </a:txBody>
+                  <a:tcPr anchor="ctr">
+                    <a:solidFill>
+                      <a:schemeClr val="bg1"/>
+                    </a:solidFill>
+                  </a:tcPr>
+                </a:tc>
+                <a:tc>
+                  <a:txBody>
+                    <a:bodyPr/>
+                    <a:lstStyle/>
+                    <a:p>
+                      <a:pPr algn="ctr" latinLnBrk="1"/>
+                      <a:r>
+                        <a:rPr lang="en-US" altLang="ko-KR" sz="1050" b="0" dirty="0">
+                          <a:solidFill>
+                            <a:schemeClr val="tx1"/>
+                          </a:solidFill>
+                          <a:latin typeface="맑은 고딕" pitchFamily="50" charset="-127"/>
+                          <a:ea typeface="맑은 고딕" pitchFamily="50" charset="-127"/>
+                        </a:rPr>
+                        <a:t>O</a:t>
+                      </a:r>
+                      <a:endParaRPr lang="ko-KR" altLang="en-US" sz="1050" b="0" dirty="0">
+                        <a:solidFill>
+                          <a:schemeClr val="tx1"/>
+                        </a:solidFill>
+                        <a:latin typeface="맑은 고딕" pitchFamily="50" charset="-127"/>
+                        <a:ea typeface="맑은 고딕" pitchFamily="50" charset="-127"/>
+                      </a:endParaRPr>
+                    </a:p>
+                  </a:txBody>
+                  <a:tcPr anchor="ctr">
+                    <a:solidFill>
+                      <a:schemeClr val="bg1"/>
+                    </a:solidFill>
+                  </a:tcPr>
+                </a:tc>
+                <a:tc>
+                  <a:txBody>
+                    <a:bodyPr/>
+                    <a:lstStyle/>
+                    <a:p>
+                      <a:pPr latinLnBrk="1"/>
+                      <a:r>
+                        <a:rPr lang="en-US" altLang="ko-KR" sz="1050" b="0" dirty="0">
+                          <a:solidFill>
+                            <a:schemeClr val="tx1"/>
+                          </a:solidFill>
+                          <a:latin typeface="맑은 고딕" pitchFamily="50" charset="-127"/>
+                          <a:ea typeface="맑은 고딕" pitchFamily="50" charset="-127"/>
+                        </a:rPr>
+                        <a:t>Password</a:t>
+                      </a:r>
+                      <a:endParaRPr lang="ko-KR" altLang="en-US" sz="1050" b="0" dirty="0">
+                        <a:solidFill>
+                          <a:schemeClr val="tx1"/>
+                        </a:solidFill>
+                        <a:latin typeface="맑은 고딕" pitchFamily="50" charset="-127"/>
+                        <a:ea typeface="맑은 고딕" pitchFamily="50" charset="-127"/>
+                      </a:endParaRPr>
+                    </a:p>
+                  </a:txBody>
+                  <a:tcPr anchor="ctr">
+                    <a:solidFill>
+                      <a:schemeClr val="bg1"/>
+                    </a:solidFill>
+                  </a:tcPr>
+                </a:tc>
+                <a:tc>
+                  <a:txBody>
+                    <a:bodyPr/>
+                    <a:lstStyle/>
+                    <a:p>
+                      <a:pPr latinLnBrk="1"/>
+                      <a:r>
+                        <a:rPr lang="en-US" altLang="ko-KR" sz="1050" b="0" dirty="0">
+                          <a:solidFill>
+                            <a:schemeClr val="tx1"/>
+                          </a:solidFill>
+                          <a:latin typeface="맑은 고딕" pitchFamily="50" charset="-127"/>
+                          <a:ea typeface="맑은 고딕" pitchFamily="50" charset="-127"/>
+                        </a:rPr>
+                        <a:t>Text View</a:t>
+                      </a:r>
+                      <a:endParaRPr lang="ko-KR" altLang="en-US" sz="1050" b="0" dirty="0">
+                        <a:solidFill>
+                          <a:schemeClr val="tx1"/>
+                        </a:solidFill>
+                        <a:latin typeface="맑은 고딕" pitchFamily="50" charset="-127"/>
+                        <a:ea typeface="맑은 고딕" pitchFamily="50" charset="-127"/>
+                      </a:endParaRPr>
+                    </a:p>
+                  </a:txBody>
+                  <a:tcPr anchor="ctr">
+                    <a:solidFill>
+                      <a:schemeClr val="bg1"/>
+                    </a:solidFill>
+                  </a:tcPr>
+                </a:tc>
+                <a:extLst>
+                  <a:ext uri="{0D108BD9-81ED-4DB2-BD59-A6C34878D82A}">
+                    <a16:rowId xmlns:a16="http://schemas.microsoft.com/office/drawing/2014/main" val="3870700340"/>
+                  </a:ext>
+                </a:extLst>
+              </a:tr>
+              <a:tr h="195561">
+                <a:tc>
+                  <a:txBody>
+                    <a:bodyPr/>
+                    <a:lstStyle/>
+                    <a:p>
+                      <a:pPr algn="ctr" latinLnBrk="1"/>
+                      <a:r>
+                        <a:rPr lang="en-US" altLang="ko-KR" sz="1050" b="0" dirty="0">
+                          <a:solidFill>
+                            <a:schemeClr val="tx1"/>
+                          </a:solidFill>
+                          <a:latin typeface="맑은 고딕" pitchFamily="50" charset="-127"/>
+                          <a:ea typeface="맑은 고딕" pitchFamily="50" charset="-127"/>
+                        </a:rPr>
+                        <a:t>5</a:t>
+                      </a:r>
+                      <a:endParaRPr lang="ko-KR" altLang="en-US" sz="1050" b="0" dirty="0">
+                        <a:solidFill>
+                          <a:schemeClr val="tx1"/>
+                        </a:solidFill>
+                        <a:latin typeface="맑은 고딕" pitchFamily="50" charset="-127"/>
+                        <a:ea typeface="맑은 고딕" pitchFamily="50" charset="-127"/>
+                      </a:endParaRPr>
+                    </a:p>
+                  </a:txBody>
+                  <a:tcPr anchor="ctr">
+                    <a:solidFill>
+                      <a:schemeClr val="bg1"/>
+                    </a:solidFill>
+                  </a:tcPr>
+                </a:tc>
+                <a:tc>
+                  <a:txBody>
+                    <a:bodyPr/>
+                    <a:lstStyle/>
+                    <a:p>
+                      <a:pPr algn="ctr" latinLnBrk="1"/>
+                      <a:r>
+                        <a:rPr lang="en-US" altLang="ko-KR" sz="1050" b="0" dirty="0">
+                          <a:solidFill>
+                            <a:schemeClr val="tx1"/>
+                          </a:solidFill>
+                          <a:latin typeface="맑은 고딕" pitchFamily="50" charset="-127"/>
+                          <a:ea typeface="맑은 고딕" pitchFamily="50" charset="-127"/>
+                        </a:rPr>
+                        <a:t>I/O</a:t>
+                      </a:r>
+                      <a:endParaRPr lang="ko-KR" altLang="en-US" sz="1050" b="0" dirty="0">
+                        <a:solidFill>
+                          <a:schemeClr val="tx1"/>
+                        </a:solidFill>
+                        <a:latin typeface="맑은 고딕" pitchFamily="50" charset="-127"/>
+                        <a:ea typeface="맑은 고딕" pitchFamily="50" charset="-127"/>
+                      </a:endParaRPr>
+                    </a:p>
+                  </a:txBody>
+                  <a:tcPr anchor="ctr">
+                    <a:solidFill>
+                      <a:schemeClr val="bg1"/>
+                    </a:solidFill>
+                  </a:tcPr>
+                </a:tc>
+                <a:tc>
+                  <a:txBody>
+                    <a:bodyPr/>
+                    <a:lstStyle/>
+                    <a:p>
+                      <a:pPr latinLnBrk="1"/>
+                      <a:r>
+                        <a:rPr lang="ko-KR" altLang="en-US" sz="1050" b="0" dirty="0">
+                          <a:solidFill>
+                            <a:schemeClr val="tx1"/>
+                          </a:solidFill>
+                          <a:latin typeface="맑은 고딕" pitchFamily="50" charset="-127"/>
+                          <a:ea typeface="맑은 고딕" pitchFamily="50" charset="-127"/>
+                        </a:rPr>
+                        <a:t>메뉴</a:t>
+                      </a:r>
+                      <a:r>
+                        <a:rPr lang="en-US" altLang="ko-KR" sz="1050" b="0" dirty="0">
+                          <a:solidFill>
+                            <a:schemeClr val="tx1"/>
+                          </a:solidFill>
+                          <a:latin typeface="맑은 고딕" pitchFamily="50" charset="-127"/>
+                          <a:ea typeface="맑은 고딕" pitchFamily="50" charset="-127"/>
+                        </a:rPr>
+                        <a:t> </a:t>
+                      </a:r>
+                      <a:r>
+                        <a:rPr lang="ko-KR" altLang="en-US" sz="1050" b="0" dirty="0">
+                          <a:solidFill>
+                            <a:schemeClr val="tx1"/>
+                          </a:solidFill>
+                          <a:latin typeface="맑은 고딕" pitchFamily="50" charset="-127"/>
+                          <a:ea typeface="맑은 고딕" pitchFamily="50" charset="-127"/>
+                        </a:rPr>
+                        <a:t>화면 이동</a:t>
+                      </a:r>
+                    </a:p>
+                  </a:txBody>
+                  <a:tcPr anchor="ctr">
+                    <a:solidFill>
+                      <a:schemeClr val="bg1"/>
+                    </a:solidFill>
+                  </a:tcPr>
+                </a:tc>
+                <a:tc>
+                  <a:txBody>
+                    <a:bodyPr/>
+                    <a:lstStyle/>
+                    <a:p>
+                      <a:pPr latinLnBrk="1"/>
+                      <a:r>
+                        <a:rPr lang="en-US" altLang="ko-KR" sz="1050" b="0" dirty="0">
+                          <a:solidFill>
+                            <a:schemeClr val="tx1"/>
+                          </a:solidFill>
+                          <a:latin typeface="맑은 고딕" pitchFamily="50" charset="-127"/>
+                          <a:ea typeface="맑은 고딕" pitchFamily="50" charset="-127"/>
+                        </a:rPr>
+                        <a:t>Button</a:t>
+                      </a:r>
+                      <a:endParaRPr lang="ko-KR" altLang="en-US" sz="1050" b="0" dirty="0">
+                        <a:solidFill>
+                          <a:schemeClr val="tx1"/>
+                        </a:solidFill>
+                        <a:latin typeface="맑은 고딕" pitchFamily="50" charset="-127"/>
+                        <a:ea typeface="맑은 고딕" pitchFamily="50" charset="-127"/>
+                      </a:endParaRPr>
+                    </a:p>
+                  </a:txBody>
+                  <a:tcPr anchor="ctr">
+                    <a:solidFill>
+                      <a:schemeClr val="bg1"/>
+                    </a:solidFill>
+                  </a:tcPr>
+                </a:tc>
+                <a:extLst>
+                  <a:ext uri="{0D108BD9-81ED-4DB2-BD59-A6C34878D82A}">
+                    <a16:rowId xmlns:a16="http://schemas.microsoft.com/office/drawing/2014/main" val="4257161661"/>
+                  </a:ext>
+                </a:extLst>
+              </a:tr>
+              <a:tr h="195561">
+                <a:tc>
+                  <a:txBody>
+                    <a:bodyPr/>
+                    <a:lstStyle/>
+                    <a:p>
+                      <a:pPr algn="ctr" latinLnBrk="1"/>
+                      <a:r>
+                        <a:rPr lang="en-US" altLang="ko-KR" sz="1050" b="0" dirty="0">
+                          <a:solidFill>
+                            <a:schemeClr val="tx1"/>
+                          </a:solidFill>
+                          <a:latin typeface="맑은 고딕" pitchFamily="50" charset="-127"/>
+                          <a:ea typeface="맑은 고딕" pitchFamily="50" charset="-127"/>
+                        </a:rPr>
+                        <a:t>6</a:t>
+                      </a:r>
+                      <a:endParaRPr lang="ko-KR" altLang="en-US" sz="1050" b="0" dirty="0">
+                        <a:solidFill>
+                          <a:schemeClr val="tx1"/>
+                        </a:solidFill>
+                        <a:latin typeface="맑은 고딕" pitchFamily="50" charset="-127"/>
+                        <a:ea typeface="맑은 고딕" pitchFamily="50" charset="-127"/>
+                      </a:endParaRPr>
+                    </a:p>
+                  </a:txBody>
+                  <a:tcPr anchor="ctr">
+                    <a:solidFill>
+                      <a:schemeClr val="bg1"/>
+                    </a:solidFill>
+                  </a:tcPr>
+                </a:tc>
+                <a:tc>
+                  <a:txBody>
+                    <a:bodyPr/>
+                    <a:lstStyle/>
+                    <a:p>
+                      <a:pPr algn="ctr" latinLnBrk="1"/>
+                      <a:r>
+                        <a:rPr lang="en-US" altLang="ko-KR" sz="1050" b="0" dirty="0">
+                          <a:solidFill>
+                            <a:schemeClr val="tx1"/>
+                          </a:solidFill>
+                          <a:latin typeface="맑은 고딕" pitchFamily="50" charset="-127"/>
+                          <a:ea typeface="맑은 고딕" pitchFamily="50" charset="-127"/>
+                        </a:rPr>
+                        <a:t>I/O</a:t>
+                      </a:r>
+                      <a:endParaRPr lang="ko-KR" altLang="en-US" sz="1050" b="0" dirty="0">
+                        <a:solidFill>
+                          <a:schemeClr val="tx1"/>
+                        </a:solidFill>
+                        <a:latin typeface="맑은 고딕" pitchFamily="50" charset="-127"/>
+                        <a:ea typeface="맑은 고딕" pitchFamily="50" charset="-127"/>
+                      </a:endParaRPr>
+                    </a:p>
+                  </a:txBody>
+                  <a:tcPr anchor="ctr">
+                    <a:solidFill>
+                      <a:schemeClr val="bg1"/>
+                    </a:solidFill>
+                  </a:tcPr>
+                </a:tc>
+                <a:tc>
+                  <a:txBody>
+                    <a:bodyPr/>
+                    <a:lstStyle/>
+                    <a:p>
+                      <a:pPr latinLnBrk="1"/>
+                      <a:r>
+                        <a:rPr lang="ko-KR" altLang="en-US" sz="1050" b="0" dirty="0">
+                          <a:solidFill>
+                            <a:schemeClr val="tx1"/>
+                          </a:solidFill>
+                          <a:latin typeface="맑은 고딕" pitchFamily="50" charset="-127"/>
+                          <a:ea typeface="맑은 고딕" pitchFamily="50" charset="-127"/>
+                        </a:rPr>
+                        <a:t>회원가입 화면 이동</a:t>
+                      </a:r>
+                    </a:p>
+                  </a:txBody>
+                  <a:tcPr anchor="ctr">
+                    <a:solidFill>
+                      <a:schemeClr val="bg1"/>
+                    </a:solidFill>
+                  </a:tcPr>
+                </a:tc>
+                <a:tc>
+                  <a:txBody>
+                    <a:bodyPr/>
+                    <a:lstStyle/>
+                    <a:p>
+                      <a:pPr latinLnBrk="1"/>
+                      <a:r>
+                        <a:rPr lang="en-US" altLang="ko-KR" sz="1050" b="0" dirty="0">
+                          <a:solidFill>
+                            <a:schemeClr val="tx1"/>
+                          </a:solidFill>
+                          <a:latin typeface="맑은 고딕" pitchFamily="50" charset="-127"/>
+                          <a:ea typeface="맑은 고딕" pitchFamily="50" charset="-127"/>
+                        </a:rPr>
+                        <a:t>Button</a:t>
+                      </a:r>
+                      <a:endParaRPr lang="ko-KR" altLang="en-US" sz="1050" b="0" dirty="0">
+                        <a:solidFill>
+                          <a:schemeClr val="tx1"/>
+                        </a:solidFill>
+                        <a:latin typeface="맑은 고딕" pitchFamily="50" charset="-127"/>
+                        <a:ea typeface="맑은 고딕" pitchFamily="50" charset="-127"/>
+                      </a:endParaRPr>
+                    </a:p>
+                  </a:txBody>
+                  <a:tcPr anchor="ctr">
+                    <a:solidFill>
+                      <a:schemeClr val="bg1"/>
+                    </a:solidFill>
+                  </a:tcPr>
+                </a:tc>
+                <a:extLst>
+                  <a:ext uri="{0D108BD9-81ED-4DB2-BD59-A6C34878D82A}">
+                    <a16:rowId xmlns:a16="http://schemas.microsoft.com/office/drawing/2014/main" val="4280233182"/>
+                  </a:ext>
+                </a:extLst>
+              </a:tr>
+            </a:tbl>
+          </a:graphicData>
+        </a:graphic>
+      </p:graphicFrame>
+      <p:graphicFrame>
+        <p:nvGraphicFramePr>
+          <p:cNvPr id="23" name="Group 240"/>
+          <p:cNvGraphicFramePr>
+            <a:graphicFrameLocks noGrp="1"/>
+          </p:cNvGraphicFramePr>
+          <p:nvPr>
+            <p:extLst>
+              <p:ext uri="{D42A27DB-BD31-4B8C-83A1-F6EECF244321}">
+                <p14:modId xmlns:p14="http://schemas.microsoft.com/office/powerpoint/2010/main" val="3621981283"/>
+              </p:ext>
+            </p:extLst>
+          </p:nvPr>
+        </p:nvGraphicFramePr>
+        <p:xfrm>
+          <a:off x="101602" y="107950"/>
+          <a:ext cx="8933342" cy="893831"/>
+        </p:xfrm>
+        <a:graphic>
+          <a:graphicData uri="http://schemas.openxmlformats.org/drawingml/2006/table">
+            <a:tbl>
+              <a:tblPr/>
+              <a:tblGrid>
+                <a:gridCol w="1024554">
+                  <a:extLst>
+                    <a:ext uri="{9D8B030D-6E8A-4147-A177-3AD203B41FA5}">
+                      <a16:colId xmlns:a16="http://schemas.microsoft.com/office/drawing/2014/main" val="20000"/>
+                    </a:ext>
+                  </a:extLst>
+                </a:gridCol>
+                <a:gridCol w="2983884">
+                  <a:extLst>
+                    <a:ext uri="{9D8B030D-6E8A-4147-A177-3AD203B41FA5}">
+                      <a16:colId xmlns:a16="http://schemas.microsoft.com/office/drawing/2014/main" val="20001"/>
+                    </a:ext>
+                  </a:extLst>
+                </a:gridCol>
+                <a:gridCol w="1196090">
+                  <a:extLst>
+                    <a:ext uri="{9D8B030D-6E8A-4147-A177-3AD203B41FA5}">
+                      <a16:colId xmlns:a16="http://schemas.microsoft.com/office/drawing/2014/main" val="20002"/>
+                    </a:ext>
+                  </a:extLst>
+                </a:gridCol>
+                <a:gridCol w="1859283">
+                  <a:extLst>
+                    <a:ext uri="{9D8B030D-6E8A-4147-A177-3AD203B41FA5}">
+                      <a16:colId xmlns:a16="http://schemas.microsoft.com/office/drawing/2014/main" val="20003"/>
+                    </a:ext>
+                  </a:extLst>
+                </a:gridCol>
+                <a:gridCol w="597313">
+                  <a:extLst>
+                    <a:ext uri="{9D8B030D-6E8A-4147-A177-3AD203B41FA5}">
+                      <a16:colId xmlns:a16="http://schemas.microsoft.com/office/drawing/2014/main" val="20004"/>
+                    </a:ext>
+                  </a:extLst>
+                </a:gridCol>
+                <a:gridCol w="1272218">
+                  <a:extLst>
+                    <a:ext uri="{9D8B030D-6E8A-4147-A177-3AD203B41FA5}">
+                      <a16:colId xmlns:a16="http://schemas.microsoft.com/office/drawing/2014/main" val="20005"/>
+                    </a:ext>
+                  </a:extLst>
+                </a:gridCol>
+              </a:tblGrid>
+              <a:tr h="299619">
+                <a:tc>
+                  <a:txBody>
+                    <a:bodyPr/>
+                    <a:lstStyle/>
+                    <a:p>
+                      <a:pPr marL="0" marR="0" lvl="0" indent="0" algn="ctr" defTabSz="914400" rtl="0" eaLnBrk="1" fontAlgn="base" latinLnBrk="1" hangingPunct="1">
+                        <a:lnSpc>
+                          <a:spcPct val="100000"/>
+                        </a:lnSpc>
+                        <a:spcBef>
+                          <a:spcPct val="0"/>
+                        </a:spcBef>
+                        <a:spcAft>
+                          <a:spcPct val="0"/>
+                        </a:spcAft>
+                        <a:buClrTx/>
+                        <a:buSzTx/>
+                        <a:buFontTx/>
+                        <a:buNone/>
+                        <a:tabLst/>
+                      </a:pPr>
+                      <a:r>
+                        <a:rPr kumimoji="1" lang="ko-KR" altLang="en-US" sz="900" b="0" i="0" u="none" strike="noStrike" cap="none" normalizeH="0" baseline="0" dirty="0">
+                          <a:ln>
+                            <a:noFill/>
+                          </a:ln>
+                          <a:solidFill>
+                            <a:schemeClr val="tx1"/>
+                          </a:solidFill>
+                          <a:effectLst/>
+                          <a:latin typeface="맑은 고딕" pitchFamily="50" charset="-127"/>
+                          <a:ea typeface="맑은 고딕" pitchFamily="50" charset="-127"/>
+                        </a:rPr>
+                        <a:t>프로젝트 명</a:t>
+                      </a:r>
+                      <a:endParaRPr kumimoji="1" lang="ko-KR" altLang="ko-KR" sz="900" b="0" i="0" u="none" strike="noStrike" cap="none" normalizeH="0" baseline="0" dirty="0">
+                        <a:ln>
+                          <a:noFill/>
+                        </a:ln>
+                        <a:solidFill>
+                          <a:schemeClr val="tx1"/>
+                        </a:solidFill>
+                        <a:effectLst/>
+                        <a:latin typeface="맑은 고딕" pitchFamily="50" charset="-127"/>
+                        <a:ea typeface="맑은 고딕" pitchFamily="50" charset="-127"/>
+                      </a:endParaRPr>
+                    </a:p>
+                  </a:txBody>
+                  <a:tcPr marL="36000" marR="36000" marT="18000" marB="18000" anchor="ctr" horzOverflow="overflow">
+                    <a:lnL w="12700" cap="flat" cmpd="sng" algn="ctr">
+                      <a:solidFill>
+                        <a:schemeClr val="tx1"/>
+                      </a:solidFill>
+                      <a:prstDash val="solid"/>
+                      <a:round/>
+                      <a:headEnd type="none" w="med" len="med"/>
+                      <a:tailEnd type="none" w="med" len="med"/>
+                    </a:lnL>
+                    <a:lnR w="12700" cap="flat" cmpd="sng" algn="ctr">
+                      <a:solidFill>
+                        <a:schemeClr val="tx1"/>
+                      </a:solidFill>
+                      <a:prstDash val="solid"/>
+                      <a:round/>
+                      <a:headEnd type="none" w="med" len="med"/>
+                      <a:tailEnd type="none" w="med" len="med"/>
+                    </a:lnR>
+                    <a:lnT w="12700" cap="flat" cmpd="sng" algn="ctr">
+                      <a:solidFill>
+                        <a:schemeClr val="tx1"/>
+                      </a:solidFill>
+                      <a:prstDash val="solid"/>
+                      <a:round/>
+                      <a:headEnd type="none" w="med" len="med"/>
+                      <a:tailEnd type="none" w="med" len="med"/>
+                    </a:lnT>
+                    <a:lnB w="12700" cap="flat" cmpd="sng" algn="ctr">
+                      <a:solidFill>
+                        <a:schemeClr val="tx1"/>
+                      </a:solidFill>
+                      <a:prstDash val="solid"/>
+                      <a:round/>
+                      <a:headEnd type="none" w="med" len="med"/>
+                      <a:tailEnd type="none" w="med" len="med"/>
+                    </a:lnB>
+                    <a:lnTlToBr>
+                      <a:noFill/>
+                    </a:lnTlToBr>
+                    <a:lnBlToTr>
+                      <a:noFill/>
+                    </a:lnBlToTr>
+                    <a:solidFill>
+                      <a:srgbClr val="EEEEEE"/>
+                    </a:solidFill>
+                  </a:tcPr>
+                </a:tc>
+                <a:tc>
+                  <a:txBody>
+                    <a:bodyPr/>
+                    <a:lstStyle/>
+                    <a:p>
+                      <a:pPr marL="0" marR="0" lvl="0" indent="0" algn="ctr" defTabSz="914400" rtl="0" eaLnBrk="1" fontAlgn="base" latinLnBrk="1" hangingPunct="1">
+                        <a:lnSpc>
+                          <a:spcPct val="100000"/>
+                        </a:lnSpc>
+                        <a:spcBef>
+                          <a:spcPct val="0"/>
+                        </a:spcBef>
+                        <a:spcAft>
+                          <a:spcPct val="0"/>
+                        </a:spcAft>
+                        <a:buClrTx/>
+                        <a:buSzTx/>
+                        <a:buFontTx/>
+                        <a:buNone/>
+                        <a:tabLst/>
+                      </a:pPr>
+                      <a:r>
+                        <a:rPr kumimoji="1" lang="ko-KR" altLang="en-US" sz="900" b="0" i="0" u="none" strike="noStrike" cap="none" normalizeH="0" baseline="0" dirty="0">
+                          <a:ln>
+                            <a:noFill/>
+                          </a:ln>
+                          <a:solidFill>
+                            <a:schemeClr val="tx1"/>
+                          </a:solidFill>
+                          <a:effectLst/>
+                          <a:latin typeface="맑은 고딕" pitchFamily="50" charset="-127"/>
+                          <a:ea typeface="맑은 고딕" pitchFamily="50" charset="-127"/>
+                        </a:rPr>
+                        <a:t>이것도 찾아보시지</a:t>
+                      </a:r>
+                      <a:endParaRPr kumimoji="1" lang="ko-KR" altLang="ko-KR" sz="900" b="0" i="0" u="none" strike="noStrike" cap="none" normalizeH="0" baseline="0" dirty="0">
+                        <a:ln>
+                          <a:noFill/>
+                        </a:ln>
+                        <a:solidFill>
+                          <a:schemeClr val="tx1"/>
+                        </a:solidFill>
+                        <a:effectLst/>
+                        <a:latin typeface="맑은 고딕" pitchFamily="50" charset="-127"/>
+                        <a:ea typeface="맑은 고딕" pitchFamily="50" charset="-127"/>
+                      </a:endParaRPr>
+                    </a:p>
+                  </a:txBody>
+                  <a:tcPr marL="36000" marR="36000" marT="18000" marB="18000" anchor="ctr" horzOverflow="overflow">
+                    <a:lnL w="12700" cap="flat" cmpd="sng" algn="ctr">
+                      <a:solidFill>
+                        <a:schemeClr val="tx1"/>
+                      </a:solidFill>
+                      <a:prstDash val="solid"/>
+                      <a:round/>
+                      <a:headEnd type="none" w="med" len="med"/>
+                      <a:tailEnd type="none" w="med" len="med"/>
+                    </a:lnL>
+                    <a:lnR w="12700" cap="flat" cmpd="sng" algn="ctr">
+                      <a:solidFill>
+                        <a:schemeClr val="tx1"/>
+                      </a:solidFill>
+                      <a:prstDash val="solid"/>
+                      <a:round/>
+                      <a:headEnd type="none" w="med" len="med"/>
+                      <a:tailEnd type="none" w="med" len="med"/>
+                    </a:lnR>
+                    <a:lnT w="12700" cap="flat" cmpd="sng" algn="ctr">
+                      <a:solidFill>
+                        <a:schemeClr val="tx1"/>
+                      </a:solidFill>
+                      <a:prstDash val="solid"/>
+                      <a:round/>
+                      <a:headEnd type="none" w="med" len="med"/>
+                      <a:tailEnd type="none" w="med" len="med"/>
+                    </a:lnT>
+                    <a:lnB w="12700" cap="flat" cmpd="sng" algn="ctr">
+                      <a:solidFill>
+                        <a:schemeClr val="tx1"/>
+                      </a:solidFill>
+                      <a:prstDash val="solid"/>
+                      <a:round/>
+                      <a:headEnd type="none" w="med" len="med"/>
+                      <a:tailEnd type="none" w="med" len="med"/>
+                    </a:lnB>
+                    <a:lnTlToBr>
+                      <a:noFill/>
+                    </a:lnTlToBr>
+                    <a:lnBlToTr>
+                      <a:noFill/>
+                    </a:lnBlToTr>
+                    <a:noFill/>
+                  </a:tcPr>
+                </a:tc>
+                <a:tc>
+                  <a:txBody>
+                    <a:bodyPr/>
+                    <a:lstStyle/>
+                    <a:p>
+                      <a:pPr marL="0" marR="0" lvl="0" indent="0" algn="ctr" defTabSz="914400" rtl="0" eaLnBrk="1" fontAlgn="base" latinLnBrk="1" hangingPunct="1">
+                        <a:lnSpc>
+                          <a:spcPct val="100000"/>
+                        </a:lnSpc>
+                        <a:spcBef>
+                          <a:spcPct val="0"/>
+                        </a:spcBef>
+                        <a:spcAft>
+                          <a:spcPct val="0"/>
+                        </a:spcAft>
+                        <a:buClrTx/>
+                        <a:buSzTx/>
+                        <a:buFontTx/>
+                        <a:buNone/>
+                        <a:tabLst/>
+                      </a:pPr>
+                      <a:r>
+                        <a:rPr kumimoji="1" lang="ko-KR" altLang="en-US" sz="900" b="0" i="0" u="none" strike="noStrike" cap="none" normalizeH="0" baseline="0" dirty="0">
+                          <a:ln>
+                            <a:noFill/>
+                          </a:ln>
+                          <a:solidFill>
+                            <a:schemeClr val="tx1"/>
+                          </a:solidFill>
+                          <a:effectLst/>
+                          <a:latin typeface="맑은 고딕" pitchFamily="50" charset="-127"/>
+                          <a:ea typeface="맑은 고딕" pitchFamily="50" charset="-127"/>
+                        </a:rPr>
+                        <a:t>문서 명</a:t>
+                      </a:r>
+                      <a:endParaRPr kumimoji="1" lang="ko-KR" altLang="ko-KR" sz="900" b="0" i="0" u="none" strike="noStrike" cap="none" normalizeH="0" baseline="0" dirty="0">
+                        <a:ln>
+                          <a:noFill/>
+                        </a:ln>
+                        <a:solidFill>
+                          <a:schemeClr val="tx1"/>
+                        </a:solidFill>
+                        <a:effectLst/>
+                        <a:latin typeface="맑은 고딕" pitchFamily="50" charset="-127"/>
+                        <a:ea typeface="맑은 고딕" pitchFamily="50" charset="-127"/>
+                      </a:endParaRPr>
+                    </a:p>
+                  </a:txBody>
+                  <a:tcPr marL="36000" marR="36000" marT="18000" marB="18000" anchor="ctr" horzOverflow="overflow">
+                    <a:lnL w="12700" cap="flat" cmpd="sng" algn="ctr">
+                      <a:solidFill>
+                        <a:schemeClr val="tx1"/>
+                      </a:solidFill>
+                      <a:prstDash val="solid"/>
+                      <a:round/>
+                      <a:headEnd type="none" w="med" len="med"/>
+                      <a:tailEnd type="none" w="med" len="med"/>
+                    </a:lnL>
+                    <a:lnR w="12700" cap="flat" cmpd="sng" algn="ctr">
+                      <a:solidFill>
+                        <a:schemeClr val="tx1"/>
+                      </a:solidFill>
+                      <a:prstDash val="solid"/>
+                      <a:round/>
+                      <a:headEnd type="none" w="med" len="med"/>
+                      <a:tailEnd type="none" w="med" len="med"/>
+                    </a:lnR>
+                    <a:lnT w="12700" cap="flat" cmpd="sng" algn="ctr">
+                      <a:solidFill>
+                        <a:schemeClr val="tx1"/>
+                      </a:solidFill>
+                      <a:prstDash val="solid"/>
+                      <a:round/>
+                      <a:headEnd type="none" w="med" len="med"/>
+                      <a:tailEnd type="none" w="med" len="med"/>
+                    </a:lnT>
+                    <a:lnB w="12700" cap="flat" cmpd="sng" algn="ctr">
+                      <a:solidFill>
+                        <a:schemeClr val="tx1"/>
+                      </a:solidFill>
+                      <a:prstDash val="solid"/>
+                      <a:round/>
+                      <a:headEnd type="none" w="med" len="med"/>
+                      <a:tailEnd type="none" w="med" len="med"/>
+                    </a:lnB>
+                    <a:lnTlToBr>
+                      <a:noFill/>
+                    </a:lnTlToBr>
+                    <a:lnBlToTr>
+                      <a:noFill/>
+                    </a:lnBlToTr>
+                    <a:solidFill>
+                      <a:srgbClr val="EEEEEE"/>
+                    </a:solidFill>
+                  </a:tcPr>
+                </a:tc>
+                <a:tc gridSpan="3">
+                  <a:txBody>
+                    <a:bodyPr/>
+                    <a:lstStyle/>
+                    <a:p>
+                      <a:pPr marL="0" marR="0" lvl="0" indent="0" algn="ctr" defTabSz="914400" rtl="0" eaLnBrk="1" fontAlgn="base" latinLnBrk="1" hangingPunct="1">
+                        <a:lnSpc>
+                          <a:spcPct val="100000"/>
+                        </a:lnSpc>
+                        <a:spcBef>
+                          <a:spcPct val="0"/>
+                        </a:spcBef>
+                        <a:spcAft>
+                          <a:spcPct val="0"/>
+                        </a:spcAft>
+                        <a:buClrTx/>
+                        <a:buSzTx/>
+                        <a:buFontTx/>
+                        <a:buNone/>
+                        <a:tabLst/>
+                      </a:pPr>
+                      <a:r>
+                        <a:rPr kumimoji="1" lang="en-US" altLang="ko-KR" sz="900" b="0" i="0" u="none" strike="noStrike" cap="none" normalizeH="0" baseline="0" dirty="0">
+                          <a:ln>
+                            <a:noFill/>
+                          </a:ln>
+                          <a:solidFill>
+                            <a:schemeClr val="tx1"/>
+                          </a:solidFill>
+                          <a:effectLst/>
+                          <a:latin typeface="맑은 고딕" pitchFamily="50" charset="-127"/>
+                          <a:ea typeface="맑은 고딕" pitchFamily="50" charset="-127"/>
+                        </a:rPr>
+                        <a:t>UI Design</a:t>
+                      </a:r>
+                      <a:endParaRPr kumimoji="1" lang="ko-KR" sz="900" b="0" i="0" u="none" strike="noStrike" cap="none" normalizeH="0" baseline="0" dirty="0">
+                        <a:ln>
+                          <a:noFill/>
+                        </a:ln>
+                        <a:solidFill>
+                          <a:schemeClr val="tx1"/>
+                        </a:solidFill>
+                        <a:effectLst/>
+                        <a:latin typeface="맑은 고딕" pitchFamily="50" charset="-127"/>
+                        <a:ea typeface="맑은 고딕" pitchFamily="50" charset="-127"/>
+                      </a:endParaRPr>
+                    </a:p>
+                  </a:txBody>
+                  <a:tcPr marL="36000" marR="36000" marT="18000" marB="18000" anchor="ctr" horzOverflow="overflow">
+                    <a:lnL w="12700" cap="flat" cmpd="sng" algn="ctr">
+                      <a:solidFill>
+                        <a:schemeClr val="tx1"/>
+                      </a:solidFill>
+                      <a:prstDash val="solid"/>
+                      <a:round/>
+                      <a:headEnd type="none" w="med" len="med"/>
+                      <a:tailEnd type="none" w="med" len="med"/>
+                    </a:lnL>
+                    <a:lnR w="12700" cap="flat" cmpd="sng" algn="ctr">
+                      <a:solidFill>
+                        <a:schemeClr val="tx1"/>
+                      </a:solidFill>
+                      <a:prstDash val="solid"/>
+                      <a:round/>
+                      <a:headEnd type="none" w="med" len="med"/>
+                      <a:tailEnd type="none" w="med" len="med"/>
+                    </a:lnR>
+                    <a:lnT w="12700" cap="flat" cmpd="sng" algn="ctr">
+                      <a:solidFill>
+                        <a:schemeClr val="tx1"/>
+                      </a:solidFill>
+                      <a:prstDash val="solid"/>
+                      <a:round/>
+                      <a:headEnd type="none" w="med" len="med"/>
+                      <a:tailEnd type="none" w="med" len="med"/>
+                    </a:lnT>
+                    <a:lnB w="12700" cap="flat" cmpd="sng" algn="ctr">
+                      <a:solidFill>
+                        <a:schemeClr val="tx1"/>
+                      </a:solidFill>
+                      <a:prstDash val="solid"/>
+                      <a:round/>
+                      <a:headEnd type="none" w="med" len="med"/>
+                      <a:tailEnd type="none" w="med" len="med"/>
+                    </a:lnB>
+                    <a:lnTlToBr>
+                      <a:noFill/>
+                    </a:lnTlToBr>
+                    <a:lnBlToTr>
+                      <a:noFill/>
+                    </a:lnBlToTr>
+                    <a:noFill/>
+                  </a:tcPr>
+                </a:tc>
+                <a:tc hMerge="1">
+                  <a:txBody>
+                    <a:bodyPr/>
+                    <a:lstStyle/>
+                    <a:p>
+                      <a:pPr marL="0" marR="0" lvl="0" indent="0" algn="ctr" defTabSz="914400" rtl="0" eaLnBrk="1" fontAlgn="base" latinLnBrk="1" hangingPunct="1">
+                        <a:lnSpc>
+                          <a:spcPct val="100000"/>
+                        </a:lnSpc>
+                        <a:spcBef>
+                          <a:spcPct val="0"/>
+                        </a:spcBef>
+                        <a:spcAft>
+                          <a:spcPct val="0"/>
+                        </a:spcAft>
+                        <a:buClrTx/>
+                        <a:buSzTx/>
+                        <a:buFontTx/>
+                        <a:buNone/>
+                        <a:tabLst/>
+                      </a:pPr>
+                      <a:endParaRPr kumimoji="1" lang="ko-KR" sz="1800" b="0" i="0" u="none" strike="noStrike" cap="none" normalizeH="0" baseline="0" dirty="0">
+                        <a:ln>
+                          <a:noFill/>
+                        </a:ln>
+                        <a:solidFill>
+                          <a:schemeClr val="tx1"/>
+                        </a:solidFill>
+                        <a:effectLst/>
+                        <a:latin typeface="굴림" pitchFamily="50" charset="-127"/>
+                        <a:ea typeface="굴림" pitchFamily="50" charset="-127"/>
+                      </a:endParaRPr>
+                    </a:p>
+                  </a:txBody>
+                  <a:tcPr marL="36000" marR="36000" marT="18000" marB="18000" anchor="ctr" horzOverflow="overflow">
+                    <a:lnL w="3175" cap="flat" cmpd="sng" algn="ctr">
+                      <a:solidFill>
+                        <a:schemeClr val="bg2"/>
+                      </a:solidFill>
+                      <a:prstDash val="solid"/>
+                      <a:round/>
+                      <a:headEnd type="none" w="med" len="med"/>
+                      <a:tailEnd type="none" w="med" len="med"/>
+                    </a:lnL>
+                    <a:lnR w="3175" cap="flat" cmpd="sng" algn="ctr">
+                      <a:solidFill>
+                        <a:schemeClr val="bg2"/>
+                      </a:solidFill>
+                      <a:prstDash val="solid"/>
+                      <a:round/>
+                      <a:headEnd type="none" w="med" len="med"/>
+                      <a:tailEnd type="none" w="med" len="med"/>
+                    </a:lnR>
+                    <a:lnT w="3175" cap="flat" cmpd="sng" algn="ctr">
+                      <a:solidFill>
+                        <a:schemeClr val="bg2"/>
+                      </a:solidFill>
+                      <a:prstDash val="solid"/>
+                      <a:round/>
+                      <a:headEnd type="none" w="med" len="med"/>
+                      <a:tailEnd type="none" w="med" len="med"/>
+                    </a:lnT>
+                    <a:lnB w="3175" cap="flat" cmpd="sng" algn="ctr">
+                      <a:solidFill>
+                        <a:schemeClr val="bg2"/>
+                      </a:solidFill>
+                      <a:prstDash val="solid"/>
+                      <a:round/>
+                      <a:headEnd type="none" w="med" len="med"/>
+                      <a:tailEnd type="none" w="med" len="med"/>
+                    </a:lnB>
+                    <a:lnTlToBr>
+                      <a:noFill/>
+                    </a:lnTlToBr>
+                    <a:lnBlToTr>
+                      <a:noFill/>
+                    </a:lnBlToTr>
+                    <a:solidFill>
+                      <a:srgbClr val="EEEEEE"/>
+                    </a:solidFill>
+                  </a:tcPr>
+                </a:tc>
+                <a:tc hMerge="1">
+                  <a:txBody>
+                    <a:bodyPr/>
+                    <a:lstStyle/>
+                    <a:p>
+                      <a:pPr marL="0" marR="0" lvl="0" indent="0" algn="ctr" defTabSz="914400" rtl="0" eaLnBrk="1" fontAlgn="base" latinLnBrk="1" hangingPunct="1">
+                        <a:lnSpc>
+                          <a:spcPct val="100000"/>
+                        </a:lnSpc>
+                        <a:spcBef>
+                          <a:spcPct val="0"/>
+                        </a:spcBef>
+                        <a:spcAft>
+                          <a:spcPct val="0"/>
+                        </a:spcAft>
+                        <a:buClrTx/>
+                        <a:buSzTx/>
+                        <a:buFontTx/>
+                        <a:buNone/>
+                        <a:tabLst/>
+                      </a:pPr>
+                      <a:endParaRPr kumimoji="1" lang="ko-KR" altLang="ko-KR" sz="1800" b="0" i="0" u="none" strike="noStrike" cap="none" normalizeH="0" baseline="0" dirty="0">
+                        <a:ln>
+                          <a:noFill/>
+                        </a:ln>
+                        <a:solidFill>
+                          <a:schemeClr val="tx1"/>
+                        </a:solidFill>
+                        <a:effectLst/>
+                        <a:latin typeface="굴림" pitchFamily="50" charset="-127"/>
+                        <a:ea typeface="굴림" pitchFamily="50" charset="-127"/>
+                      </a:endParaRPr>
+                    </a:p>
+                  </a:txBody>
+                  <a:tcPr marL="36000" marR="36000" marT="18000" marB="18000" anchor="ctr" horzOverflow="overflow">
+                    <a:lnL w="3175" cap="flat" cmpd="sng" algn="ctr">
+                      <a:solidFill>
+                        <a:schemeClr val="bg2"/>
+                      </a:solidFill>
+                      <a:prstDash val="solid"/>
+                      <a:round/>
+                      <a:headEnd type="none" w="med" len="med"/>
+                      <a:tailEnd type="none" w="med" len="med"/>
+                    </a:lnL>
+                    <a:lnR w="3175" cap="flat" cmpd="sng" algn="ctr">
+                      <a:solidFill>
+                        <a:schemeClr val="bg2"/>
+                      </a:solidFill>
+                      <a:prstDash val="solid"/>
+                      <a:round/>
+                      <a:headEnd type="none" w="med" len="med"/>
+                      <a:tailEnd type="none" w="med" len="med"/>
+                    </a:lnR>
+                    <a:lnT w="3175" cap="flat" cmpd="sng" algn="ctr">
+                      <a:solidFill>
+                        <a:schemeClr val="bg2"/>
+                      </a:solidFill>
+                      <a:prstDash val="solid"/>
+                      <a:round/>
+                      <a:headEnd type="none" w="med" len="med"/>
+                      <a:tailEnd type="none" w="med" len="med"/>
+                    </a:lnT>
+                    <a:lnB w="3175" cap="flat" cmpd="sng" algn="ctr">
+                      <a:solidFill>
+                        <a:schemeClr val="bg2"/>
+                      </a:solidFill>
+                      <a:prstDash val="solid"/>
+                      <a:round/>
+                      <a:headEnd type="none" w="med" len="med"/>
+                      <a:tailEnd type="none" w="med" len="med"/>
+                    </a:lnB>
+                    <a:lnTlToBr>
+                      <a:noFill/>
+                    </a:lnTlToBr>
+                    <a:lnBlToTr>
+                      <a:noFill/>
+                    </a:lnBlToTr>
+                    <a:noFill/>
+                  </a:tcPr>
+                </a:tc>
+                <a:extLst>
+                  <a:ext uri="{0D108BD9-81ED-4DB2-BD59-A6C34878D82A}">
+                    <a16:rowId xmlns:a16="http://schemas.microsoft.com/office/drawing/2014/main" val="10000"/>
+                  </a:ext>
+                </a:extLst>
+              </a:tr>
+              <a:tr h="297106">
+                <a:tc>
+                  <a:txBody>
+                    <a:bodyPr/>
+                    <a:lstStyle/>
+                    <a:p>
+                      <a:pPr marL="0" marR="0" lvl="0" indent="0" algn="ctr" defTabSz="914400" rtl="0" eaLnBrk="1" fontAlgn="base" latinLnBrk="1" hangingPunct="1">
+                        <a:lnSpc>
+                          <a:spcPct val="100000"/>
+                        </a:lnSpc>
+                        <a:spcBef>
+                          <a:spcPct val="0"/>
+                        </a:spcBef>
+                        <a:spcAft>
+                          <a:spcPct val="0"/>
+                        </a:spcAft>
+                        <a:buClrTx/>
+                        <a:buSzTx/>
+                        <a:buFontTx/>
+                        <a:buNone/>
+                        <a:tabLst/>
+                      </a:pPr>
+                      <a:r>
+                        <a:rPr kumimoji="1" lang="ko-KR" sz="900" b="0" i="0" u="none" strike="noStrike" cap="none" normalizeH="0" baseline="0" dirty="0">
+                          <a:ln>
+                            <a:noFill/>
+                          </a:ln>
+                          <a:solidFill>
+                            <a:schemeClr val="tx1"/>
+                          </a:solidFill>
+                          <a:effectLst/>
+                          <a:latin typeface="맑은 고딕" pitchFamily="50" charset="-127"/>
+                          <a:ea typeface="맑은 고딕" pitchFamily="50" charset="-127"/>
+                        </a:rPr>
+                        <a:t>화면 명</a:t>
+                      </a:r>
+                    </a:p>
+                  </a:txBody>
+                  <a:tcPr marL="36000" marR="36000" marT="18000" marB="18000" anchor="ctr" horzOverflow="overflow">
+                    <a:lnL w="12700" cap="flat" cmpd="sng" algn="ctr">
+                      <a:solidFill>
+                        <a:schemeClr val="tx1"/>
+                      </a:solidFill>
+                      <a:prstDash val="solid"/>
+                      <a:round/>
+                      <a:headEnd type="none" w="med" len="med"/>
+                      <a:tailEnd type="none" w="med" len="med"/>
+                    </a:lnL>
+                    <a:lnR w="12700" cap="flat" cmpd="sng" algn="ctr">
+                      <a:solidFill>
+                        <a:schemeClr val="tx1"/>
+                      </a:solidFill>
+                      <a:prstDash val="solid"/>
+                      <a:round/>
+                      <a:headEnd type="none" w="med" len="med"/>
+                      <a:tailEnd type="none" w="med" len="med"/>
+                    </a:lnR>
+                    <a:lnT w="12700" cap="flat" cmpd="sng" algn="ctr">
+                      <a:solidFill>
+                        <a:schemeClr val="tx1"/>
+                      </a:solidFill>
+                      <a:prstDash val="solid"/>
+                      <a:round/>
+                      <a:headEnd type="none" w="med" len="med"/>
+                      <a:tailEnd type="none" w="med" len="med"/>
+                    </a:lnT>
+                    <a:lnB w="12700" cap="flat" cmpd="sng" algn="ctr">
+                      <a:solidFill>
+                        <a:schemeClr val="tx1"/>
+                      </a:solidFill>
+                      <a:prstDash val="solid"/>
+                      <a:round/>
+                      <a:headEnd type="none" w="med" len="med"/>
+                      <a:tailEnd type="none" w="med" len="med"/>
+                    </a:lnB>
+                    <a:lnTlToBr>
+                      <a:noFill/>
+                    </a:lnTlToBr>
+                    <a:lnBlToTr>
+                      <a:noFill/>
+                    </a:lnBlToTr>
+                    <a:solidFill>
+                      <a:srgbClr val="EEEEEE"/>
+                    </a:solidFill>
+                  </a:tcPr>
+                </a:tc>
+                <a:tc>
+                  <a:txBody>
+                    <a:bodyPr/>
+                    <a:lstStyle/>
+                    <a:p>
+                      <a:pPr marL="0" marR="0" lvl="0" indent="0" algn="ctr" defTabSz="914400" rtl="0" eaLnBrk="1" fontAlgn="base" latinLnBrk="1" hangingPunct="1">
+                        <a:lnSpc>
+                          <a:spcPct val="100000"/>
+                        </a:lnSpc>
+                        <a:spcBef>
+                          <a:spcPct val="0"/>
+                        </a:spcBef>
+                        <a:spcAft>
+                          <a:spcPct val="0"/>
+                        </a:spcAft>
+                        <a:buClrTx/>
+                        <a:buSzTx/>
+                        <a:buFontTx/>
+                        <a:buNone/>
+                        <a:tabLst/>
+                      </a:pPr>
+                      <a:r>
+                        <a:rPr kumimoji="1" lang="en-US" altLang="ko-KR" sz="900" b="0" i="0" u="none" strike="noStrike" cap="none" normalizeH="0" baseline="0" dirty="0">
+                          <a:ln>
+                            <a:noFill/>
+                          </a:ln>
+                          <a:solidFill>
+                            <a:schemeClr val="tx1"/>
+                          </a:solidFill>
+                          <a:effectLst/>
+                          <a:latin typeface="맑은 고딕" pitchFamily="50" charset="-127"/>
+                          <a:ea typeface="맑은 고딕" pitchFamily="50" charset="-127"/>
+                        </a:rPr>
+                        <a:t>Login</a:t>
+                      </a:r>
+                      <a:endParaRPr kumimoji="1" lang="ko-KR" altLang="ko-KR" sz="900" b="0" i="0" u="none" strike="noStrike" cap="none" normalizeH="0" baseline="0" dirty="0">
+                        <a:ln>
+                          <a:noFill/>
+                        </a:ln>
+                        <a:solidFill>
+                          <a:schemeClr val="tx1"/>
+                        </a:solidFill>
+                        <a:effectLst/>
+                        <a:latin typeface="맑은 고딕" pitchFamily="50" charset="-127"/>
+                        <a:ea typeface="맑은 고딕" pitchFamily="50" charset="-127"/>
+                      </a:endParaRPr>
+                    </a:p>
+                  </a:txBody>
+                  <a:tcPr marL="36000" marR="36000" marT="18000" marB="18000" anchor="ctr" horzOverflow="overflow">
+                    <a:lnL w="12700" cap="flat" cmpd="sng" algn="ctr">
+                      <a:solidFill>
+                        <a:schemeClr val="tx1"/>
+                      </a:solidFill>
+                      <a:prstDash val="solid"/>
+                      <a:round/>
+                      <a:headEnd type="none" w="med" len="med"/>
+                      <a:tailEnd type="none" w="med" len="med"/>
+                    </a:lnL>
+                    <a:lnR w="12700" cap="flat" cmpd="sng" algn="ctr">
+                      <a:solidFill>
+                        <a:schemeClr val="tx1"/>
+                      </a:solidFill>
+                      <a:prstDash val="solid"/>
+                      <a:round/>
+                      <a:headEnd type="none" w="med" len="med"/>
+                      <a:tailEnd type="none" w="med" len="med"/>
+                    </a:lnR>
+                    <a:lnT w="12700" cap="flat" cmpd="sng" algn="ctr">
+                      <a:solidFill>
+                        <a:schemeClr val="tx1"/>
+                      </a:solidFill>
+                      <a:prstDash val="solid"/>
+                      <a:round/>
+                      <a:headEnd type="none" w="med" len="med"/>
+                      <a:tailEnd type="none" w="med" len="med"/>
+                    </a:lnT>
+                    <a:lnB w="12700" cap="flat" cmpd="sng" algn="ctr">
+                      <a:solidFill>
+                        <a:schemeClr val="tx1"/>
+                      </a:solidFill>
+                      <a:prstDash val="solid"/>
+                      <a:round/>
+                      <a:headEnd type="none" w="med" len="med"/>
+                      <a:tailEnd type="none" w="med" len="med"/>
+                    </a:lnB>
+                    <a:lnTlToBr>
+                      <a:noFill/>
+                    </a:lnTlToBr>
+                    <a:lnBlToTr>
+                      <a:noFill/>
+                    </a:lnBlToTr>
+                    <a:noFill/>
+                  </a:tcPr>
+                </a:tc>
+                <a:tc>
+                  <a:txBody>
+                    <a:bodyPr/>
+                    <a:lstStyle/>
+                    <a:p>
+                      <a:pPr marL="0" marR="0" lvl="0" indent="0" algn="ctr" defTabSz="914400" rtl="0" eaLnBrk="1" fontAlgn="base" latinLnBrk="1" hangingPunct="1">
+                        <a:lnSpc>
+                          <a:spcPct val="100000"/>
+                        </a:lnSpc>
+                        <a:spcBef>
+                          <a:spcPct val="0"/>
+                        </a:spcBef>
+                        <a:spcAft>
+                          <a:spcPct val="0"/>
+                        </a:spcAft>
+                        <a:buClrTx/>
+                        <a:buSzTx/>
+                        <a:buFontTx/>
+                        <a:buNone/>
+                        <a:tabLst/>
+                      </a:pPr>
+                      <a:r>
+                        <a:rPr kumimoji="1" lang="ko-KR" altLang="en-US" sz="900" b="0" i="0" u="none" strike="noStrike" cap="none" normalizeH="0" baseline="0" dirty="0">
+                          <a:ln>
+                            <a:noFill/>
+                          </a:ln>
+                          <a:solidFill>
+                            <a:schemeClr val="tx1"/>
+                          </a:solidFill>
+                          <a:effectLst/>
+                          <a:latin typeface="맑은 고딕" pitchFamily="50" charset="-127"/>
+                          <a:ea typeface="맑은 고딕" pitchFamily="50" charset="-127"/>
+                        </a:rPr>
+                        <a:t>화면 </a:t>
+                      </a:r>
+                      <a:r>
+                        <a:rPr kumimoji="1" lang="en-US" altLang="ko-KR" sz="900" b="0" i="0" u="none" strike="noStrike" cap="none" normalizeH="0" baseline="0" dirty="0">
+                          <a:ln>
+                            <a:noFill/>
+                          </a:ln>
+                          <a:solidFill>
+                            <a:schemeClr val="tx1"/>
+                          </a:solidFill>
+                          <a:effectLst/>
+                          <a:latin typeface="맑은 고딕" pitchFamily="50" charset="-127"/>
+                          <a:ea typeface="맑은 고딕" pitchFamily="50" charset="-127"/>
+                        </a:rPr>
+                        <a:t>ID</a:t>
+                      </a:r>
+                      <a:endParaRPr kumimoji="1" lang="ko-KR" altLang="ko-KR" sz="900" b="0" i="0" u="none" strike="noStrike" cap="none" normalizeH="0" baseline="0" dirty="0">
+                        <a:ln>
+                          <a:noFill/>
+                        </a:ln>
+                        <a:solidFill>
+                          <a:schemeClr val="tx1"/>
+                        </a:solidFill>
+                        <a:effectLst/>
+                        <a:latin typeface="맑은 고딕" pitchFamily="50" charset="-127"/>
+                        <a:ea typeface="맑은 고딕" pitchFamily="50" charset="-127"/>
+                      </a:endParaRPr>
+                    </a:p>
+                  </a:txBody>
+                  <a:tcPr marL="36000" marR="36000" marT="18000" marB="18000" anchor="ctr" horzOverflow="overflow">
+                    <a:lnL w="12700" cap="flat" cmpd="sng" algn="ctr">
+                      <a:solidFill>
+                        <a:schemeClr val="tx1"/>
+                      </a:solidFill>
+                      <a:prstDash val="solid"/>
+                      <a:round/>
+                      <a:headEnd type="none" w="med" len="med"/>
+                      <a:tailEnd type="none" w="med" len="med"/>
+                    </a:lnL>
+                    <a:lnR w="12700" cap="flat" cmpd="sng" algn="ctr">
+                      <a:solidFill>
+                        <a:schemeClr val="tx1"/>
+                      </a:solidFill>
+                      <a:prstDash val="solid"/>
+                      <a:round/>
+                      <a:headEnd type="none" w="med" len="med"/>
+                      <a:tailEnd type="none" w="med" len="med"/>
+                    </a:lnR>
+                    <a:lnT w="12700" cap="flat" cmpd="sng" algn="ctr">
+                      <a:solidFill>
+                        <a:schemeClr val="tx1"/>
+                      </a:solidFill>
+                      <a:prstDash val="solid"/>
+                      <a:round/>
+                      <a:headEnd type="none" w="med" len="med"/>
+                      <a:tailEnd type="none" w="med" len="med"/>
+                    </a:lnT>
+                    <a:lnB w="12700" cap="flat" cmpd="sng" algn="ctr">
+                      <a:solidFill>
+                        <a:schemeClr val="tx1"/>
+                      </a:solidFill>
+                      <a:prstDash val="solid"/>
+                      <a:round/>
+                      <a:headEnd type="none" w="med" len="med"/>
+                      <a:tailEnd type="none" w="med" len="med"/>
+                    </a:lnB>
+                    <a:lnTlToBr>
+                      <a:noFill/>
+                    </a:lnTlToBr>
+                    <a:lnBlToTr>
+                      <a:noFill/>
+                    </a:lnBlToTr>
+                    <a:solidFill>
+                      <a:srgbClr val="EEEEEE"/>
+                    </a:solidFill>
+                  </a:tcPr>
+                </a:tc>
+                <a:tc>
+                  <a:txBody>
+                    <a:bodyPr/>
+                    <a:lstStyle/>
+                    <a:p>
+                      <a:pPr marL="0" marR="0" lvl="0" indent="0" algn="ctr" defTabSz="914400" rtl="0" eaLnBrk="1" fontAlgn="base" latinLnBrk="1" hangingPunct="1">
+                        <a:lnSpc>
+                          <a:spcPct val="100000"/>
+                        </a:lnSpc>
+                        <a:spcBef>
+                          <a:spcPct val="0"/>
+                        </a:spcBef>
+                        <a:spcAft>
+                          <a:spcPct val="0"/>
+                        </a:spcAft>
+                        <a:buClrTx/>
+                        <a:buSzTx/>
+                        <a:buFontTx/>
+                        <a:buNone/>
+                        <a:tabLst/>
+                      </a:pPr>
+                      <a:r>
+                        <a:rPr kumimoji="1" lang="en-US" altLang="ko-KR" sz="900" b="0" i="0" u="none" strike="noStrike" cap="none" normalizeH="0" baseline="0" dirty="0">
+                          <a:ln>
+                            <a:noFill/>
+                          </a:ln>
+                          <a:solidFill>
+                            <a:schemeClr val="tx1"/>
+                          </a:solidFill>
+                          <a:effectLst/>
+                          <a:latin typeface="맑은 고딕" pitchFamily="50" charset="-127"/>
+                          <a:ea typeface="맑은 고딕" pitchFamily="50" charset="-127"/>
+                        </a:rPr>
+                        <a:t>SC</a:t>
+                      </a:r>
+                      <a:endParaRPr kumimoji="1" lang="ko-KR" altLang="ko-KR" sz="900" b="0" i="0" u="none" strike="noStrike" cap="none" normalizeH="0" baseline="0" dirty="0">
+                        <a:ln>
+                          <a:noFill/>
+                        </a:ln>
+                        <a:solidFill>
+                          <a:schemeClr val="tx1"/>
+                        </a:solidFill>
+                        <a:effectLst/>
+                        <a:latin typeface="맑은 고딕" pitchFamily="50" charset="-127"/>
+                        <a:ea typeface="맑은 고딕" pitchFamily="50" charset="-127"/>
+                      </a:endParaRPr>
+                    </a:p>
+                  </a:txBody>
+                  <a:tcPr marL="36000" marR="36000" marT="18000" marB="18000" anchor="ctr" horzOverflow="overflow">
+                    <a:lnL w="12700" cap="flat" cmpd="sng" algn="ctr">
+                      <a:solidFill>
+                        <a:schemeClr val="tx1"/>
+                      </a:solidFill>
+                      <a:prstDash val="solid"/>
+                      <a:round/>
+                      <a:headEnd type="none" w="med" len="med"/>
+                      <a:tailEnd type="none" w="med" len="med"/>
+                    </a:lnL>
+                    <a:lnR w="12700" cap="flat" cmpd="sng" algn="ctr">
+                      <a:solidFill>
+                        <a:schemeClr val="tx1"/>
+                      </a:solidFill>
+                      <a:prstDash val="solid"/>
+                      <a:round/>
+                      <a:headEnd type="none" w="med" len="med"/>
+                      <a:tailEnd type="none" w="med" len="med"/>
+                    </a:lnR>
+                    <a:lnT w="12700" cap="flat" cmpd="sng" algn="ctr">
+                      <a:solidFill>
+                        <a:schemeClr val="tx1"/>
+                      </a:solidFill>
+                      <a:prstDash val="solid"/>
+                      <a:round/>
+                      <a:headEnd type="none" w="med" len="med"/>
+                      <a:tailEnd type="none" w="med" len="med"/>
+                    </a:lnT>
+                    <a:lnB w="12700" cap="flat" cmpd="sng" algn="ctr">
+                      <a:solidFill>
+                        <a:schemeClr val="tx1"/>
+                      </a:solidFill>
+                      <a:prstDash val="solid"/>
+                      <a:round/>
+                      <a:headEnd type="none" w="med" len="med"/>
+                      <a:tailEnd type="none" w="med" len="med"/>
+                    </a:lnB>
+                    <a:lnTlToBr>
+                      <a:noFill/>
+                    </a:lnTlToBr>
+                    <a:lnBlToTr>
+                      <a:noFill/>
+                    </a:lnBlToTr>
+                    <a:noFill/>
+                  </a:tcPr>
+                </a:tc>
+                <a:tc>
+                  <a:txBody>
+                    <a:bodyPr/>
+                    <a:lstStyle/>
+                    <a:p>
+                      <a:pPr marL="0" marR="0" lvl="0" indent="0" algn="ctr" defTabSz="914400" rtl="0" eaLnBrk="1" fontAlgn="base" latinLnBrk="1" hangingPunct="1">
+                        <a:lnSpc>
+                          <a:spcPct val="100000"/>
+                        </a:lnSpc>
+                        <a:spcBef>
+                          <a:spcPct val="0"/>
+                        </a:spcBef>
+                        <a:spcAft>
+                          <a:spcPct val="0"/>
+                        </a:spcAft>
+                        <a:buClrTx/>
+                        <a:buSzTx/>
+                        <a:buFontTx/>
+                        <a:buNone/>
+                        <a:tabLst/>
+                      </a:pPr>
+                      <a:r>
+                        <a:rPr kumimoji="1" lang="ko-KR" altLang="en-US" sz="900" b="0" i="0" u="none" strike="noStrike" cap="none" normalizeH="0" baseline="0" dirty="0">
+                          <a:ln>
+                            <a:noFill/>
+                          </a:ln>
+                          <a:solidFill>
+                            <a:schemeClr val="tx1"/>
+                          </a:solidFill>
+                          <a:effectLst/>
+                          <a:latin typeface="맑은 고딕" pitchFamily="50" charset="-127"/>
+                          <a:ea typeface="맑은 고딕" pitchFamily="50" charset="-127"/>
+                        </a:rPr>
+                        <a:t>버전</a:t>
+                      </a:r>
+                      <a:endParaRPr kumimoji="1" lang="ko-KR" sz="900" b="0" i="0" u="none" strike="noStrike" cap="none" normalizeH="0" baseline="0" dirty="0">
+                        <a:ln>
+                          <a:noFill/>
+                        </a:ln>
+                        <a:solidFill>
+                          <a:schemeClr val="tx1"/>
+                        </a:solidFill>
+                        <a:effectLst/>
+                        <a:latin typeface="맑은 고딕" pitchFamily="50" charset="-127"/>
+                        <a:ea typeface="맑은 고딕" pitchFamily="50" charset="-127"/>
+                      </a:endParaRPr>
+                    </a:p>
+                  </a:txBody>
+                  <a:tcPr marL="36000" marR="36000" marT="18000" marB="18000" anchor="ctr" horzOverflow="overflow">
+                    <a:lnL w="12700" cap="flat" cmpd="sng" algn="ctr">
+                      <a:solidFill>
+                        <a:schemeClr val="tx1"/>
+                      </a:solidFill>
+                      <a:prstDash val="solid"/>
+                      <a:round/>
+                      <a:headEnd type="none" w="med" len="med"/>
+                      <a:tailEnd type="none" w="med" len="med"/>
+                    </a:lnL>
+                    <a:lnR w="12700" cap="flat" cmpd="sng" algn="ctr">
+                      <a:solidFill>
+                        <a:schemeClr val="tx1"/>
+                      </a:solidFill>
+                      <a:prstDash val="solid"/>
+                      <a:round/>
+                      <a:headEnd type="none" w="med" len="med"/>
+                      <a:tailEnd type="none" w="med" len="med"/>
+                    </a:lnR>
+                    <a:lnT w="12700" cap="flat" cmpd="sng" algn="ctr">
+                      <a:solidFill>
+                        <a:schemeClr val="tx1"/>
+                      </a:solidFill>
+                      <a:prstDash val="solid"/>
+                      <a:round/>
+                      <a:headEnd type="none" w="med" len="med"/>
+                      <a:tailEnd type="none" w="med" len="med"/>
+                    </a:lnT>
+                    <a:lnB w="12700" cap="flat" cmpd="sng" algn="ctr">
+                      <a:solidFill>
+                        <a:schemeClr val="tx1"/>
+                      </a:solidFill>
+                      <a:prstDash val="solid"/>
+                      <a:round/>
+                      <a:headEnd type="none" w="med" len="med"/>
+                      <a:tailEnd type="none" w="med" len="med"/>
+                    </a:lnB>
+                    <a:lnTlToBr>
+                      <a:noFill/>
+                    </a:lnTlToBr>
+                    <a:lnBlToTr>
+                      <a:noFill/>
+                    </a:lnBlToTr>
+                    <a:solidFill>
+                      <a:srgbClr val="EEEEEE"/>
+                    </a:solidFill>
+                  </a:tcPr>
+                </a:tc>
+                <a:tc>
+                  <a:txBody>
+                    <a:bodyPr/>
+                    <a:lstStyle/>
+                    <a:p>
+                      <a:pPr marL="0" marR="0" lvl="0" indent="0" algn="ctr" defTabSz="914400" rtl="0" eaLnBrk="1" fontAlgn="base" latinLnBrk="1" hangingPunct="1">
+                        <a:lnSpc>
+                          <a:spcPct val="100000"/>
+                        </a:lnSpc>
+                        <a:spcBef>
+                          <a:spcPct val="0"/>
+                        </a:spcBef>
+                        <a:spcAft>
+                          <a:spcPct val="0"/>
+                        </a:spcAft>
+                        <a:buClrTx/>
+                        <a:buSzTx/>
+                        <a:buFontTx/>
+                        <a:buNone/>
+                        <a:tabLst/>
+                      </a:pPr>
+                      <a:endParaRPr kumimoji="1" lang="ko-KR" altLang="ko-KR" sz="900" b="0" i="0" u="none" strike="noStrike" cap="none" normalizeH="0" baseline="0" dirty="0">
+                        <a:ln>
+                          <a:noFill/>
+                        </a:ln>
+                        <a:solidFill>
+                          <a:schemeClr val="tx1"/>
+                        </a:solidFill>
+                        <a:effectLst/>
+                        <a:latin typeface="맑은 고딕" pitchFamily="50" charset="-127"/>
+                        <a:ea typeface="맑은 고딕" pitchFamily="50" charset="-127"/>
+                      </a:endParaRPr>
+                    </a:p>
+                  </a:txBody>
+                  <a:tcPr marL="36000" marR="36000" marT="18000" marB="18000" anchor="ctr" horzOverflow="overflow">
+                    <a:lnL w="12700" cap="flat" cmpd="sng" algn="ctr">
+                      <a:solidFill>
+                        <a:schemeClr val="tx1"/>
+                      </a:solidFill>
+                      <a:prstDash val="solid"/>
+                      <a:round/>
+                      <a:headEnd type="none" w="med" len="med"/>
+                      <a:tailEnd type="none" w="med" len="med"/>
+                    </a:lnL>
+                    <a:lnR w="12700" cap="flat" cmpd="sng" algn="ctr">
+                      <a:solidFill>
+                        <a:schemeClr val="tx1"/>
+                      </a:solidFill>
+                      <a:prstDash val="solid"/>
+                      <a:round/>
+                      <a:headEnd type="none" w="med" len="med"/>
+                      <a:tailEnd type="none" w="med" len="med"/>
+                    </a:lnR>
+                    <a:lnT w="12700" cap="flat" cmpd="sng" algn="ctr">
+                      <a:solidFill>
+                        <a:schemeClr val="tx1"/>
+                      </a:solidFill>
+                      <a:prstDash val="solid"/>
+                      <a:round/>
+                      <a:headEnd type="none" w="med" len="med"/>
+                      <a:tailEnd type="none" w="med" len="med"/>
+                    </a:lnT>
+                    <a:lnB w="12700" cap="flat" cmpd="sng" algn="ctr">
+                      <a:solidFill>
+                        <a:schemeClr val="tx1"/>
+                      </a:solidFill>
+                      <a:prstDash val="solid"/>
+                      <a:round/>
+                      <a:headEnd type="none" w="med" len="med"/>
+                      <a:tailEnd type="none" w="med" len="med"/>
+                    </a:lnB>
+                    <a:lnTlToBr>
+                      <a:noFill/>
+                    </a:lnTlToBr>
+                    <a:lnBlToTr>
+                      <a:noFill/>
+                    </a:lnBlToTr>
+                    <a:noFill/>
+                  </a:tcPr>
+                </a:tc>
+                <a:extLst>
+                  <a:ext uri="{0D108BD9-81ED-4DB2-BD59-A6C34878D82A}">
+                    <a16:rowId xmlns:a16="http://schemas.microsoft.com/office/drawing/2014/main" val="10001"/>
+                  </a:ext>
+                </a:extLst>
+              </a:tr>
+              <a:tr h="297106">
+                <a:tc>
+                  <a:txBody>
+                    <a:bodyPr/>
+                    <a:lstStyle/>
+                    <a:p>
+                      <a:pPr marL="0" marR="0" lvl="0" indent="0" algn="ctr" defTabSz="914400" rtl="0" eaLnBrk="1" fontAlgn="base" latinLnBrk="1" hangingPunct="1">
+                        <a:lnSpc>
+                          <a:spcPct val="100000"/>
+                        </a:lnSpc>
+                        <a:spcBef>
+                          <a:spcPct val="0"/>
+                        </a:spcBef>
+                        <a:spcAft>
+                          <a:spcPct val="0"/>
+                        </a:spcAft>
+                        <a:buClrTx/>
+                        <a:buSzTx/>
+                        <a:buFontTx/>
+                        <a:buNone/>
+                        <a:tabLst/>
+                      </a:pPr>
+                      <a:r>
+                        <a:rPr kumimoji="1" lang="ko-KR" altLang="en-US" sz="900" b="0" i="0" u="none" strike="noStrike" cap="none" normalizeH="0" baseline="0" dirty="0">
+                          <a:ln>
+                            <a:noFill/>
+                          </a:ln>
+                          <a:solidFill>
+                            <a:schemeClr val="tx1"/>
+                          </a:solidFill>
+                          <a:effectLst/>
+                          <a:latin typeface="맑은 고딕" pitchFamily="50" charset="-127"/>
+                          <a:ea typeface="맑은 고딕" pitchFamily="50" charset="-127"/>
+                        </a:rPr>
+                        <a:t>관련 </a:t>
+                      </a:r>
+                      <a:r>
+                        <a:rPr kumimoji="1" lang="en-US" altLang="ko-KR" sz="900" b="0" i="0" u="none" strike="noStrike" cap="none" normalizeH="0" baseline="0" dirty="0">
+                          <a:ln>
+                            <a:noFill/>
+                          </a:ln>
+                          <a:solidFill>
+                            <a:schemeClr val="tx1"/>
+                          </a:solidFill>
+                          <a:effectLst/>
+                          <a:latin typeface="맑은 고딕" pitchFamily="50" charset="-127"/>
+                          <a:ea typeface="맑은 고딕" pitchFamily="50" charset="-127"/>
+                        </a:rPr>
+                        <a:t>Use Case ID</a:t>
+                      </a:r>
+                    </a:p>
+                  </a:txBody>
+                  <a:tcPr marL="36000" marR="36000" marT="18000" marB="18000" anchor="ctr" horzOverflow="overflow">
+                    <a:lnL w="12700" cap="flat" cmpd="sng" algn="ctr">
+                      <a:solidFill>
+                        <a:schemeClr val="tx1"/>
+                      </a:solidFill>
+                      <a:prstDash val="solid"/>
+                      <a:round/>
+                      <a:headEnd type="none" w="med" len="med"/>
+                      <a:tailEnd type="none" w="med" len="med"/>
+                    </a:lnL>
+                    <a:lnR w="12700" cap="flat" cmpd="sng" algn="ctr">
+                      <a:solidFill>
+                        <a:schemeClr val="tx1"/>
+                      </a:solidFill>
+                      <a:prstDash val="solid"/>
+                      <a:round/>
+                      <a:headEnd type="none" w="med" len="med"/>
+                      <a:tailEnd type="none" w="med" len="med"/>
+                    </a:lnR>
+                    <a:lnT w="12700" cap="flat" cmpd="sng" algn="ctr">
+                      <a:solidFill>
+                        <a:schemeClr val="tx1"/>
+                      </a:solidFill>
+                      <a:prstDash val="solid"/>
+                      <a:round/>
+                      <a:headEnd type="none" w="med" len="med"/>
+                      <a:tailEnd type="none" w="med" len="med"/>
+                    </a:lnT>
+                    <a:lnB w="12700" cap="flat" cmpd="sng" algn="ctr">
+                      <a:solidFill>
+                        <a:schemeClr val="tx1"/>
+                      </a:solidFill>
+                      <a:prstDash val="solid"/>
+                      <a:round/>
+                      <a:headEnd type="none" w="med" len="med"/>
+                      <a:tailEnd type="none" w="med" len="med"/>
+                    </a:lnB>
+                    <a:lnTlToBr>
+                      <a:noFill/>
+                    </a:lnTlToBr>
+                    <a:lnBlToTr>
+                      <a:noFill/>
+                    </a:lnBlToTr>
+                    <a:solidFill>
+                      <a:srgbClr val="EEEEEE"/>
+                    </a:solidFill>
+                  </a:tcPr>
+                </a:tc>
+                <a:tc gridSpan="5">
+                  <a:txBody>
+                    <a:bodyPr/>
+                    <a:lstStyle/>
+                    <a:p>
+                      <a:pPr marL="0" marR="0" lvl="0" indent="0" algn="ctr" defTabSz="914400" rtl="0" eaLnBrk="1" fontAlgn="base" latinLnBrk="1" hangingPunct="1">
+                        <a:lnSpc>
+                          <a:spcPct val="100000"/>
+                        </a:lnSpc>
+                        <a:spcBef>
+                          <a:spcPct val="0"/>
+                        </a:spcBef>
+                        <a:spcAft>
+                          <a:spcPct val="0"/>
+                        </a:spcAft>
+                        <a:buClrTx/>
+                        <a:buSzTx/>
+                        <a:buFontTx/>
+                        <a:buNone/>
+                        <a:tabLst/>
+                      </a:pPr>
+                      <a:r>
+                        <a:rPr kumimoji="1" lang="en-US" altLang="ko-KR" sz="900" b="0" i="0" u="none" strike="noStrike" cap="none" normalizeH="0" baseline="0" dirty="0">
+                          <a:ln>
+                            <a:noFill/>
+                          </a:ln>
+                          <a:solidFill>
+                            <a:schemeClr val="tx1"/>
+                          </a:solidFill>
+                          <a:effectLst/>
+                          <a:latin typeface="맑은 고딕" pitchFamily="50" charset="-127"/>
+                          <a:ea typeface="맑은 고딕" pitchFamily="50" charset="-127"/>
+                        </a:rPr>
+                        <a:t>UI006</a:t>
+                      </a:r>
+                      <a:endParaRPr kumimoji="1" lang="ko-KR" altLang="ko-KR" sz="900" b="0" i="0" u="none" strike="noStrike" cap="none" normalizeH="0" baseline="0" dirty="0">
+                        <a:ln>
+                          <a:noFill/>
+                        </a:ln>
+                        <a:solidFill>
+                          <a:schemeClr val="tx1"/>
+                        </a:solidFill>
+                        <a:effectLst/>
+                        <a:latin typeface="맑은 고딕" pitchFamily="50" charset="-127"/>
+                        <a:ea typeface="맑은 고딕" pitchFamily="50" charset="-127"/>
+                      </a:endParaRPr>
+                    </a:p>
+                  </a:txBody>
+                  <a:tcPr marL="36000" marR="36000" marT="18000" marB="18000" anchor="ctr" horzOverflow="overflow">
+                    <a:lnL w="12700" cap="flat" cmpd="sng" algn="ctr">
+                      <a:solidFill>
+                        <a:schemeClr val="tx1"/>
+                      </a:solidFill>
+                      <a:prstDash val="solid"/>
+                      <a:round/>
+                      <a:headEnd type="none" w="med" len="med"/>
+                      <a:tailEnd type="none" w="med" len="med"/>
+                    </a:lnL>
+                    <a:lnR w="12700" cap="flat" cmpd="sng" algn="ctr">
+                      <a:solidFill>
+                        <a:schemeClr val="tx1"/>
+                      </a:solidFill>
+                      <a:prstDash val="solid"/>
+                      <a:round/>
+                      <a:headEnd type="none" w="med" len="med"/>
+                      <a:tailEnd type="none" w="med" len="med"/>
+                    </a:lnR>
+                    <a:lnT w="12700" cap="flat" cmpd="sng" algn="ctr">
+                      <a:solidFill>
+                        <a:schemeClr val="tx1"/>
+                      </a:solidFill>
+                      <a:prstDash val="solid"/>
+                      <a:round/>
+                      <a:headEnd type="none" w="med" len="med"/>
+                      <a:tailEnd type="none" w="med" len="med"/>
+                    </a:lnT>
+                    <a:lnB w="12700" cap="flat" cmpd="sng" algn="ctr">
+                      <a:solidFill>
+                        <a:schemeClr val="tx1"/>
+                      </a:solidFill>
+                      <a:prstDash val="solid"/>
+                      <a:round/>
+                      <a:headEnd type="none" w="med" len="med"/>
+                      <a:tailEnd type="none" w="med" len="med"/>
+                    </a:lnB>
+                    <a:lnTlToBr>
+                      <a:noFill/>
+                    </a:lnTlToBr>
+                    <a:lnBlToTr>
+                      <a:noFill/>
+                    </a:lnBlToTr>
+                    <a:noFill/>
+                  </a:tcPr>
+                </a:tc>
+                <a:tc hMerge="1">
+                  <a:txBody>
+                    <a:bodyPr/>
+                    <a:lstStyle/>
+                    <a:p>
+                      <a:pPr marL="0" marR="0" lvl="0" indent="0" algn="ctr" defTabSz="914400" rtl="0" eaLnBrk="1" fontAlgn="base" latinLnBrk="1" hangingPunct="1">
+                        <a:lnSpc>
+                          <a:spcPct val="100000"/>
+                        </a:lnSpc>
+                        <a:spcBef>
+                          <a:spcPct val="0"/>
+                        </a:spcBef>
+                        <a:spcAft>
+                          <a:spcPct val="0"/>
+                        </a:spcAft>
+                        <a:buClrTx/>
+                        <a:buSzTx/>
+                        <a:buFontTx/>
+                        <a:buNone/>
+                        <a:tabLst/>
+                      </a:pPr>
+                      <a:endParaRPr kumimoji="1" lang="ko-KR" altLang="ko-KR" sz="900" b="0" i="0" u="none" strike="noStrike" cap="none" normalizeH="0" baseline="0" dirty="0">
+                        <a:ln>
+                          <a:noFill/>
+                        </a:ln>
+                        <a:solidFill>
+                          <a:schemeClr val="tx1"/>
+                        </a:solidFill>
+                        <a:effectLst/>
+                        <a:latin typeface="맑은 고딕" pitchFamily="50" charset="-127"/>
+                        <a:ea typeface="맑은 고딕" pitchFamily="50" charset="-127"/>
+                      </a:endParaRPr>
+                    </a:p>
+                  </a:txBody>
+                  <a:tcPr marL="36000" marR="36000" marT="18000" marB="18000" anchor="ctr" horzOverflow="overflow">
+                    <a:lnL w="12700" cap="flat" cmpd="sng" algn="ctr">
+                      <a:solidFill>
+                        <a:schemeClr val="tx1"/>
+                      </a:solidFill>
+                      <a:prstDash val="solid"/>
+                      <a:round/>
+                      <a:headEnd type="none" w="med" len="med"/>
+                      <a:tailEnd type="none" w="med" len="med"/>
+                    </a:lnL>
+                    <a:lnR w="12700" cap="flat" cmpd="sng" algn="ctr">
+                      <a:solidFill>
+                        <a:schemeClr val="tx1"/>
+                      </a:solidFill>
+                      <a:prstDash val="solid"/>
+                      <a:round/>
+                      <a:headEnd type="none" w="med" len="med"/>
+                      <a:tailEnd type="none" w="med" len="med"/>
+                    </a:lnR>
+                    <a:lnT w="12700" cap="flat" cmpd="sng" algn="ctr">
+                      <a:solidFill>
+                        <a:schemeClr val="tx1"/>
+                      </a:solidFill>
+                      <a:prstDash val="solid"/>
+                      <a:round/>
+                      <a:headEnd type="none" w="med" len="med"/>
+                      <a:tailEnd type="none" w="med" len="med"/>
+                    </a:lnT>
+                    <a:lnB w="12700" cap="flat" cmpd="sng" algn="ctr">
+                      <a:solidFill>
+                        <a:schemeClr val="tx1"/>
+                      </a:solidFill>
+                      <a:prstDash val="solid"/>
+                      <a:round/>
+                      <a:headEnd type="none" w="med" len="med"/>
+                      <a:tailEnd type="none" w="med" len="med"/>
+                    </a:lnB>
+                    <a:lnTlToBr>
+                      <a:noFill/>
+                    </a:lnTlToBr>
+                    <a:lnBlToTr>
+                      <a:noFill/>
+                    </a:lnBlToTr>
+                    <a:solidFill>
+                      <a:srgbClr val="EEEEEE"/>
+                    </a:solidFill>
+                  </a:tcPr>
+                </a:tc>
+                <a:tc hMerge="1">
+                  <a:txBody>
+                    <a:bodyPr/>
+                    <a:lstStyle/>
+                    <a:p>
+                      <a:pPr marL="0" marR="0" lvl="0" indent="0" algn="ctr" defTabSz="914400" rtl="0" eaLnBrk="1" fontAlgn="base" latinLnBrk="1" hangingPunct="1">
+                        <a:lnSpc>
+                          <a:spcPct val="100000"/>
+                        </a:lnSpc>
+                        <a:spcBef>
+                          <a:spcPct val="0"/>
+                        </a:spcBef>
+                        <a:spcAft>
+                          <a:spcPct val="0"/>
+                        </a:spcAft>
+                        <a:buClrTx/>
+                        <a:buSzTx/>
+                        <a:buFontTx/>
+                        <a:buNone/>
+                        <a:tabLst/>
+                      </a:pPr>
+                      <a:endParaRPr kumimoji="1" lang="ko-KR" altLang="ko-KR" sz="900" b="0" i="0" u="none" strike="noStrike" cap="none" normalizeH="0" baseline="0" dirty="0">
+                        <a:ln>
+                          <a:noFill/>
+                        </a:ln>
+                        <a:solidFill>
+                          <a:schemeClr val="tx1"/>
+                        </a:solidFill>
+                        <a:effectLst/>
+                        <a:latin typeface="맑은 고딕" pitchFamily="50" charset="-127"/>
+                        <a:ea typeface="맑은 고딕" pitchFamily="50" charset="-127"/>
+                      </a:endParaRPr>
+                    </a:p>
+                  </a:txBody>
+                  <a:tcPr marL="36000" marR="36000" marT="18000" marB="18000" anchor="ctr" horzOverflow="overflow">
+                    <a:lnL w="12700" cap="flat" cmpd="sng" algn="ctr">
+                      <a:solidFill>
+                        <a:schemeClr val="tx1"/>
+                      </a:solidFill>
+                      <a:prstDash val="solid"/>
+                      <a:round/>
+                      <a:headEnd type="none" w="med" len="med"/>
+                      <a:tailEnd type="none" w="med" len="med"/>
+                    </a:lnL>
+                    <a:lnR w="12700" cap="flat" cmpd="sng" algn="ctr">
+                      <a:solidFill>
+                        <a:schemeClr val="tx1"/>
+                      </a:solidFill>
+                      <a:prstDash val="solid"/>
+                      <a:round/>
+                      <a:headEnd type="none" w="med" len="med"/>
+                      <a:tailEnd type="none" w="med" len="med"/>
+                    </a:lnR>
+                    <a:lnT w="12700" cap="flat" cmpd="sng" algn="ctr">
+                      <a:solidFill>
+                        <a:schemeClr val="tx1"/>
+                      </a:solidFill>
+                      <a:prstDash val="solid"/>
+                      <a:round/>
+                      <a:headEnd type="none" w="med" len="med"/>
+                      <a:tailEnd type="none" w="med" len="med"/>
+                    </a:lnT>
+                    <a:lnB w="12700" cap="flat" cmpd="sng" algn="ctr">
+                      <a:solidFill>
+                        <a:schemeClr val="tx1"/>
+                      </a:solidFill>
+                      <a:prstDash val="solid"/>
+                      <a:round/>
+                      <a:headEnd type="none" w="med" len="med"/>
+                      <a:tailEnd type="none" w="med" len="med"/>
+                    </a:lnB>
+                    <a:lnTlToBr>
+                      <a:noFill/>
+                    </a:lnTlToBr>
+                    <a:lnBlToTr>
+                      <a:noFill/>
+                    </a:lnBlToTr>
+                    <a:noFill/>
+                  </a:tcPr>
+                </a:tc>
+                <a:tc hMerge="1">
+                  <a:txBody>
+                    <a:bodyPr/>
+                    <a:lstStyle/>
+                    <a:p>
+                      <a:pPr marL="0" marR="0" lvl="0" indent="0" algn="ctr" defTabSz="914400" rtl="0" eaLnBrk="1" fontAlgn="base" latinLnBrk="1" hangingPunct="1">
+                        <a:lnSpc>
+                          <a:spcPct val="100000"/>
+                        </a:lnSpc>
+                        <a:spcBef>
+                          <a:spcPct val="0"/>
+                        </a:spcBef>
+                        <a:spcAft>
+                          <a:spcPct val="0"/>
+                        </a:spcAft>
+                        <a:buClrTx/>
+                        <a:buSzTx/>
+                        <a:buFontTx/>
+                        <a:buNone/>
+                        <a:tabLst/>
+                      </a:pPr>
+                      <a:endParaRPr kumimoji="1" lang="ko-KR" sz="900" b="0" i="0" u="none" strike="noStrike" cap="none" normalizeH="0" baseline="0" dirty="0">
+                        <a:ln>
+                          <a:noFill/>
+                        </a:ln>
+                        <a:solidFill>
+                          <a:schemeClr val="tx1"/>
+                        </a:solidFill>
+                        <a:effectLst/>
+                        <a:latin typeface="맑은 고딕" pitchFamily="50" charset="-127"/>
+                        <a:ea typeface="맑은 고딕" pitchFamily="50" charset="-127"/>
+                      </a:endParaRPr>
+                    </a:p>
+                  </a:txBody>
+                  <a:tcPr marL="36000" marR="36000" marT="18000" marB="18000" anchor="ctr" horzOverflow="overflow">
+                    <a:lnL w="12700" cap="flat" cmpd="sng" algn="ctr">
+                      <a:solidFill>
+                        <a:schemeClr val="tx1"/>
+                      </a:solidFill>
+                      <a:prstDash val="solid"/>
+                      <a:round/>
+                      <a:headEnd type="none" w="med" len="med"/>
+                      <a:tailEnd type="none" w="med" len="med"/>
+                    </a:lnL>
+                    <a:lnR w="12700" cap="flat" cmpd="sng" algn="ctr">
+                      <a:solidFill>
+                        <a:schemeClr val="tx1"/>
+                      </a:solidFill>
+                      <a:prstDash val="solid"/>
+                      <a:round/>
+                      <a:headEnd type="none" w="med" len="med"/>
+                      <a:tailEnd type="none" w="med" len="med"/>
+                    </a:lnR>
+                    <a:lnT w="12700" cap="flat" cmpd="sng" algn="ctr">
+                      <a:solidFill>
+                        <a:schemeClr val="tx1"/>
+                      </a:solidFill>
+                      <a:prstDash val="solid"/>
+                      <a:round/>
+                      <a:headEnd type="none" w="med" len="med"/>
+                      <a:tailEnd type="none" w="med" len="med"/>
+                    </a:lnT>
+                    <a:lnB w="12700" cap="flat" cmpd="sng" algn="ctr">
+                      <a:solidFill>
+                        <a:schemeClr val="tx1"/>
+                      </a:solidFill>
+                      <a:prstDash val="solid"/>
+                      <a:round/>
+                      <a:headEnd type="none" w="med" len="med"/>
+                      <a:tailEnd type="none" w="med" len="med"/>
+                    </a:lnB>
+                    <a:lnTlToBr>
+                      <a:noFill/>
+                    </a:lnTlToBr>
+                    <a:lnBlToTr>
+                      <a:noFill/>
+                    </a:lnBlToTr>
+                    <a:solidFill>
+                      <a:srgbClr val="EEEEEE"/>
+                    </a:solidFill>
+                  </a:tcPr>
+                </a:tc>
+                <a:tc hMerge="1">
+                  <a:txBody>
+                    <a:bodyPr/>
+                    <a:lstStyle/>
+                    <a:p>
+                      <a:pPr marL="0" marR="0" lvl="0" indent="0" algn="ctr" defTabSz="914400" rtl="0" eaLnBrk="1" fontAlgn="base" latinLnBrk="1" hangingPunct="1">
+                        <a:lnSpc>
+                          <a:spcPct val="100000"/>
+                        </a:lnSpc>
+                        <a:spcBef>
+                          <a:spcPct val="0"/>
+                        </a:spcBef>
+                        <a:spcAft>
+                          <a:spcPct val="0"/>
+                        </a:spcAft>
+                        <a:buClrTx/>
+                        <a:buSzTx/>
+                        <a:buFontTx/>
+                        <a:buNone/>
+                        <a:tabLst/>
+                      </a:pPr>
+                      <a:endParaRPr kumimoji="1" lang="ko-KR" altLang="ko-KR" sz="900" b="0" i="0" u="none" strike="noStrike" cap="none" normalizeH="0" baseline="0" dirty="0">
+                        <a:ln>
+                          <a:noFill/>
+                        </a:ln>
+                        <a:solidFill>
+                          <a:schemeClr val="tx1"/>
+                        </a:solidFill>
+                        <a:effectLst/>
+                        <a:latin typeface="맑은 고딕" pitchFamily="50" charset="-127"/>
+                        <a:ea typeface="맑은 고딕" pitchFamily="50" charset="-127"/>
+                      </a:endParaRPr>
+                    </a:p>
+                  </a:txBody>
+                  <a:tcPr marL="36000" marR="36000" marT="18000" marB="18000" anchor="ctr" horzOverflow="overflow">
+                    <a:lnL w="12700" cap="flat" cmpd="sng" algn="ctr">
+                      <a:solidFill>
+                        <a:schemeClr val="tx1"/>
+                      </a:solidFill>
+                      <a:prstDash val="solid"/>
+                      <a:round/>
+                      <a:headEnd type="none" w="med" len="med"/>
+                      <a:tailEnd type="none" w="med" len="med"/>
+                    </a:lnL>
+                    <a:lnR w="12700" cap="flat" cmpd="sng" algn="ctr">
+                      <a:solidFill>
+                        <a:schemeClr val="tx1"/>
+                      </a:solidFill>
+                      <a:prstDash val="solid"/>
+                      <a:round/>
+                      <a:headEnd type="none" w="med" len="med"/>
+                      <a:tailEnd type="none" w="med" len="med"/>
+                    </a:lnR>
+                    <a:lnT w="12700" cap="flat" cmpd="sng" algn="ctr">
+                      <a:solidFill>
+                        <a:schemeClr val="tx1"/>
+                      </a:solidFill>
+                      <a:prstDash val="solid"/>
+                      <a:round/>
+                      <a:headEnd type="none" w="med" len="med"/>
+                      <a:tailEnd type="none" w="med" len="med"/>
+                    </a:lnT>
+                    <a:lnB w="12700" cap="flat" cmpd="sng" algn="ctr">
+                      <a:solidFill>
+                        <a:schemeClr val="tx1"/>
+                      </a:solidFill>
+                      <a:prstDash val="solid"/>
+                      <a:round/>
+                      <a:headEnd type="none" w="med" len="med"/>
+                      <a:tailEnd type="none" w="med" len="med"/>
+                    </a:lnB>
+                    <a:lnTlToBr>
+                      <a:noFill/>
+                    </a:lnTlToBr>
+                    <a:lnBlToTr>
+                      <a:noFill/>
+                    </a:lnBlToTr>
+                    <a:noFill/>
+                  </a:tcPr>
+                </a:tc>
+                <a:extLst>
+                  <a:ext uri="{0D108BD9-81ED-4DB2-BD59-A6C34878D82A}">
+                    <a16:rowId xmlns:a16="http://schemas.microsoft.com/office/drawing/2014/main" val="10002"/>
+                  </a:ext>
+                </a:extLst>
+              </a:tr>
+            </a:tbl>
+          </a:graphicData>
+        </a:graphic>
+      </p:graphicFrame>
+      <p:pic>
+        <p:nvPicPr>
+          <p:cNvPr id="29" name="그림 28">
+            <a:extLst>
+              <a:ext uri="{FF2B5EF4-FFF2-40B4-BE49-F238E27FC236}">
+                <a16:creationId xmlns:a16="http://schemas.microsoft.com/office/drawing/2014/main" id="{4388A41E-9BA9-4AF9-B957-757B1FCFF574}"/>
+              </a:ext>
+            </a:extLst>
+          </p:cNvPr>
+          <p:cNvPicPr>
+            <a:picLocks noChangeAspect="1"/>
+          </p:cNvPicPr>
+          <p:nvPr/>
+        </p:nvPicPr>
+        <p:blipFill>
+          <a:blip r:embed="rId2">
+            <a:extLst>
+              <a:ext uri="{28A0092B-C50C-407E-A947-70E740481C1C}">
+                <a14:useLocalDpi xmlns:a14="http://schemas.microsoft.com/office/drawing/2010/main" val="0"/>
+              </a:ext>
+            </a:extLst>
+          </a:blip>
+          <a:stretch>
+            <a:fillRect/>
+          </a:stretch>
+        </p:blipFill>
+        <p:spPr>
+          <a:xfrm>
+            <a:off x="801508" y="1203158"/>
+            <a:ext cx="3071535" cy="5086762"/>
+          </a:xfrm>
+          <a:prstGeom prst="rect">
+            <a:avLst/>
+          </a:prstGeom>
+        </p:spPr>
+      </p:pic>
+      <p:sp>
+        <p:nvSpPr>
+          <p:cNvPr id="30" name="타원 29">
+            <a:extLst>
+              <a:ext uri="{FF2B5EF4-FFF2-40B4-BE49-F238E27FC236}">
+                <a16:creationId xmlns:a16="http://schemas.microsoft.com/office/drawing/2014/main" id="{291969AF-618B-449E-9DE1-E40A568254BD}"/>
+              </a:ext>
+            </a:extLst>
+          </p:cNvPr>
+          <p:cNvSpPr>
+            <a:spLocks noChangeAspect="1"/>
+          </p:cNvSpPr>
+          <p:nvPr/>
+        </p:nvSpPr>
+        <p:spPr bwMode="auto">
+          <a:xfrm>
+            <a:off x="1651164" y="1950666"/>
+            <a:ext cx="209880" cy="209880"/>
+          </a:xfrm>
+          <a:prstGeom prst="ellipse">
+            <a:avLst/>
+          </a:prstGeom>
+          <a:solidFill>
+            <a:srgbClr val="0081E2"/>
+          </a:solidFill>
+          <a:ln w="31750" cap="flat" cmpd="dbl" algn="ctr">
+            <a:solidFill>
+              <a:schemeClr val="bg1">
+                <a:lumMod val="50000"/>
+              </a:schemeClr>
+            </a:solidFill>
+            <a:prstDash val="solid"/>
+            <a:round/>
+            <a:headEnd type="none" w="med" len="med"/>
+            <a:tailEnd type="none" w="med" len="med"/>
+          </a:ln>
+          <a:effectLst/>
+        </p:spPr>
+        <p:txBody>
+          <a:bodyPr vert="horz" wrap="none" lIns="90000" tIns="46800" rIns="90000" bIns="46800" numCol="1" rtlCol="0" anchor="ctr" anchorCtr="0" compatLnSpc="1">
+            <a:prstTxWarp prst="textNoShape">
+              <a:avLst/>
+            </a:prstTxWarp>
+          </a:bodyPr>
+          <a:lstStyle/>
+          <a:p>
+            <a:pPr marL="0" marR="0" indent="0" algn="ctr" defTabSz="914400" rtl="0" eaLnBrk="0" fontAlgn="base" latinLnBrk="0" hangingPunct="0">
+              <a:lnSpc>
+                <a:spcPct val="100000"/>
+              </a:lnSpc>
+              <a:spcBef>
+                <a:spcPct val="0"/>
+              </a:spcBef>
+              <a:spcAft>
+                <a:spcPct val="0"/>
+              </a:spcAft>
+              <a:buClrTx/>
+              <a:buSzTx/>
+              <a:buFontTx/>
+              <a:buNone/>
+              <a:tabLst/>
+            </a:pPr>
+            <a:r>
+              <a:rPr kumimoji="0" lang="en-US" altLang="ko-KR" sz="1000" b="1" i="0" u="none" strike="noStrike" cap="none" normalizeH="0" baseline="0" dirty="0">
+                <a:ln>
+                  <a:noFill/>
+                </a:ln>
+                <a:solidFill>
+                  <a:schemeClr val="tx1"/>
+                </a:solidFill>
+                <a:effectLst/>
+                <a:latin typeface="맑은 고딕" pitchFamily="50" charset="-127"/>
+                <a:ea typeface="맑은 고딕" pitchFamily="50" charset="-127"/>
+              </a:rPr>
+              <a:t>1</a:t>
+            </a:r>
+            <a:endParaRPr kumimoji="0" lang="ko-KR" altLang="en-US" sz="1000" b="1" i="0" u="none" strike="noStrike" cap="none" normalizeH="0" baseline="0" dirty="0">
+              <a:ln>
+                <a:noFill/>
+              </a:ln>
+              <a:solidFill>
+                <a:schemeClr val="tx1"/>
+              </a:solidFill>
+              <a:effectLst/>
+              <a:latin typeface="맑은 고딕" pitchFamily="50" charset="-127"/>
+              <a:ea typeface="맑은 고딕" pitchFamily="50" charset="-127"/>
+            </a:endParaRPr>
+          </a:p>
+        </p:txBody>
+      </p:sp>
+      <p:sp>
+        <p:nvSpPr>
+          <p:cNvPr id="31" name="타원 30">
+            <a:extLst>
+              <a:ext uri="{FF2B5EF4-FFF2-40B4-BE49-F238E27FC236}">
+                <a16:creationId xmlns:a16="http://schemas.microsoft.com/office/drawing/2014/main" id="{1805627E-FEEE-412E-9226-78EE6240AD87}"/>
+              </a:ext>
+            </a:extLst>
+          </p:cNvPr>
+          <p:cNvSpPr>
+            <a:spLocks noChangeAspect="1"/>
+          </p:cNvSpPr>
+          <p:nvPr/>
+        </p:nvSpPr>
+        <p:spPr bwMode="auto">
+          <a:xfrm>
+            <a:off x="1654855" y="2407803"/>
+            <a:ext cx="209880" cy="209880"/>
+          </a:xfrm>
+          <a:prstGeom prst="ellipse">
+            <a:avLst/>
+          </a:prstGeom>
+          <a:solidFill>
+            <a:srgbClr val="0081E2"/>
+          </a:solidFill>
+          <a:ln w="31750" cap="flat" cmpd="dbl" algn="ctr">
+            <a:solidFill>
+              <a:schemeClr val="bg1">
+                <a:lumMod val="50000"/>
+              </a:schemeClr>
+            </a:solidFill>
+            <a:prstDash val="solid"/>
+            <a:round/>
+            <a:headEnd type="none" w="med" len="med"/>
+            <a:tailEnd type="none" w="med" len="med"/>
+          </a:ln>
+          <a:effectLst/>
+        </p:spPr>
+        <p:txBody>
+          <a:bodyPr vert="horz" wrap="none" lIns="90000" tIns="46800" rIns="90000" bIns="46800" numCol="1" rtlCol="0" anchor="ctr" anchorCtr="0" compatLnSpc="1">
+            <a:prstTxWarp prst="textNoShape">
+              <a:avLst/>
+            </a:prstTxWarp>
+          </a:bodyPr>
+          <a:lstStyle/>
+          <a:p>
+            <a:pPr marL="0" marR="0" indent="0" algn="ctr" defTabSz="914400" rtl="0" eaLnBrk="0" fontAlgn="base" latinLnBrk="0" hangingPunct="0">
+              <a:lnSpc>
+                <a:spcPct val="100000"/>
+              </a:lnSpc>
+              <a:spcBef>
+                <a:spcPct val="0"/>
+              </a:spcBef>
+              <a:spcAft>
+                <a:spcPct val="0"/>
+              </a:spcAft>
+              <a:buClrTx/>
+              <a:buSzTx/>
+              <a:buFontTx/>
+              <a:buNone/>
+              <a:tabLst/>
+            </a:pPr>
+            <a:r>
+              <a:rPr lang="en-US" altLang="ko-KR" sz="1000" b="1" dirty="0">
+                <a:latin typeface="맑은 고딕" pitchFamily="50" charset="-127"/>
+                <a:ea typeface="맑은 고딕" pitchFamily="50" charset="-127"/>
+              </a:rPr>
+              <a:t>2</a:t>
+            </a:r>
+            <a:endParaRPr kumimoji="0" lang="ko-KR" altLang="en-US" sz="1000" b="1" i="0" u="none" strike="noStrike" cap="none" normalizeH="0" baseline="0" dirty="0">
+              <a:ln>
+                <a:noFill/>
+              </a:ln>
+              <a:solidFill>
+                <a:schemeClr val="tx1"/>
+              </a:solidFill>
+              <a:effectLst/>
+              <a:latin typeface="맑은 고딕" pitchFamily="50" charset="-127"/>
+              <a:ea typeface="맑은 고딕" pitchFamily="50" charset="-127"/>
+            </a:endParaRPr>
+          </a:p>
+        </p:txBody>
+      </p:sp>
+      <p:sp>
+        <p:nvSpPr>
+          <p:cNvPr id="32" name="타원 31">
+            <a:extLst>
+              <a:ext uri="{FF2B5EF4-FFF2-40B4-BE49-F238E27FC236}">
+                <a16:creationId xmlns:a16="http://schemas.microsoft.com/office/drawing/2014/main" id="{E751A14C-8A13-4415-A4EA-DCC5DB6B8736}"/>
+              </a:ext>
+            </a:extLst>
+          </p:cNvPr>
+          <p:cNvSpPr>
+            <a:spLocks noChangeAspect="1"/>
+          </p:cNvSpPr>
+          <p:nvPr/>
+        </p:nvSpPr>
+        <p:spPr bwMode="auto">
+          <a:xfrm>
+            <a:off x="1069621" y="1950666"/>
+            <a:ext cx="209880" cy="209880"/>
+          </a:xfrm>
+          <a:prstGeom prst="ellipse">
+            <a:avLst/>
+          </a:prstGeom>
+          <a:solidFill>
+            <a:srgbClr val="0081E2"/>
+          </a:solidFill>
+          <a:ln w="31750" cap="flat" cmpd="dbl" algn="ctr">
+            <a:solidFill>
+              <a:schemeClr val="bg1">
+                <a:lumMod val="50000"/>
+              </a:schemeClr>
+            </a:solidFill>
+            <a:prstDash val="solid"/>
+            <a:round/>
+            <a:headEnd type="none" w="med" len="med"/>
+            <a:tailEnd type="none" w="med" len="med"/>
+          </a:ln>
+          <a:effectLst/>
+        </p:spPr>
+        <p:txBody>
+          <a:bodyPr vert="horz" wrap="none" lIns="90000" tIns="46800" rIns="90000" bIns="46800" numCol="1" rtlCol="0" anchor="ctr" anchorCtr="0" compatLnSpc="1">
+            <a:prstTxWarp prst="textNoShape">
+              <a:avLst/>
+            </a:prstTxWarp>
+          </a:bodyPr>
+          <a:lstStyle/>
+          <a:p>
+            <a:pPr marL="0" marR="0" indent="0" algn="ctr" defTabSz="914400" rtl="0" eaLnBrk="0" fontAlgn="base" latinLnBrk="0" hangingPunct="0">
+              <a:lnSpc>
+                <a:spcPct val="100000"/>
+              </a:lnSpc>
+              <a:spcBef>
+                <a:spcPct val="0"/>
+              </a:spcBef>
+              <a:spcAft>
+                <a:spcPct val="0"/>
+              </a:spcAft>
+              <a:buClrTx/>
+              <a:buSzTx/>
+              <a:buFontTx/>
+              <a:buNone/>
+              <a:tabLst/>
+            </a:pPr>
+            <a:r>
+              <a:rPr lang="en-US" altLang="ko-KR" sz="1000" b="1" dirty="0">
+                <a:latin typeface="맑은 고딕" pitchFamily="50" charset="-127"/>
+                <a:ea typeface="맑은 고딕" pitchFamily="50" charset="-127"/>
+              </a:rPr>
+              <a:t>3</a:t>
+            </a:r>
+            <a:endParaRPr kumimoji="0" lang="ko-KR" altLang="en-US" sz="1000" b="1" i="0" u="none" strike="noStrike" cap="none" normalizeH="0" baseline="0" dirty="0">
+              <a:ln>
+                <a:noFill/>
+              </a:ln>
+              <a:solidFill>
+                <a:schemeClr val="tx1"/>
+              </a:solidFill>
+              <a:effectLst/>
+              <a:latin typeface="맑은 고딕" pitchFamily="50" charset="-127"/>
+              <a:ea typeface="맑은 고딕" pitchFamily="50" charset="-127"/>
+            </a:endParaRPr>
+          </a:p>
+        </p:txBody>
+      </p:sp>
+      <p:sp>
+        <p:nvSpPr>
+          <p:cNvPr id="33" name="타원 32">
+            <a:extLst>
+              <a:ext uri="{FF2B5EF4-FFF2-40B4-BE49-F238E27FC236}">
+                <a16:creationId xmlns:a16="http://schemas.microsoft.com/office/drawing/2014/main" id="{80D108E5-D11C-4189-B58A-A3B6F4DB46C8}"/>
+              </a:ext>
+            </a:extLst>
+          </p:cNvPr>
+          <p:cNvSpPr>
+            <a:spLocks noChangeAspect="1"/>
+          </p:cNvSpPr>
+          <p:nvPr/>
+        </p:nvSpPr>
+        <p:spPr bwMode="auto">
+          <a:xfrm>
+            <a:off x="946994" y="2407803"/>
+            <a:ext cx="209880" cy="209880"/>
+          </a:xfrm>
+          <a:prstGeom prst="ellipse">
+            <a:avLst/>
+          </a:prstGeom>
+          <a:solidFill>
+            <a:srgbClr val="0081E2"/>
+          </a:solidFill>
+          <a:ln w="31750" cap="flat" cmpd="dbl" algn="ctr">
+            <a:solidFill>
+              <a:schemeClr val="bg1">
+                <a:lumMod val="50000"/>
+              </a:schemeClr>
+            </a:solidFill>
+            <a:prstDash val="solid"/>
+            <a:round/>
+            <a:headEnd type="none" w="med" len="med"/>
+            <a:tailEnd type="none" w="med" len="med"/>
+          </a:ln>
+          <a:effectLst/>
+        </p:spPr>
+        <p:txBody>
+          <a:bodyPr vert="horz" wrap="none" lIns="90000" tIns="46800" rIns="90000" bIns="46800" numCol="1" rtlCol="0" anchor="ctr" anchorCtr="0" compatLnSpc="1">
+            <a:prstTxWarp prst="textNoShape">
+              <a:avLst/>
+            </a:prstTxWarp>
+          </a:bodyPr>
+          <a:lstStyle/>
+          <a:p>
+            <a:pPr marL="0" marR="0" indent="0" algn="ctr" defTabSz="914400" rtl="0" eaLnBrk="0" fontAlgn="base" latinLnBrk="0" hangingPunct="0">
+              <a:lnSpc>
+                <a:spcPct val="100000"/>
+              </a:lnSpc>
+              <a:spcBef>
+                <a:spcPct val="0"/>
+              </a:spcBef>
+              <a:spcAft>
+                <a:spcPct val="0"/>
+              </a:spcAft>
+              <a:buClrTx/>
+              <a:buSzTx/>
+              <a:buFontTx/>
+              <a:buNone/>
+              <a:tabLst/>
+            </a:pPr>
+            <a:r>
+              <a:rPr kumimoji="0" lang="en-US" altLang="ko-KR" sz="1000" b="1" i="0" u="none" strike="noStrike" cap="none" normalizeH="0" baseline="0" dirty="0">
+                <a:ln>
+                  <a:noFill/>
+                </a:ln>
+                <a:solidFill>
+                  <a:schemeClr val="tx1"/>
+                </a:solidFill>
+                <a:effectLst/>
+                <a:latin typeface="맑은 고딕" pitchFamily="50" charset="-127"/>
+                <a:ea typeface="맑은 고딕" pitchFamily="50" charset="-127"/>
+              </a:rPr>
+              <a:t>4</a:t>
+            </a:r>
+            <a:endParaRPr kumimoji="0" lang="ko-KR" altLang="en-US" sz="1000" b="1" i="0" u="none" strike="noStrike" cap="none" normalizeH="0" baseline="0" dirty="0">
+              <a:ln>
+                <a:noFill/>
+              </a:ln>
+              <a:solidFill>
+                <a:schemeClr val="tx1"/>
+              </a:solidFill>
+              <a:effectLst/>
+              <a:latin typeface="맑은 고딕" pitchFamily="50" charset="-127"/>
+              <a:ea typeface="맑은 고딕" pitchFamily="50" charset="-127"/>
+            </a:endParaRPr>
+          </a:p>
+        </p:txBody>
+      </p:sp>
+      <p:sp>
+        <p:nvSpPr>
+          <p:cNvPr id="34" name="타원 33">
+            <a:extLst>
+              <a:ext uri="{FF2B5EF4-FFF2-40B4-BE49-F238E27FC236}">
+                <a16:creationId xmlns:a16="http://schemas.microsoft.com/office/drawing/2014/main" id="{F67D54F7-079C-47BF-B873-CFADD327E7A9}"/>
+              </a:ext>
+            </a:extLst>
+          </p:cNvPr>
+          <p:cNvSpPr>
+            <a:spLocks noChangeAspect="1"/>
+          </p:cNvSpPr>
+          <p:nvPr/>
+        </p:nvSpPr>
+        <p:spPr bwMode="auto">
+          <a:xfrm>
+            <a:off x="1557504" y="2995627"/>
+            <a:ext cx="209880" cy="209880"/>
+          </a:xfrm>
+          <a:prstGeom prst="ellipse">
+            <a:avLst/>
+          </a:prstGeom>
+          <a:solidFill>
+            <a:srgbClr val="0081E2"/>
+          </a:solidFill>
+          <a:ln w="31750" cap="flat" cmpd="dbl" algn="ctr">
+            <a:solidFill>
+              <a:schemeClr val="bg1">
+                <a:lumMod val="50000"/>
+              </a:schemeClr>
+            </a:solidFill>
+            <a:prstDash val="solid"/>
+            <a:round/>
+            <a:headEnd type="none" w="med" len="med"/>
+            <a:tailEnd type="none" w="med" len="med"/>
+          </a:ln>
+          <a:effectLst/>
+        </p:spPr>
+        <p:txBody>
+          <a:bodyPr vert="horz" wrap="none" lIns="90000" tIns="46800" rIns="90000" bIns="46800" numCol="1" rtlCol="0" anchor="ctr" anchorCtr="0" compatLnSpc="1">
+            <a:prstTxWarp prst="textNoShape">
+              <a:avLst/>
+            </a:prstTxWarp>
+          </a:bodyPr>
+          <a:lstStyle/>
+          <a:p>
+            <a:pPr marL="0" marR="0" indent="0" algn="ctr" defTabSz="914400" rtl="0" eaLnBrk="0" fontAlgn="base" latinLnBrk="0" hangingPunct="0">
+              <a:lnSpc>
+                <a:spcPct val="100000"/>
+              </a:lnSpc>
+              <a:spcBef>
+                <a:spcPct val="0"/>
+              </a:spcBef>
+              <a:spcAft>
+                <a:spcPct val="0"/>
+              </a:spcAft>
+              <a:buClrTx/>
+              <a:buSzTx/>
+              <a:buFontTx/>
+              <a:buNone/>
+              <a:tabLst/>
+            </a:pPr>
+            <a:r>
+              <a:rPr lang="en-US" altLang="ko-KR" sz="1000" b="1" dirty="0">
+                <a:latin typeface="맑은 고딕" pitchFamily="50" charset="-127"/>
+                <a:ea typeface="맑은 고딕" pitchFamily="50" charset="-127"/>
+              </a:rPr>
+              <a:t>5</a:t>
+            </a:r>
+            <a:endParaRPr kumimoji="0" lang="ko-KR" altLang="en-US" sz="1000" b="1" i="0" u="none" strike="noStrike" cap="none" normalizeH="0" baseline="0" dirty="0">
+              <a:ln>
+                <a:noFill/>
+              </a:ln>
+              <a:solidFill>
+                <a:schemeClr val="tx1"/>
+              </a:solidFill>
+              <a:effectLst/>
+              <a:latin typeface="맑은 고딕" pitchFamily="50" charset="-127"/>
+              <a:ea typeface="맑은 고딕" pitchFamily="50" charset="-127"/>
+            </a:endParaRPr>
+          </a:p>
+        </p:txBody>
+      </p:sp>
+      <p:sp>
+        <p:nvSpPr>
+          <p:cNvPr id="35" name="타원 34">
+            <a:extLst>
+              <a:ext uri="{FF2B5EF4-FFF2-40B4-BE49-F238E27FC236}">
+                <a16:creationId xmlns:a16="http://schemas.microsoft.com/office/drawing/2014/main" id="{A1429871-D130-4C4D-A653-2E88ADB21C7D}"/>
+              </a:ext>
+            </a:extLst>
+          </p:cNvPr>
+          <p:cNvSpPr>
+            <a:spLocks noChangeAspect="1"/>
+          </p:cNvSpPr>
+          <p:nvPr/>
+        </p:nvSpPr>
+        <p:spPr bwMode="auto">
+          <a:xfrm>
+            <a:off x="2610333" y="2995627"/>
+            <a:ext cx="209880" cy="209880"/>
+          </a:xfrm>
+          <a:prstGeom prst="ellipse">
+            <a:avLst/>
+          </a:prstGeom>
+          <a:solidFill>
+            <a:srgbClr val="0081E2"/>
+          </a:solidFill>
+          <a:ln w="31750" cap="flat" cmpd="dbl" algn="ctr">
+            <a:solidFill>
+              <a:schemeClr val="bg1">
+                <a:lumMod val="50000"/>
+              </a:schemeClr>
+            </a:solidFill>
+            <a:prstDash val="solid"/>
+            <a:round/>
+            <a:headEnd type="none" w="med" len="med"/>
+            <a:tailEnd type="none" w="med" len="med"/>
+          </a:ln>
+          <a:effectLst/>
+        </p:spPr>
+        <p:txBody>
+          <a:bodyPr vert="horz" wrap="none" lIns="90000" tIns="46800" rIns="90000" bIns="46800" numCol="1" rtlCol="0" anchor="ctr" anchorCtr="0" compatLnSpc="1">
+            <a:prstTxWarp prst="textNoShape">
+              <a:avLst/>
+            </a:prstTxWarp>
+          </a:bodyPr>
+          <a:lstStyle/>
+          <a:p>
+            <a:pPr marL="0" marR="0" indent="0" algn="ctr" defTabSz="914400" rtl="0" eaLnBrk="0" fontAlgn="base" latinLnBrk="0" hangingPunct="0">
+              <a:lnSpc>
+                <a:spcPct val="100000"/>
+              </a:lnSpc>
+              <a:spcBef>
+                <a:spcPct val="0"/>
+              </a:spcBef>
+              <a:spcAft>
+                <a:spcPct val="0"/>
+              </a:spcAft>
+              <a:buClrTx/>
+              <a:buSzTx/>
+              <a:buFontTx/>
+              <a:buNone/>
+              <a:tabLst/>
+            </a:pPr>
+            <a:r>
+              <a:rPr kumimoji="0" lang="en-US" altLang="ko-KR" sz="1000" b="1" i="0" u="none" strike="noStrike" cap="none" normalizeH="0" baseline="0" dirty="0">
+                <a:ln>
+                  <a:noFill/>
+                </a:ln>
+                <a:solidFill>
+                  <a:schemeClr val="tx1"/>
+                </a:solidFill>
+                <a:effectLst/>
+                <a:latin typeface="맑은 고딕" pitchFamily="50" charset="-127"/>
+                <a:ea typeface="맑은 고딕" pitchFamily="50" charset="-127"/>
+              </a:rPr>
+              <a:t>6</a:t>
+            </a:r>
+            <a:endParaRPr kumimoji="0" lang="ko-KR" altLang="en-US" sz="1000" b="1" i="0" u="none" strike="noStrike" cap="none" normalizeH="0" baseline="0" dirty="0">
+              <a:ln>
+                <a:noFill/>
+              </a:ln>
+              <a:solidFill>
+                <a:schemeClr val="tx1"/>
+              </a:solidFill>
+              <a:effectLst/>
+              <a:latin typeface="맑은 고딕" pitchFamily="50" charset="-127"/>
+              <a:ea typeface="맑은 고딕" pitchFamily="50" charset="-127"/>
+            </a:endParaRPr>
+          </a:p>
+        </p:txBody>
+      </p:sp>
+    </p:spTree>
+    <p:extLst>
+      <p:ext uri="{BB962C8B-B14F-4D97-AF65-F5344CB8AC3E}">
+        <p14:creationId xmlns:p14="http://schemas.microsoft.com/office/powerpoint/2010/main" val="4004888264"/>
       </p:ext>
     </p:extLst>
   </p:cSld>
